--- a/docs/Link Analysis.pptx
+++ b/docs/Link Analysis.pptx
@@ -245,7 +245,7 @@
           <a:p>
             <a:fld id="{6054B12C-0965-4419-9AE4-3DB7691A3F04}" type="datetimeFigureOut">
               <a:rPr lang="en-US" smtClean="0"/>
-              <a:t>12/1/2014</a:t>
+              <a:t>11/29/2015</a:t>
             </a:fld>
             <a:endParaRPr lang="en-US"/>
           </a:p>
@@ -801,7 +801,7 @@
           <a:p>
             <a:r>
               <a:rPr lang="en-US" smtClean="0"/>
-              <a:t>CS 6501: Information Retrieval</a:t>
+              <a:t>CS 4501: Information Retrieval</a:t>
             </a:r>
             <a:endParaRPr lang="en-US"/>
           </a:p>
@@ -975,7 +975,7 @@
           <a:p>
             <a:r>
               <a:rPr lang="en-US" smtClean="0"/>
-              <a:t>CS 6501: Information Retrieval</a:t>
+              <a:t>CS 4501: Information Retrieval</a:t>
             </a:r>
             <a:endParaRPr lang="en-US"/>
           </a:p>
@@ -1159,7 +1159,7 @@
           <a:p>
             <a:r>
               <a:rPr lang="en-US" smtClean="0"/>
-              <a:t>CS 6501: Information Retrieval</a:t>
+              <a:t>CS 4501: Information Retrieval</a:t>
             </a:r>
             <a:endParaRPr lang="en-US"/>
           </a:p>
@@ -1333,7 +1333,7 @@
           <a:p>
             <a:r>
               <a:rPr lang="en-US" smtClean="0"/>
-              <a:t>CS 6501: Information Retrieval</a:t>
+              <a:t>CS 4501: Information Retrieval</a:t>
             </a:r>
             <a:endParaRPr lang="en-US"/>
           </a:p>
@@ -1583,7 +1583,7 @@
           <a:p>
             <a:r>
               <a:rPr lang="en-US" smtClean="0"/>
-              <a:t>CS 6501: Information Retrieval</a:t>
+              <a:t>CS 4501: Information Retrieval</a:t>
             </a:r>
             <a:endParaRPr lang="en-US"/>
           </a:p>
@@ -1875,7 +1875,7 @@
           <a:p>
             <a:r>
               <a:rPr lang="en-US" smtClean="0"/>
-              <a:t>CS 6501: Information Retrieval</a:t>
+              <a:t>CS 4501: Information Retrieval</a:t>
             </a:r>
             <a:endParaRPr lang="en-US"/>
           </a:p>
@@ -2301,7 +2301,7 @@
           <a:p>
             <a:r>
               <a:rPr lang="en-US" smtClean="0"/>
-              <a:t>CS 6501: Information Retrieval</a:t>
+              <a:t>CS 4501: Information Retrieval</a:t>
             </a:r>
             <a:endParaRPr lang="en-US"/>
           </a:p>
@@ -2423,7 +2423,7 @@
           <a:p>
             <a:r>
               <a:rPr lang="en-US" smtClean="0"/>
-              <a:t>CS 6501: Information Retrieval</a:t>
+              <a:t>CS 4501: Information Retrieval</a:t>
             </a:r>
             <a:endParaRPr lang="en-US"/>
           </a:p>
@@ -2522,7 +2522,7 @@
           <a:p>
             <a:r>
               <a:rPr lang="en-US" smtClean="0"/>
-              <a:t>CS 6501: Information Retrieval</a:t>
+              <a:t>CS 4501: Information Retrieval</a:t>
             </a:r>
             <a:endParaRPr lang="en-US"/>
           </a:p>
@@ -2803,7 +2803,7 @@
           <a:p>
             <a:r>
               <a:rPr lang="en-US" smtClean="0"/>
-              <a:t>CS 6501: Information Retrieval</a:t>
+              <a:t>CS 4501: Information Retrieval</a:t>
             </a:r>
             <a:endParaRPr lang="en-US"/>
           </a:p>
@@ -3060,7 +3060,7 @@
           <a:p>
             <a:r>
               <a:rPr lang="en-US" smtClean="0"/>
-              <a:t>CS 6501: Information Retrieval</a:t>
+              <a:t>CS 4501: Information Retrieval</a:t>
             </a:r>
             <a:endParaRPr lang="en-US"/>
           </a:p>
@@ -3295,7 +3295,7 @@
           <a:p>
             <a:r>
               <a:rPr lang="en-US" smtClean="0"/>
-              <a:t>CS 6501: Information Retrieval</a:t>
+              <a:t>CS 4501: Information Retrieval</a:t>
             </a:r>
             <a:endParaRPr lang="en-US"/>
           </a:p>
@@ -4009,7 +4009,7 @@
           <a:p>
             <a:r>
               <a:rPr lang="en-US" smtClean="0"/>
-              <a:t>CS 6501: Information Retrieval</a:t>
+              <a:t>CS 4501: Information Retrieval</a:t>
             </a:r>
             <a:endParaRPr lang="en-US"/>
           </a:p>
@@ -4313,7 +4313,7 @@
           <a:p>
             <a:r>
               <a:rPr lang="en-US" smtClean="0"/>
-              <a:t>CS 6501: Information Retrieval</a:t>
+              <a:t>CS 4501: Information Retrieval</a:t>
             </a:r>
             <a:endParaRPr lang="en-US"/>
           </a:p>
@@ -4677,7 +4677,7 @@
           <a:p>
             <a:r>
               <a:rPr lang="en-US" smtClean="0"/>
-              <a:t>CS 6501: Information Retrieval</a:t>
+              <a:t>CS 4501: Information Retrieval</a:t>
             </a:r>
             <a:endParaRPr lang="en-US"/>
           </a:p>
@@ -4989,7 +4989,7 @@
           <a:p>
             <a:r>
               <a:rPr lang="en-US" smtClean="0"/>
-              <a:t>CS 6501: Information Retrieval</a:t>
+              <a:t>CS 4501: Information Retrieval</a:t>
             </a:r>
             <a:endParaRPr lang="en-US"/>
           </a:p>
@@ -5179,7 +5179,7 @@
           <a:p>
             <a:r>
               <a:rPr lang="en-US" smtClean="0"/>
-              <a:t>CS 6501: Information Retrieval</a:t>
+              <a:t>CS 4501: Information Retrieval</a:t>
             </a:r>
             <a:endParaRPr lang="en-US"/>
           </a:p>
@@ -5379,7 +5379,7 @@
           <a:p>
             <a:r>
               <a:rPr lang="en-US" smtClean="0"/>
-              <a:t>CS 6501: Information Retrieval</a:t>
+              <a:t>CS 4501: Information Retrieval</a:t>
             </a:r>
             <a:endParaRPr lang="en-US"/>
           </a:p>
@@ -7267,7 +7267,7 @@
           <a:p>
             <a:r>
               <a:rPr lang="en-US" smtClean="0"/>
-              <a:t>CS 6501: Information Retrieval</a:t>
+              <a:t>CS 4501: Information Retrieval</a:t>
             </a:r>
             <a:endParaRPr lang="en-US"/>
           </a:p>
@@ -8132,7 +8132,7 @@
           <a:p>
             <a:r>
               <a:rPr lang="en-US" smtClean="0"/>
-              <a:t>CS 6501: Information Retrieval</a:t>
+              <a:t>CS 4501: Information Retrieval</a:t>
             </a:r>
             <a:endParaRPr lang="en-US"/>
           </a:p>
@@ -9089,7 +9089,7 @@
           <a:p>
             <a:r>
               <a:rPr lang="en-US" smtClean="0"/>
-              <a:t>CS 6501: Information Retrieval</a:t>
+              <a:t>CS 4501: Information Retrieval</a:t>
             </a:r>
             <a:endParaRPr lang="en-US"/>
           </a:p>
@@ -12160,7 +12160,7 @@
           <a:p>
             <a:r>
               <a:rPr lang="en-US" smtClean="0"/>
-              <a:t>CS 6501: Information Retrieval</a:t>
+              <a:t>CS 4501: Information Retrieval</a:t>
             </a:r>
             <a:endParaRPr lang="en-US"/>
           </a:p>
@@ -12808,7 +12808,7 @@
           <a:p>
             <a:r>
               <a:rPr lang="en-US" smtClean="0"/>
-              <a:t>CS 6501: Information Retrieval</a:t>
+              <a:t>CS 4501: Information Retrieval</a:t>
             </a:r>
             <a:endParaRPr lang="en-US"/>
           </a:p>
@@ -13329,7 +13329,7 @@
           <a:p>
             <a:r>
               <a:rPr lang="en-US" smtClean="0"/>
-              <a:t>CS 6501: Information Retrieval</a:t>
+              <a:t>CS 4501: Information Retrieval</a:t>
             </a:r>
             <a:endParaRPr lang="en-US"/>
           </a:p>
@@ -13418,8 +13418,8 @@
           </a:p>
         </p:txBody>
       </p:sp>
-      <mc:AlternateContent xmlns:mc="http://schemas.openxmlformats.org/markup-compatibility/2006">
-        <mc:Choice xmlns:a14="http://schemas.microsoft.com/office/drawing/2010/main" Requires="a14">
+      <mc:AlternateContent xmlns:mc="http://schemas.openxmlformats.org/markup-compatibility/2006" xmlns:a14="http://schemas.microsoft.com/office/drawing/2010/main">
+        <mc:Choice Requires="a14">
           <p:sp>
             <p:nvSpPr>
               <p:cNvPr id="3" name="Content Placeholder 2"/>
@@ -13932,7 +13932,7 @@
             </p:txBody>
           </p:sp>
         </mc:Choice>
-        <mc:Fallback>
+        <mc:Fallback xmlns="">
           <p:sp>
             <p:nvSpPr>
               <p:cNvPr id="3" name="Content Placeholder 2"/>
@@ -14006,7 +14006,7 @@
           <a:p>
             <a:r>
               <a:rPr lang="en-US" smtClean="0"/>
-              <a:t>CS 6501: Information Retrieval</a:t>
+              <a:t>CS 4501: Information Retrieval</a:t>
             </a:r>
             <a:endParaRPr lang="en-US"/>
           </a:p>
@@ -14730,7 +14730,7 @@
           <a:p>
             <a:r>
               <a:rPr lang="en-US" smtClean="0"/>
-              <a:t>CS 6501: Information Retrieval</a:t>
+              <a:t>CS 4501: Information Retrieval</a:t>
             </a:r>
             <a:endParaRPr lang="en-US"/>
           </a:p>
@@ -15050,7 +15050,7 @@
           <a:p>
             <a:r>
               <a:rPr lang="en-US" smtClean="0"/>
-              <a:t>CS 6501: Information Retrieval</a:t>
+              <a:t>CS 4501: Information Retrieval</a:t>
             </a:r>
             <a:endParaRPr lang="en-US"/>
           </a:p>
@@ -15638,7 +15638,7 @@
           <a:p>
             <a:r>
               <a:rPr lang="en-US" smtClean="0"/>
-              <a:t>CS 6501: Information Retrieval</a:t>
+              <a:t>CS 4501: Information Retrieval</a:t>
             </a:r>
             <a:endParaRPr lang="en-US"/>
           </a:p>
@@ -15727,8 +15727,8 @@
           </a:p>
         </p:txBody>
       </p:sp>
-      <mc:AlternateContent xmlns:mc="http://schemas.openxmlformats.org/markup-compatibility/2006">
-        <mc:Choice xmlns:a14="http://schemas.microsoft.com/office/drawing/2010/main" Requires="a14">
+      <mc:AlternateContent xmlns:mc="http://schemas.openxmlformats.org/markup-compatibility/2006" xmlns:a14="http://schemas.microsoft.com/office/drawing/2010/main">
+        <mc:Choice Requires="a14">
           <p:sp>
             <p:nvSpPr>
               <p:cNvPr id="3" name="Content Placeholder 2"/>
@@ -16002,15 +16002,7 @@
                 <a:pPr lvl="2"/>
                 <a:r>
                   <a:rPr lang="en-US" dirty="0" smtClean="0"/>
-                  <a:t>Convergence </a:t>
-                </a:r>
-                <a:r>
-                  <a:rPr lang="en-US" dirty="0" smtClean="0"/>
-                  <a:t>rate is </a:t>
-                </a:r>
-                <a:r>
-                  <a:rPr lang="en-US" dirty="0" smtClean="0"/>
-                  <a:t>determined by the second eigenvalue</a:t>
+                  <a:t>Convergence rate is determined by the second eigenvalue</a:t>
                 </a:r>
               </a:p>
               <a:p>
@@ -16049,7 +16041,7 @@
             </p:txBody>
           </p:sp>
         </mc:Choice>
-        <mc:Fallback>
+        <mc:Fallback xmlns="">
           <p:sp>
             <p:nvSpPr>
               <p:cNvPr id="3" name="Content Placeholder 2"/>
@@ -16123,7 +16115,7 @@
           <a:p>
             <a:r>
               <a:rPr lang="en-US" smtClean="0"/>
-              <a:t>CS 6501: Information Retrieval</a:t>
+              <a:t>CS 4501: Information Retrieval</a:t>
             </a:r>
             <a:endParaRPr lang="en-US"/>
           </a:p>
@@ -16612,7 +16604,7 @@
           <a:p>
             <a:r>
               <a:rPr lang="en-US" smtClean="0"/>
-              <a:t>CS 6501: Information Retrieval</a:t>
+              <a:t>CS 4501: Information Retrieval</a:t>
             </a:r>
             <a:endParaRPr lang="en-US"/>
           </a:p>
@@ -17129,7 +17121,7 @@
           <a:p>
             <a:r>
               <a:rPr lang="en-US" smtClean="0"/>
-              <a:t>CS 6501: Information Retrieval</a:t>
+              <a:t>CS 4501: Information Retrieval</a:t>
             </a:r>
             <a:endParaRPr lang="en-US"/>
           </a:p>
@@ -17483,7 +17475,7 @@
           <a:p>
             <a:r>
               <a:rPr lang="en-US" smtClean="0"/>
-              <a:t>CS 6501: Information Retrieval</a:t>
+              <a:t>CS 4501: Information Retrieval</a:t>
             </a:r>
             <a:endParaRPr lang="en-US"/>
           </a:p>
@@ -18130,7 +18122,7 @@
           <a:p>
             <a:r>
               <a:rPr lang="en-US" smtClean="0"/>
-              <a:t>CS 6501: Information Retrieval</a:t>
+              <a:t>CS 4501: Information Retrieval</a:t>
             </a:r>
             <a:endParaRPr lang="en-US"/>
           </a:p>
@@ -18814,7 +18806,7 @@
           <a:p>
             <a:r>
               <a:rPr lang="en-US" smtClean="0"/>
-              <a:t>CS 6501: Information Retrieval</a:t>
+              <a:t>CS 4501: Information Retrieval</a:t>
             </a:r>
             <a:endParaRPr lang="en-US"/>
           </a:p>
@@ -19385,7 +19377,7 @@
           <a:p>
             <a:r>
               <a:rPr lang="en-US" smtClean="0"/>
-              <a:t>CS 6501: Information Retrieval</a:t>
+              <a:t>CS 4501: Information Retrieval</a:t>
             </a:r>
             <a:endParaRPr lang="en-US"/>
           </a:p>
@@ -19632,7 +19624,7 @@
           <a:p>
             <a:r>
               <a:rPr lang="en-US" smtClean="0"/>
-              <a:t>CS 6501: Information Retrieval</a:t>
+              <a:t>CS 4501: Information Retrieval</a:t>
             </a:r>
             <a:endParaRPr lang="en-US"/>
           </a:p>
@@ -19910,7 +19902,7 @@
           <a:p>
             <a:r>
               <a:rPr lang="en-US" smtClean="0"/>
-              <a:t>CS 6501: Information Retrieval</a:t>
+              <a:t>CS 4501: Information Retrieval</a:t>
             </a:r>
             <a:endParaRPr lang="en-US"/>
           </a:p>
@@ -20958,7 +20950,7 @@
           <a:p>
             <a:r>
               <a:rPr lang="en-US" smtClean="0"/>
-              <a:t>CS 6501: Information Retrieval</a:t>
+              <a:t>CS 4501: Information Retrieval</a:t>
             </a:r>
             <a:endParaRPr lang="en-US"/>
           </a:p>
@@ -22216,7 +22208,7 @@
           <a:p>
             <a:r>
               <a:rPr lang="en-US" smtClean="0"/>
-              <a:t>CS 6501: Information Retrieval</a:t>
+              <a:t>CS 4501: Information Retrieval</a:t>
             </a:r>
             <a:endParaRPr lang="en-US"/>
           </a:p>
@@ -22409,7 +22401,7 @@
           <a:p>
             <a:r>
               <a:rPr lang="en-US" smtClean="0"/>
-              <a:t>CS 6501: Information Retrieval</a:t>
+              <a:t>CS 4501: Information Retrieval</a:t>
             </a:r>
             <a:endParaRPr lang="en-US"/>
           </a:p>
@@ -22589,7 +22581,7 @@
           <a:p>
             <a:r>
               <a:rPr lang="en-US" smtClean="0"/>
-              <a:t>CS 6501: Information Retrieval</a:t>
+              <a:t>CS 4501: Information Retrieval</a:t>
             </a:r>
             <a:endParaRPr lang="en-US"/>
           </a:p>
@@ -22878,7 +22870,7 @@
           <a:p>
             <a:r>
               <a:rPr lang="en-US" smtClean="0"/>
-              <a:t>CS 6501: Information Retrieval</a:t>
+              <a:t>CS 4501: Information Retrieval</a:t>
             </a:r>
             <a:endParaRPr lang="en-US"/>
           </a:p>
@@ -23266,7 +23258,7 @@
           <a:p>
             <a:r>
               <a:rPr lang="en-US" smtClean="0"/>
-              <a:t>CS 6501: Information Retrieval</a:t>
+              <a:t>CS 4501: Information Retrieval</a:t>
             </a:r>
             <a:endParaRPr lang="en-US"/>
           </a:p>
@@ -23451,7 +23443,7 @@
           <a:p>
             <a:r>
               <a:rPr lang="en-US" smtClean="0"/>
-              <a:t>CS 6501: Information Retrieval</a:t>
+              <a:t>CS 4501: Information Retrieval</a:t>
             </a:r>
             <a:endParaRPr lang="en-US"/>
           </a:p>
@@ -24330,7 +24322,7 @@
           <a:p>
             <a:r>
               <a:rPr lang="en-US" smtClean="0"/>
-              <a:t>CS 6501: Information Retrieval</a:t>
+              <a:t>CS 4501: Information Retrieval</a:t>
             </a:r>
             <a:endParaRPr lang="en-US"/>
           </a:p>
@@ -24765,7 +24757,7 @@
           <a:graphicData uri="http://schemas.openxmlformats.org/presentationml/2006/ole">
             <mc:AlternateContent xmlns:mc="http://schemas.openxmlformats.org/markup-compatibility/2006">
               <mc:Choice xmlns:v="urn:schemas-microsoft-com:vml" Requires="v">
-                <p:oleObj spid="_x0000_s2069" name="Equation" r:id="rId3" imgW="2705040" imgH="901440" progId="Equation.DSMT4">
+                <p:oleObj spid="_x0000_s2072" name="Equation" r:id="rId3" imgW="2705040" imgH="901440" progId="Equation.DSMT4">
                   <p:embed/>
                 </p:oleObj>
               </mc:Choice>
@@ -24996,13 +24988,7 @@
                 <a:rPr lang="en-US" altLang="en-US" sz="2000" dirty="0" smtClean="0">
                   <a:latin typeface="Arial" charset="0"/>
                 </a:rPr>
-                <a:t>estimated by </a:t>
-              </a:r>
-              <a:r>
-                <a:rPr lang="en-US" altLang="en-US" sz="2000" dirty="0" smtClean="0">
-                  <a:latin typeface="Arial" charset="0"/>
-                </a:rPr>
-                <a:t>EM or manually set</a:t>
+                <a:t>estimated by EM or manually set</a:t>
               </a:r>
               <a:endParaRPr lang="en-US" altLang="en-US" sz="2000" dirty="0">
                 <a:latin typeface="Arial" charset="0"/>
@@ -25659,7 +25645,7 @@
           <a:p>
             <a:r>
               <a:rPr lang="en-US" smtClean="0"/>
-              <a:t>CS 6501: Information Retrieval</a:t>
+              <a:t>CS 4501: Information Retrieval</a:t>
             </a:r>
             <a:endParaRPr lang="en-US"/>
           </a:p>
@@ -26101,7 +26087,7 @@
           <a:p>
             <a:r>
               <a:rPr lang="en-US" smtClean="0"/>
-              <a:t>CS 6501: Information Retrieval</a:t>
+              <a:t>CS 4501: Information Retrieval</a:t>
             </a:r>
             <a:endParaRPr lang="en-US"/>
           </a:p>
@@ -26391,7 +26377,7 @@
           <a:p>
             <a:r>
               <a:rPr lang="en-US" smtClean="0"/>
-              <a:t>CS 6501: Information Retrieval</a:t>
+              <a:t>CS 4501: Information Retrieval</a:t>
             </a:r>
             <a:endParaRPr lang="en-US"/>
           </a:p>
@@ -26571,7 +26557,7 @@
           <a:p>
             <a:r>
               <a:rPr lang="en-US" smtClean="0"/>
-              <a:t>CS 6501: Information Retrieval</a:t>
+              <a:t>CS 4501: Information Retrieval</a:t>
             </a:r>
             <a:endParaRPr lang="en-US"/>
           </a:p>

--- a/docs/Link Analysis.pptx
+++ b/docs/Link Analysis.pptx
@@ -5,47 +5,49 @@
     <p:sldMasterId id="2147483648" r:id="rId1"/>
   </p:sldMasterIdLst>
   <p:notesMasterIdLst>
-    <p:notesMasterId r:id="rId40"/>
+    <p:notesMasterId r:id="rId42"/>
   </p:notesMasterIdLst>
   <p:sldIdLst>
     <p:sldId id="256" r:id="rId2"/>
-    <p:sldId id="257" r:id="rId3"/>
-    <p:sldId id="258" r:id="rId4"/>
-    <p:sldId id="262" r:id="rId5"/>
-    <p:sldId id="261" r:id="rId6"/>
-    <p:sldId id="260" r:id="rId7"/>
-    <p:sldId id="259" r:id="rId8"/>
-    <p:sldId id="263" r:id="rId9"/>
-    <p:sldId id="264" r:id="rId10"/>
-    <p:sldId id="268" r:id="rId11"/>
-    <p:sldId id="265" r:id="rId12"/>
-    <p:sldId id="266" r:id="rId13"/>
-    <p:sldId id="267" r:id="rId14"/>
-    <p:sldId id="269" r:id="rId15"/>
-    <p:sldId id="270" r:id="rId16"/>
-    <p:sldId id="271" r:id="rId17"/>
-    <p:sldId id="272" r:id="rId18"/>
-    <p:sldId id="274" r:id="rId19"/>
-    <p:sldId id="273" r:id="rId20"/>
-    <p:sldId id="275" r:id="rId21"/>
-    <p:sldId id="276" r:id="rId22"/>
-    <p:sldId id="277" r:id="rId23"/>
-    <p:sldId id="278" r:id="rId24"/>
-    <p:sldId id="279" r:id="rId25"/>
-    <p:sldId id="280" r:id="rId26"/>
-    <p:sldId id="281" r:id="rId27"/>
-    <p:sldId id="282" r:id="rId28"/>
-    <p:sldId id="284" r:id="rId29"/>
-    <p:sldId id="285" r:id="rId30"/>
-    <p:sldId id="286" r:id="rId31"/>
-    <p:sldId id="287" r:id="rId32"/>
-    <p:sldId id="288" r:id="rId33"/>
-    <p:sldId id="289" r:id="rId34"/>
-    <p:sldId id="291" r:id="rId35"/>
-    <p:sldId id="292" r:id="rId36"/>
-    <p:sldId id="293" r:id="rId37"/>
-    <p:sldId id="294" r:id="rId38"/>
-    <p:sldId id="295" r:id="rId39"/>
+    <p:sldId id="297" r:id="rId3"/>
+    <p:sldId id="296" r:id="rId4"/>
+    <p:sldId id="257" r:id="rId5"/>
+    <p:sldId id="258" r:id="rId6"/>
+    <p:sldId id="262" r:id="rId7"/>
+    <p:sldId id="261" r:id="rId8"/>
+    <p:sldId id="260" r:id="rId9"/>
+    <p:sldId id="259" r:id="rId10"/>
+    <p:sldId id="263" r:id="rId11"/>
+    <p:sldId id="264" r:id="rId12"/>
+    <p:sldId id="268" r:id="rId13"/>
+    <p:sldId id="265" r:id="rId14"/>
+    <p:sldId id="266" r:id="rId15"/>
+    <p:sldId id="267" r:id="rId16"/>
+    <p:sldId id="269" r:id="rId17"/>
+    <p:sldId id="270" r:id="rId18"/>
+    <p:sldId id="271" r:id="rId19"/>
+    <p:sldId id="272" r:id="rId20"/>
+    <p:sldId id="274" r:id="rId21"/>
+    <p:sldId id="273" r:id="rId22"/>
+    <p:sldId id="275" r:id="rId23"/>
+    <p:sldId id="276" r:id="rId24"/>
+    <p:sldId id="277" r:id="rId25"/>
+    <p:sldId id="278" r:id="rId26"/>
+    <p:sldId id="279" r:id="rId27"/>
+    <p:sldId id="280" r:id="rId28"/>
+    <p:sldId id="281" r:id="rId29"/>
+    <p:sldId id="282" r:id="rId30"/>
+    <p:sldId id="284" r:id="rId31"/>
+    <p:sldId id="285" r:id="rId32"/>
+    <p:sldId id="286" r:id="rId33"/>
+    <p:sldId id="287" r:id="rId34"/>
+    <p:sldId id="288" r:id="rId35"/>
+    <p:sldId id="289" r:id="rId36"/>
+    <p:sldId id="291" r:id="rId37"/>
+    <p:sldId id="292" r:id="rId38"/>
+    <p:sldId id="293" r:id="rId39"/>
+    <p:sldId id="294" r:id="rId40"/>
+    <p:sldId id="295" r:id="rId41"/>
   </p:sldIdLst>
   <p:sldSz cx="9144000" cy="6858000" type="screen4x3"/>
   <p:notesSz cx="6858000" cy="9144000"/>
@@ -245,7 +247,7 @@
           <a:p>
             <a:fld id="{6054B12C-0965-4419-9AE4-3DB7691A3F04}" type="datetimeFigureOut">
               <a:rPr lang="en-US" smtClean="0"/>
-              <a:t>11/29/2015</a:t>
+              <a:t>11/30/2015</a:t>
             </a:fld>
             <a:endParaRPr lang="en-US"/>
           </a:p>
@@ -588,6 +590,98 @@
     <p:extLst>
       <p:ext uri="{BB962C8B-B14F-4D97-AF65-F5344CB8AC3E}">
         <p14:creationId xmlns:p14="http://schemas.microsoft.com/office/powerpoint/2010/main" val="304844877"/>
+      </p:ext>
+    </p:extLst>
+  </p:cSld>
+  <p:clrMapOvr>
+    <a:masterClrMapping/>
+  </p:clrMapOvr>
+</p:notes>
+</file>
+
+<file path=ppt/notesSlides/notesSlide2.xml><?xml version="1.0" encoding="utf-8"?>
+<p:notes xmlns:a="http://schemas.openxmlformats.org/drawingml/2006/main" xmlns:r="http://schemas.openxmlformats.org/officeDocument/2006/relationships" xmlns:p="http://schemas.openxmlformats.org/presentationml/2006/main">
+  <p:cSld>
+    <p:spTree>
+      <p:nvGrpSpPr>
+        <p:cNvPr id="1" name=""/>
+        <p:cNvGrpSpPr/>
+        <p:nvPr/>
+      </p:nvGrpSpPr>
+      <p:grpSpPr>
+        <a:xfrm>
+          <a:off x="0" y="0"/>
+          <a:ext cx="0" cy="0"/>
+          <a:chOff x="0" y="0"/>
+          <a:chExt cx="0" cy="0"/>
+        </a:xfrm>
+      </p:grpSpPr>
+      <p:sp>
+        <p:nvSpPr>
+          <p:cNvPr id="2" name="Slide Image Placeholder 1"/>
+          <p:cNvSpPr>
+            <a:spLocks noGrp="1" noRot="1" noChangeAspect="1"/>
+          </p:cNvSpPr>
+          <p:nvPr>
+            <p:ph type="sldImg"/>
+          </p:nvPr>
+        </p:nvSpPr>
+        <p:spPr/>
+      </p:sp>
+      <p:sp>
+        <p:nvSpPr>
+          <p:cNvPr id="3" name="Notes Placeholder 2"/>
+          <p:cNvSpPr>
+            <a:spLocks noGrp="1"/>
+          </p:cNvSpPr>
+          <p:nvPr>
+            <p:ph type="body" idx="1"/>
+          </p:nvPr>
+        </p:nvSpPr>
+        <p:spPr/>
+        <p:txBody>
+          <a:bodyPr/>
+          <a:lstStyle/>
+          <a:p>
+            <a:r>
+              <a:rPr lang="en-US" dirty="0" smtClean="0"/>
+              <a:t>A user clicks on a returned document if and only</a:t>
+            </a:r>
+            <a:r>
+              <a:rPr lang="en-US" baseline="0" dirty="0" smtClean="0"/>
+              <a:t> if that document has been examined by the user and it is relevant to the given query.</a:t>
+            </a:r>
+            <a:endParaRPr lang="en-US" dirty="0"/>
+          </a:p>
+        </p:txBody>
+      </p:sp>
+      <p:sp>
+        <p:nvSpPr>
+          <p:cNvPr id="4" name="Slide Number Placeholder 3"/>
+          <p:cNvSpPr>
+            <a:spLocks noGrp="1"/>
+          </p:cNvSpPr>
+          <p:nvPr>
+            <p:ph type="sldNum" sz="quarter" idx="10"/>
+          </p:nvPr>
+        </p:nvSpPr>
+        <p:spPr/>
+        <p:txBody>
+          <a:bodyPr/>
+          <a:lstStyle/>
+          <a:p>
+            <a:fld id="{2828AB52-AF50-48BC-AE94-313762525599}" type="slidenum">
+              <a:rPr lang="en-US" smtClean="0"/>
+              <a:t>3</a:t>
+            </a:fld>
+            <a:endParaRPr lang="en-US"/>
+          </a:p>
+        </p:txBody>
+      </p:sp>
+    </p:spTree>
+    <p:extLst>
+      <p:ext uri="{BB962C8B-B14F-4D97-AF65-F5344CB8AC3E}">
+        <p14:creationId xmlns:p14="http://schemas.microsoft.com/office/powerpoint/2010/main" val="2101375125"/>
       </p:ext>
     </p:extLst>
   </p:cSld>
@@ -3767,6 +3861,476 @@
           <a:p>
             <a:r>
               <a:rPr lang="en-US" dirty="0" smtClean="0"/>
+              <a:t>Anchor</a:t>
+            </a:r>
+          </a:p>
+          <a:p>
+            <a:pPr lvl="1"/>
+            <a:r>
+              <a:rPr lang="en-US" dirty="0" smtClean="0"/>
+              <a:t>Rendered form</a:t>
+            </a:r>
+          </a:p>
+          <a:p>
+            <a:endParaRPr lang="en-US" sz="2400" dirty="0"/>
+          </a:p>
+          <a:p>
+            <a:endParaRPr lang="en-US" dirty="0" smtClean="0"/>
+          </a:p>
+          <a:p>
+            <a:endParaRPr lang="en-US" dirty="0"/>
+          </a:p>
+          <a:p>
+            <a:pPr lvl="1"/>
+            <a:r>
+              <a:rPr lang="en-US" dirty="0" smtClean="0"/>
+              <a:t>Original form</a:t>
+            </a:r>
+          </a:p>
+          <a:p>
+            <a:pPr lvl="1"/>
+            <a:endParaRPr lang="en-US" dirty="0" smtClean="0"/>
+          </a:p>
+          <a:p>
+            <a:pPr lvl="1"/>
+            <a:endParaRPr lang="en-US" dirty="0"/>
+          </a:p>
+        </p:txBody>
+      </p:sp>
+      <p:pic>
+        <p:nvPicPr>
+          <p:cNvPr id="3074" name="Picture 2"/>
+          <p:cNvPicPr>
+            <a:picLocks noChangeAspect="1" noChangeArrowheads="1"/>
+          </p:cNvPicPr>
+          <p:nvPr/>
+        </p:nvPicPr>
+        <p:blipFill>
+          <a:blip r:embed="rId2">
+            <a:extLst>
+              <a:ext uri="{28A0092B-C50C-407E-A947-70E740481C1C}">
+                <a14:useLocalDpi xmlns:a14="http://schemas.microsoft.com/office/drawing/2010/main" val="0"/>
+              </a:ext>
+            </a:extLst>
+          </a:blip>
+          <a:srcRect/>
+          <a:stretch>
+            <a:fillRect/>
+          </a:stretch>
+        </p:blipFill>
+        <p:spPr bwMode="auto">
+          <a:xfrm>
+            <a:off x="1229677" y="2694432"/>
+            <a:ext cx="6715125" cy="1638300"/>
+          </a:xfrm>
+          <a:prstGeom prst="rect">
+            <a:avLst/>
+          </a:prstGeom>
+          <a:noFill/>
+          <a:ln>
+            <a:noFill/>
+          </a:ln>
+          <a:extLst>
+            <a:ext uri="{909E8E84-426E-40DD-AFC4-6F175D3DCCD1}">
+              <a14:hiddenFill xmlns:a14="http://schemas.microsoft.com/office/drawing/2010/main">
+                <a:solidFill>
+                  <a:schemeClr val="accent1"/>
+                </a:solidFill>
+              </a14:hiddenFill>
+            </a:ext>
+            <a:ext uri="{91240B29-F687-4F45-9708-019B960494DF}">
+              <a14:hiddenLine xmlns:a14="http://schemas.microsoft.com/office/drawing/2010/main" w="9525">
+                <a:solidFill>
+                  <a:schemeClr val="tx1"/>
+                </a:solidFill>
+                <a:miter lim="800000"/>
+                <a:headEnd/>
+                <a:tailEnd/>
+              </a14:hiddenLine>
+            </a:ext>
+          </a:extLst>
+        </p:spPr>
+      </p:pic>
+      <p:pic>
+        <p:nvPicPr>
+          <p:cNvPr id="3076" name="Picture 4"/>
+          <p:cNvPicPr>
+            <a:picLocks noChangeAspect="1" noChangeArrowheads="1"/>
+          </p:cNvPicPr>
+          <p:nvPr/>
+        </p:nvPicPr>
+        <p:blipFill>
+          <a:blip r:embed="rId3">
+            <a:extLst>
+              <a:ext uri="{28A0092B-C50C-407E-A947-70E740481C1C}">
+                <a14:useLocalDpi xmlns:a14="http://schemas.microsoft.com/office/drawing/2010/main" val="0"/>
+              </a:ext>
+            </a:extLst>
+          </a:blip>
+          <a:srcRect/>
+          <a:stretch>
+            <a:fillRect/>
+          </a:stretch>
+        </p:blipFill>
+        <p:spPr bwMode="auto">
+          <a:xfrm>
+            <a:off x="1229677" y="4800600"/>
+            <a:ext cx="6528050" cy="594360"/>
+          </a:xfrm>
+          <a:prstGeom prst="rect">
+            <a:avLst/>
+          </a:prstGeom>
+          <a:noFill/>
+          <a:ln>
+            <a:noFill/>
+          </a:ln>
+          <a:extLst>
+            <a:ext uri="{909E8E84-426E-40DD-AFC4-6F175D3DCCD1}">
+              <a14:hiddenFill xmlns:a14="http://schemas.microsoft.com/office/drawing/2010/main">
+                <a:solidFill>
+                  <a:schemeClr val="accent1"/>
+                </a:solidFill>
+              </a14:hiddenFill>
+            </a:ext>
+            <a:ext uri="{91240B29-F687-4F45-9708-019B960494DF}">
+              <a14:hiddenLine xmlns:a14="http://schemas.microsoft.com/office/drawing/2010/main" w="9525">
+                <a:solidFill>
+                  <a:schemeClr val="tx1"/>
+                </a:solidFill>
+                <a:miter lim="800000"/>
+                <a:headEnd/>
+                <a:tailEnd/>
+              </a14:hiddenLine>
+            </a:ext>
+          </a:extLst>
+        </p:spPr>
+      </p:pic>
+      <p:sp>
+        <p:nvSpPr>
+          <p:cNvPr id="4" name="Date Placeholder 3"/>
+          <p:cNvSpPr>
+            <a:spLocks noGrp="1"/>
+          </p:cNvSpPr>
+          <p:nvPr>
+            <p:ph type="dt" sz="half" idx="10"/>
+          </p:nvPr>
+        </p:nvSpPr>
+        <p:spPr/>
+        <p:txBody>
+          <a:bodyPr/>
+          <a:lstStyle/>
+          <a:p>
+            <a:r>
+              <a:rPr lang="en-US" smtClean="0"/>
+              <a:t>CS@UVa</a:t>
+            </a:r>
+            <a:endParaRPr lang="en-US"/>
+          </a:p>
+        </p:txBody>
+      </p:sp>
+      <p:sp>
+        <p:nvSpPr>
+          <p:cNvPr id="5" name="Footer Placeholder 4"/>
+          <p:cNvSpPr>
+            <a:spLocks noGrp="1"/>
+          </p:cNvSpPr>
+          <p:nvPr>
+            <p:ph type="ftr" sz="quarter" idx="11"/>
+          </p:nvPr>
+        </p:nvSpPr>
+        <p:spPr/>
+        <p:txBody>
+          <a:bodyPr/>
+          <a:lstStyle/>
+          <a:p>
+            <a:r>
+              <a:rPr lang="en-US" smtClean="0"/>
+              <a:t>CS 4501: Information Retrieval</a:t>
+            </a:r>
+            <a:endParaRPr lang="en-US"/>
+          </a:p>
+        </p:txBody>
+      </p:sp>
+      <p:sp>
+        <p:nvSpPr>
+          <p:cNvPr id="6" name="Slide Number Placeholder 5"/>
+          <p:cNvSpPr>
+            <a:spLocks noGrp="1"/>
+          </p:cNvSpPr>
+          <p:nvPr>
+            <p:ph type="sldNum" sz="quarter" idx="12"/>
+          </p:nvPr>
+        </p:nvSpPr>
+        <p:spPr/>
+        <p:txBody>
+          <a:bodyPr/>
+          <a:lstStyle/>
+          <a:p>
+            <a:fld id="{07EBFD83-9EC0-4EA4-B541-6D3CD8FCBB6C}" type="slidenum">
+              <a:rPr lang="en-US" smtClean="0"/>
+              <a:t>10</a:t>
+            </a:fld>
+            <a:endParaRPr lang="en-US"/>
+          </a:p>
+        </p:txBody>
+      </p:sp>
+    </p:spTree>
+    <p:extLst>
+      <p:ext uri="{BB962C8B-B14F-4D97-AF65-F5344CB8AC3E}">
+        <p14:creationId xmlns:p14="http://schemas.microsoft.com/office/powerpoint/2010/main" val="203450677"/>
+      </p:ext>
+    </p:extLst>
+  </p:cSld>
+  <p:clrMapOvr>
+    <a:masterClrMapping/>
+  </p:clrMapOvr>
+  <p:timing>
+    <p:tnLst>
+      <p:par>
+        <p:cTn id="1" dur="indefinite" restart="never" nodeType="tmRoot"/>
+      </p:par>
+    </p:tnLst>
+  </p:timing>
+</p:sld>
+</file>
+
+<file path=ppt/slides/slide11.xml><?xml version="1.0" encoding="utf-8"?>
+<p:sld xmlns:a="http://schemas.openxmlformats.org/drawingml/2006/main" xmlns:r="http://schemas.openxmlformats.org/officeDocument/2006/relationships" xmlns:p="http://schemas.openxmlformats.org/presentationml/2006/main">
+  <p:cSld>
+    <p:spTree>
+      <p:nvGrpSpPr>
+        <p:cNvPr id="1" name=""/>
+        <p:cNvGrpSpPr/>
+        <p:nvPr/>
+      </p:nvGrpSpPr>
+      <p:grpSpPr>
+        <a:xfrm>
+          <a:off x="0" y="0"/>
+          <a:ext cx="0" cy="0"/>
+          <a:chOff x="0" y="0"/>
+          <a:chExt cx="0" cy="0"/>
+        </a:xfrm>
+      </p:grpSpPr>
+      <p:sp>
+        <p:nvSpPr>
+          <p:cNvPr id="2" name="Title 1"/>
+          <p:cNvSpPr>
+            <a:spLocks noGrp="1"/>
+          </p:cNvSpPr>
+          <p:nvPr>
+            <p:ph type="title"/>
+          </p:nvPr>
+        </p:nvSpPr>
+        <p:spPr/>
+        <p:txBody>
+          <a:bodyPr/>
+          <a:lstStyle/>
+          <a:p>
+            <a:r>
+              <a:rPr lang="en-US" dirty="0" smtClean="0"/>
+              <a:t>What do the links tell us?</a:t>
+            </a:r>
+            <a:endParaRPr lang="en-US" dirty="0"/>
+          </a:p>
+        </p:txBody>
+      </p:sp>
+      <p:sp>
+        <p:nvSpPr>
+          <p:cNvPr id="3" name="Content Placeholder 2"/>
+          <p:cNvSpPr>
+            <a:spLocks noGrp="1"/>
+          </p:cNvSpPr>
+          <p:nvPr>
+            <p:ph idx="1"/>
+          </p:nvPr>
+        </p:nvSpPr>
+        <p:spPr/>
+        <p:txBody>
+          <a:bodyPr/>
+          <a:lstStyle/>
+          <a:p>
+            <a:r>
+              <a:rPr lang="en-US" dirty="0" smtClean="0"/>
+              <a:t>Anchor text</a:t>
+            </a:r>
+          </a:p>
+          <a:p>
+            <a:pPr lvl="1"/>
+            <a:r>
+              <a:rPr lang="en-US" dirty="0" smtClean="0"/>
+              <a:t>How others describe the page</a:t>
+            </a:r>
+          </a:p>
+          <a:p>
+            <a:pPr lvl="2"/>
+            <a:r>
+              <a:rPr lang="en-US" dirty="0" smtClean="0"/>
+              <a:t>E.g., “big blue” is a nick name of IBM, but never found on IBM’s official web site</a:t>
+            </a:r>
+          </a:p>
+          <a:p>
+            <a:pPr lvl="1"/>
+            <a:r>
+              <a:rPr lang="en-US" dirty="0" smtClean="0"/>
+              <a:t> A good source for query expansion, or can be directly put into index</a:t>
+            </a:r>
+          </a:p>
+          <a:p>
+            <a:pPr lvl="2"/>
+            <a:endParaRPr lang="en-US" dirty="0" smtClean="0"/>
+          </a:p>
+          <a:p>
+            <a:pPr lvl="1"/>
+            <a:endParaRPr lang="en-US" dirty="0"/>
+          </a:p>
+        </p:txBody>
+      </p:sp>
+      <p:sp>
+        <p:nvSpPr>
+          <p:cNvPr id="4" name="Date Placeholder 3"/>
+          <p:cNvSpPr>
+            <a:spLocks noGrp="1"/>
+          </p:cNvSpPr>
+          <p:nvPr>
+            <p:ph type="dt" sz="half" idx="10"/>
+          </p:nvPr>
+        </p:nvSpPr>
+        <p:spPr/>
+        <p:txBody>
+          <a:bodyPr/>
+          <a:lstStyle/>
+          <a:p>
+            <a:r>
+              <a:rPr lang="en-US" smtClean="0"/>
+              <a:t>CS@UVa</a:t>
+            </a:r>
+            <a:endParaRPr lang="en-US"/>
+          </a:p>
+        </p:txBody>
+      </p:sp>
+      <p:sp>
+        <p:nvSpPr>
+          <p:cNvPr id="5" name="Footer Placeholder 4"/>
+          <p:cNvSpPr>
+            <a:spLocks noGrp="1"/>
+          </p:cNvSpPr>
+          <p:nvPr>
+            <p:ph type="ftr" sz="quarter" idx="11"/>
+          </p:nvPr>
+        </p:nvSpPr>
+        <p:spPr/>
+        <p:txBody>
+          <a:bodyPr/>
+          <a:lstStyle/>
+          <a:p>
+            <a:r>
+              <a:rPr lang="en-US" smtClean="0"/>
+              <a:t>CS 4501: Information Retrieval</a:t>
+            </a:r>
+            <a:endParaRPr lang="en-US"/>
+          </a:p>
+        </p:txBody>
+      </p:sp>
+      <p:sp>
+        <p:nvSpPr>
+          <p:cNvPr id="6" name="Slide Number Placeholder 5"/>
+          <p:cNvSpPr>
+            <a:spLocks noGrp="1"/>
+          </p:cNvSpPr>
+          <p:nvPr>
+            <p:ph type="sldNum" sz="quarter" idx="12"/>
+          </p:nvPr>
+        </p:nvSpPr>
+        <p:spPr/>
+        <p:txBody>
+          <a:bodyPr/>
+          <a:lstStyle/>
+          <a:p>
+            <a:fld id="{07EBFD83-9EC0-4EA4-B541-6D3CD8FCBB6C}" type="slidenum">
+              <a:rPr lang="en-US" smtClean="0"/>
+              <a:t>11</a:t>
+            </a:fld>
+            <a:endParaRPr lang="en-US"/>
+          </a:p>
+        </p:txBody>
+      </p:sp>
+    </p:spTree>
+    <p:extLst>
+      <p:ext uri="{BB962C8B-B14F-4D97-AF65-F5344CB8AC3E}">
+        <p14:creationId xmlns:p14="http://schemas.microsoft.com/office/powerpoint/2010/main" val="3647973384"/>
+      </p:ext>
+    </p:extLst>
+  </p:cSld>
+  <p:clrMapOvr>
+    <a:masterClrMapping/>
+  </p:clrMapOvr>
+  <p:timing>
+    <p:tnLst>
+      <p:par>
+        <p:cTn id="1" dur="indefinite" restart="never" nodeType="tmRoot"/>
+      </p:par>
+    </p:tnLst>
+  </p:timing>
+</p:sld>
+</file>
+
+<file path=ppt/slides/slide12.xml><?xml version="1.0" encoding="utf-8"?>
+<p:sld xmlns:a="http://schemas.openxmlformats.org/drawingml/2006/main" xmlns:r="http://schemas.openxmlformats.org/officeDocument/2006/relationships" xmlns:p="http://schemas.openxmlformats.org/presentationml/2006/main">
+  <p:cSld>
+    <p:spTree>
+      <p:nvGrpSpPr>
+        <p:cNvPr id="1" name=""/>
+        <p:cNvGrpSpPr/>
+        <p:nvPr/>
+      </p:nvGrpSpPr>
+      <p:grpSpPr>
+        <a:xfrm>
+          <a:off x="0" y="0"/>
+          <a:ext cx="0" cy="0"/>
+          <a:chOff x="0" y="0"/>
+          <a:chExt cx="0" cy="0"/>
+        </a:xfrm>
+      </p:grpSpPr>
+      <p:sp>
+        <p:nvSpPr>
+          <p:cNvPr id="2" name="Title 1"/>
+          <p:cNvSpPr>
+            <a:spLocks noGrp="1"/>
+          </p:cNvSpPr>
+          <p:nvPr>
+            <p:ph type="title"/>
+          </p:nvPr>
+        </p:nvSpPr>
+        <p:spPr/>
+        <p:txBody>
+          <a:bodyPr/>
+          <a:lstStyle/>
+          <a:p>
+            <a:r>
+              <a:rPr lang="en-US" dirty="0" smtClean="0"/>
+              <a:t>What do the links tell us?</a:t>
+            </a:r>
+            <a:endParaRPr lang="en-US" dirty="0"/>
+          </a:p>
+        </p:txBody>
+      </p:sp>
+      <p:sp>
+        <p:nvSpPr>
+          <p:cNvPr id="3" name="Content Placeholder 2"/>
+          <p:cNvSpPr>
+            <a:spLocks noGrp="1"/>
+          </p:cNvSpPr>
+          <p:nvPr>
+            <p:ph idx="1"/>
+          </p:nvPr>
+        </p:nvSpPr>
+        <p:spPr/>
+        <p:txBody>
+          <a:bodyPr/>
+          <a:lstStyle/>
+          <a:p>
+            <a:r>
+              <a:rPr lang="en-US" dirty="0" smtClean="0"/>
               <a:t>Linkage relation</a:t>
             </a:r>
           </a:p>
@@ -4032,7 +4596,7 @@
           <a:p>
             <a:fld id="{07EBFD83-9EC0-4EA4-B541-6D3CD8FCBB6C}" type="slidenum">
               <a:rPr lang="en-US" smtClean="0"/>
-              <a:t>10</a:t>
+              <a:t>12</a:t>
             </a:fld>
             <a:endParaRPr lang="en-US"/>
           </a:p>
@@ -4153,7 +4717,7 @@
 </p:sld>
 </file>
 
-<file path=ppt/slides/slide11.xml><?xml version="1.0" encoding="utf-8"?>
+<file path=ppt/slides/slide13.xml><?xml version="1.0" encoding="utf-8"?>
 <p:sld xmlns:a="http://schemas.openxmlformats.org/drawingml/2006/main" xmlns:r="http://schemas.openxmlformats.org/officeDocument/2006/relationships" xmlns:p="http://schemas.openxmlformats.org/presentationml/2006/main">
   <p:cSld>
     <p:spTree>
@@ -4336,7 +4900,7 @@
           <a:p>
             <a:fld id="{07EBFD83-9EC0-4EA4-B541-6D3CD8FCBB6C}" type="slidenum">
               <a:rPr lang="en-US" smtClean="0"/>
-              <a:t>11</a:t>
+              <a:t>13</a:t>
             </a:fld>
             <a:endParaRPr lang="en-US"/>
           </a:p>
@@ -4527,7 +5091,7 @@
 </p:sld>
 </file>
 
-<file path=ppt/slides/slide12.xml><?xml version="1.0" encoding="utf-8"?>
+<file path=ppt/slides/slide14.xml><?xml version="1.0" encoding="utf-8"?>
 <p:sld xmlns:a="http://schemas.openxmlformats.org/drawingml/2006/main" xmlns:r="http://schemas.openxmlformats.org/officeDocument/2006/relationships" xmlns:p="http://schemas.openxmlformats.org/presentationml/2006/main">
   <p:cSld>
     <p:spTree>
@@ -4700,7 +5264,7 @@
           <a:p>
             <a:fld id="{07EBFD83-9EC0-4EA4-B541-6D3CD8FCBB6C}" type="slidenum">
               <a:rPr lang="en-US" smtClean="0"/>
-              <a:t>12</a:t>
+              <a:t>14</a:t>
             </a:fld>
             <a:endParaRPr lang="en-US"/>
           </a:p>
@@ -4860,7 +5424,7 @@
 </p:sld>
 </file>
 
-<file path=ppt/slides/slide13.xml><?xml version="1.0" encoding="utf-8"?>
+<file path=ppt/slides/slide15.xml><?xml version="1.0" encoding="utf-8"?>
 <p:sld xmlns:a="http://schemas.openxmlformats.org/drawingml/2006/main" xmlns:r="http://schemas.openxmlformats.org/officeDocument/2006/relationships" xmlns:p="http://schemas.openxmlformats.org/presentationml/2006/main">
   <p:cSld>
     <p:spTree>
@@ -4923,7 +5487,7 @@
           <a:p>
             <a:r>
               <a:rPr lang="en-US" dirty="0" smtClean="0"/>
-              <a:t>Reflect the utility of the web document in a general sense</a:t>
+              <a:t>Reflect the utility of web documents in a general sense</a:t>
             </a:r>
           </a:p>
           <a:p>
@@ -5012,7 +5576,7 @@
           <a:p>
             <a:fld id="{07EBFD83-9EC0-4EA4-B541-6D3CD8FCBB6C}" type="slidenum">
               <a:rPr lang="en-US" smtClean="0"/>
-              <a:t>13</a:t>
+              <a:t>15</a:t>
             </a:fld>
             <a:endParaRPr lang="en-US"/>
           </a:p>
@@ -5038,7 +5602,7 @@
 </p:sld>
 </file>
 
-<file path=ppt/slides/slide14.xml><?xml version="1.0" encoding="utf-8"?>
+<file path=ppt/slides/slide16.xml><?xml version="1.0" encoding="utf-8"?>
 <p:sld xmlns:a="http://schemas.openxmlformats.org/drawingml/2006/main" xmlns:r="http://schemas.openxmlformats.org/officeDocument/2006/relationships" xmlns:p="http://schemas.openxmlformats.org/presentationml/2006/main">
   <p:cSld>
     <p:spTree>
@@ -5202,7 +5766,7 @@
           <a:p>
             <a:fld id="{07EBFD83-9EC0-4EA4-B541-6D3CD8FCBB6C}" type="slidenum">
               <a:rPr lang="en-US" smtClean="0"/>
-              <a:t>14</a:t>
+              <a:t>16</a:t>
             </a:fld>
             <a:endParaRPr lang="en-US"/>
           </a:p>
@@ -5228,7 +5792,7 @@
 </p:sld>
 </file>
 
-<file path=ppt/slides/slide15.xml><?xml version="1.0" encoding="utf-8"?>
+<file path=ppt/slides/slide17.xml><?xml version="1.0" encoding="utf-8"?>
 <p:sld xmlns:a="http://schemas.openxmlformats.org/drawingml/2006/main" xmlns:r="http://schemas.openxmlformats.org/officeDocument/2006/relationships" xmlns:p="http://schemas.openxmlformats.org/presentationml/2006/main">
   <p:cSld>
     <p:spTree>
@@ -5305,7 +5869,15 @@
             </a:pPr>
             <a:r>
               <a:rPr lang="en-US" dirty="0" smtClean="0"/>
-              <a:t>On current page, the surfer uniformly follows an out-link to the next page</a:t>
+              <a:t>On current page, the surfer </a:t>
+            </a:r>
+            <a:r>
+              <a:rPr lang="en-US" u="sng" dirty="0" smtClean="0"/>
+              <a:t>uniformly</a:t>
+            </a:r>
+            <a:r>
+              <a:rPr lang="en-US" dirty="0" smtClean="0"/>
+              <a:t> follows an out-link to the next page</a:t>
             </a:r>
           </a:p>
           <a:p>
@@ -5319,7 +5891,15 @@
             </a:r>
             <a:r>
               <a:rPr lang="en-US" dirty="0"/>
-              <a:t>the surfer uniformly </a:t>
+              <a:t>the surfer </a:t>
+            </a:r>
+            <a:r>
+              <a:rPr lang="en-US" u="sng" dirty="0"/>
+              <a:t>uniformly</a:t>
+            </a:r>
+            <a:r>
+              <a:rPr lang="en-US" dirty="0"/>
+              <a:t> </a:t>
             </a:r>
             <a:r>
               <a:rPr lang="en-US" dirty="0" smtClean="0"/>
@@ -5402,7 +5982,7 @@
           <a:p>
             <a:fld id="{07EBFD83-9EC0-4EA4-B541-6D3CD8FCBB6C}" type="slidenum">
               <a:rPr lang="en-US" smtClean="0"/>
-              <a:t>15</a:t>
+              <a:t>17</a:t>
             </a:fld>
             <a:endParaRPr lang="en-US"/>
           </a:p>
@@ -5428,7 +6008,7 @@
 </p:sld>
 </file>
 
-<file path=ppt/slides/slide16.xml><?xml version="1.0" encoding="utf-8"?>
+<file path=ppt/slides/slide18.xml><?xml version="1.0" encoding="utf-8"?>
 <p:sld xmlns:a="http://schemas.openxmlformats.org/drawingml/2006/main" xmlns:r="http://schemas.openxmlformats.org/officeDocument/2006/relationships" xmlns:p="http://schemas.openxmlformats.org/presentationml/2006/main">
   <p:cSld>
     <p:spTree>
@@ -6732,14 +7312,14 @@
         </p:nvGrpSpPr>
         <p:grpSpPr>
           <a:xfrm>
-            <a:off x="3010829" y="5630762"/>
-            <a:ext cx="4730544" cy="535724"/>
+            <a:off x="2895600" y="5630762"/>
+            <a:ext cx="4902578" cy="535724"/>
             <a:chOff x="3010829" y="5630762"/>
-            <a:chExt cx="4730544" cy="535724"/>
+            <a:chExt cx="4902578" cy="535724"/>
           </a:xfrm>
         </p:grpSpPr>
-        <mc:AlternateContent xmlns:mc="http://schemas.openxmlformats.org/markup-compatibility/2006" xmlns:a14="http://schemas.microsoft.com/office/drawing/2010/main">
-          <mc:Choice Requires="a14">
+        <mc:AlternateContent xmlns:mc="http://schemas.openxmlformats.org/markup-compatibility/2006">
+          <mc:Choice xmlns:a14="http://schemas.microsoft.com/office/drawing/2010/main" Requires="a14">
             <p:sp>
               <p:nvSpPr>
                 <p:cNvPr id="20" name="TextBox 19"/>
@@ -6749,7 +7329,7 @@
               <p:spPr>
                 <a:xfrm>
                   <a:off x="3930650" y="5630762"/>
-                  <a:ext cx="3810723" cy="535724"/>
+                  <a:ext cx="3982757" cy="535724"/>
                 </a:xfrm>
                 <a:prstGeom prst="rect">
                   <a:avLst/>
@@ -6823,12 +7403,31 @@
                           </a:rPr>
                           <m:t>𝛼</m:t>
                         </m:r>
-                        <m:r>
-                          <a:rPr lang="en-US" b="0" i="1" smtClean="0">
-                            <a:latin typeface="Cambria Math" panose="02040503050406030204" pitchFamily="18" charset="0"/>
-                          </a:rPr>
-                          <m:t>𝑀</m:t>
-                        </m:r>
+                        <m:sSup>
+                          <m:sSupPr>
+                            <m:ctrlPr>
+                              <a:rPr lang="en-US" b="0" i="1" smtClean="0">
+                                <a:latin typeface="Cambria Math" panose="02040503050406030204" pitchFamily="18" charset="0"/>
+                              </a:rPr>
+                            </m:ctrlPr>
+                          </m:sSupPr>
+                          <m:e>
+                            <m:r>
+                              <a:rPr lang="en-US" b="0" i="1" smtClean="0">
+                                <a:latin typeface="Cambria Math" panose="02040503050406030204" pitchFamily="18" charset="0"/>
+                              </a:rPr>
+                              <m:t>𝑀</m:t>
+                            </m:r>
+                          </m:e>
+                          <m:sup>
+                            <m:r>
+                              <a:rPr lang="en-US" b="0" i="1" smtClean="0">
+                                <a:latin typeface="Cambria Math" panose="02040503050406030204" pitchFamily="18" charset="0"/>
+                              </a:rPr>
+                              <m:t>𝑇</m:t>
+                            </m:r>
+                          </m:sup>
+                        </m:sSup>
                         <m:sSub>
                           <m:sSubPr>
                             <m:ctrlPr>
@@ -6981,7 +7580,7 @@
               </p:txBody>
             </p:sp>
           </mc:Choice>
-          <mc:Fallback xmlns="">
+          <mc:Fallback>
             <p:sp>
               <p:nvSpPr>
                 <p:cNvPr id="20" name="TextBox 19"/>
@@ -6993,7 +7592,7 @@
               <p:spPr>
                 <a:xfrm>
                   <a:off x="3930650" y="5630762"/>
-                  <a:ext cx="3810723" cy="535724"/>
+                  <a:ext cx="3982757" cy="535724"/>
                 </a:xfrm>
                 <a:prstGeom prst="rect">
                   <a:avLst/>
@@ -7290,7 +7889,7 @@
           <a:p>
             <a:fld id="{07EBFD83-9EC0-4EA4-B541-6D3CD8FCBB6C}" type="slidenum">
               <a:rPr lang="en-US" smtClean="0"/>
-              <a:t>16</a:t>
+              <a:t>18</a:t>
             </a:fld>
             <a:endParaRPr lang="en-US"/>
           </a:p>
@@ -7574,7 +8173,7 @@
 </p:sld>
 </file>
 
-<file path=ppt/slides/slide17.xml><?xml version="1.0" encoding="utf-8"?>
+<file path=ppt/slides/slide19.xml><?xml version="1.0" encoding="utf-8"?>
 <p:sld xmlns:a="http://schemas.openxmlformats.org/drawingml/2006/main" xmlns:r="http://schemas.openxmlformats.org/officeDocument/2006/relationships" xmlns:p="http://schemas.openxmlformats.org/presentationml/2006/main">
   <p:cSld>
     <p:spTree>
@@ -8155,7 +8754,7 @@
           <a:p>
             <a:fld id="{07EBFD83-9EC0-4EA4-B541-6D3CD8FCBB6C}" type="slidenum">
               <a:rPr lang="en-US" smtClean="0"/>
-              <a:t>17</a:t>
+              <a:t>19</a:t>
             </a:fld>
             <a:endParaRPr lang="en-US"/>
           </a:p>
@@ -8343,7 +8942,1692 @@
 </p:sld>
 </file>
 
-<file path=ppt/slides/slide18.xml><?xml version="1.0" encoding="utf-8"?>
+<file path=ppt/slides/slide2.xml><?xml version="1.0" encoding="utf-8"?>
+<p:sld xmlns:a="http://schemas.openxmlformats.org/drawingml/2006/main" xmlns:r="http://schemas.openxmlformats.org/officeDocument/2006/relationships" xmlns:p="http://schemas.openxmlformats.org/presentationml/2006/main">
+  <p:cSld>
+    <p:spTree>
+      <p:nvGrpSpPr>
+        <p:cNvPr id="1" name=""/>
+        <p:cNvGrpSpPr/>
+        <p:nvPr/>
+      </p:nvGrpSpPr>
+      <p:grpSpPr>
+        <a:xfrm>
+          <a:off x="0" y="0"/>
+          <a:ext cx="0" cy="0"/>
+          <a:chOff x="0" y="0"/>
+          <a:chExt cx="0" cy="0"/>
+        </a:xfrm>
+      </p:grpSpPr>
+      <p:sp>
+        <p:nvSpPr>
+          <p:cNvPr id="2" name="Content Placeholder 1"/>
+          <p:cNvSpPr>
+            <a:spLocks noGrp="1"/>
+          </p:cNvSpPr>
+          <p:nvPr>
+            <p:ph idx="1"/>
+          </p:nvPr>
+        </p:nvSpPr>
+        <p:spPr/>
+        <p:txBody>
+          <a:bodyPr/>
+          <a:lstStyle/>
+          <a:p>
+            <a:r>
+              <a:rPr lang="en-US" dirty="0" smtClean="0"/>
+              <a:t>Standard operation in vector space</a:t>
+            </a:r>
+            <a:endParaRPr lang="en-US" dirty="0"/>
+          </a:p>
+        </p:txBody>
+      </p:sp>
+      <p:sp>
+        <p:nvSpPr>
+          <p:cNvPr id="352258" name="Rectangle 2"/>
+          <p:cNvSpPr>
+            <a:spLocks noGrp="1" noChangeArrowheads="1"/>
+          </p:cNvSpPr>
+          <p:nvPr>
+            <p:ph type="title"/>
+          </p:nvPr>
+        </p:nvSpPr>
+        <p:spPr/>
+        <p:txBody>
+          <a:bodyPr>
+            <a:normAutofit fontScale="90000"/>
+          </a:bodyPr>
+          <a:lstStyle/>
+          <a:p>
+            <a:r>
+              <a:rPr lang="en-US" altLang="en-US" dirty="0" smtClean="0"/>
+              <a:t>Recap: formula for </a:t>
+            </a:r>
+            <a:r>
+              <a:rPr lang="en-US" altLang="en-US" dirty="0" err="1" smtClean="0"/>
+              <a:t>Rocchio</a:t>
+            </a:r>
+            <a:r>
+              <a:rPr lang="en-US" altLang="en-US" dirty="0" smtClean="0"/>
+              <a:t> feedback</a:t>
+            </a:r>
+            <a:endParaRPr lang="en-US" altLang="en-US" dirty="0"/>
+          </a:p>
+        </p:txBody>
+      </p:sp>
+      <p:grpSp>
+        <p:nvGrpSpPr>
+          <p:cNvPr id="4" name="Group 3"/>
+          <p:cNvGrpSpPr/>
+          <p:nvPr/>
+        </p:nvGrpSpPr>
+        <p:grpSpPr>
+          <a:xfrm>
+            <a:off x="1263274" y="4267200"/>
+            <a:ext cx="2002215" cy="1528465"/>
+            <a:chOff x="1263274" y="4267200"/>
+            <a:chExt cx="2002215" cy="1528465"/>
+          </a:xfrm>
+        </p:grpSpPr>
+        <p:sp>
+          <p:nvSpPr>
+            <p:cNvPr id="352260" name="Text Box 4"/>
+            <p:cNvSpPr txBox="1">
+              <a:spLocks noChangeArrowheads="1"/>
+            </p:cNvSpPr>
+            <p:nvPr/>
+          </p:nvSpPr>
+          <p:spPr bwMode="auto">
+            <a:xfrm>
+              <a:off x="1263274" y="5334000"/>
+              <a:ext cx="2002215" cy="461665"/>
+            </a:xfrm>
+            <a:prstGeom prst="rect">
+              <a:avLst/>
+            </a:prstGeom>
+            <a:noFill/>
+            <a:ln>
+              <a:noFill/>
+            </a:ln>
+            <a:effectLst/>
+            <a:extLst>
+              <a:ext uri="{909E8E84-426E-40DD-AFC4-6F175D3DCCD1}">
+                <a14:hiddenFill xmlns:a14="http://schemas.microsoft.com/office/drawing/2010/main">
+                  <a:solidFill>
+                    <a:schemeClr val="accent1"/>
+                  </a:solidFill>
+                </a14:hiddenFill>
+              </a:ext>
+              <a:ext uri="{91240B29-F687-4F45-9708-019B960494DF}">
+                <a14:hiddenLine xmlns:a14="http://schemas.microsoft.com/office/drawing/2010/main" w="9525">
+                  <a:solidFill>
+                    <a:schemeClr val="tx1"/>
+                  </a:solidFill>
+                  <a:miter lim="800000"/>
+                  <a:headEnd/>
+                  <a:tailEnd/>
+                </a14:hiddenLine>
+              </a:ext>
+              <a:ext uri="{AF507438-7753-43E0-B8FC-AC1667EBCBE1}">
+                <a14:hiddenEffects xmlns:a14="http://schemas.microsoft.com/office/drawing/2010/main">
+                  <a:effectLst>
+                    <a:outerShdw dist="35921" dir="2700000" algn="ctr" rotWithShape="0">
+                      <a:schemeClr val="bg2"/>
+                    </a:outerShdw>
+                  </a:effectLst>
+                </a14:hiddenEffects>
+              </a:ext>
+            </a:extLst>
+          </p:spPr>
+          <p:txBody>
+            <a:bodyPr wrap="none">
+              <a:spAutoFit/>
+            </a:bodyPr>
+            <a:lstStyle/>
+            <a:p>
+              <a:r>
+                <a:rPr lang="en-US" altLang="en-US" sz="2400" b="1" dirty="0" smtClean="0"/>
+                <a:t>Original </a:t>
+              </a:r>
+              <a:r>
+                <a:rPr lang="en-US" altLang="en-US" sz="2400" b="1" dirty="0"/>
+                <a:t>query</a:t>
+              </a:r>
+            </a:p>
+          </p:txBody>
+        </p:sp>
+        <p:sp>
+          <p:nvSpPr>
+            <p:cNvPr id="352261" name="Line 5"/>
+            <p:cNvSpPr>
+              <a:spLocks noChangeShapeType="1"/>
+            </p:cNvSpPr>
+            <p:nvPr/>
+          </p:nvSpPr>
+          <p:spPr bwMode="auto">
+            <a:xfrm flipV="1">
+              <a:off x="2332038" y="4267200"/>
+              <a:ext cx="152400" cy="1066800"/>
+            </a:xfrm>
+            <a:prstGeom prst="line">
+              <a:avLst/>
+            </a:prstGeom>
+            <a:noFill/>
+            <a:ln w="9525">
+              <a:solidFill>
+                <a:schemeClr val="tx1"/>
+              </a:solidFill>
+              <a:round/>
+              <a:headEnd/>
+              <a:tailEnd type="triangle" w="med" len="med"/>
+            </a:ln>
+            <a:effectLst/>
+            <a:extLst>
+              <a:ext uri="{909E8E84-426E-40DD-AFC4-6F175D3DCCD1}">
+                <a14:hiddenFill xmlns:a14="http://schemas.microsoft.com/office/drawing/2010/main">
+                  <a:noFill/>
+                </a14:hiddenFill>
+              </a:ext>
+              <a:ext uri="{AF507438-7753-43E0-B8FC-AC1667EBCBE1}">
+                <a14:hiddenEffects xmlns:a14="http://schemas.microsoft.com/office/drawing/2010/main">
+                  <a:effectLst>
+                    <a:outerShdw dist="35921" dir="2700000" algn="ctr" rotWithShape="0">
+                      <a:schemeClr val="bg2"/>
+                    </a:outerShdw>
+                  </a:effectLst>
+                </a14:hiddenEffects>
+              </a:ext>
+            </a:extLst>
+          </p:spPr>
+          <p:txBody>
+            <a:bodyPr/>
+            <a:lstStyle/>
+            <a:p>
+              <a:endParaRPr lang="en-US"/>
+            </a:p>
+          </p:txBody>
+        </p:sp>
+      </p:grpSp>
+      <p:grpSp>
+        <p:nvGrpSpPr>
+          <p:cNvPr id="5" name="Group 4"/>
+          <p:cNvGrpSpPr/>
+          <p:nvPr/>
+        </p:nvGrpSpPr>
+        <p:grpSpPr>
+          <a:xfrm>
+            <a:off x="3829050" y="4800600"/>
+            <a:ext cx="1276350" cy="1447800"/>
+            <a:chOff x="4038600" y="4648200"/>
+            <a:chExt cx="1276350" cy="1447800"/>
+          </a:xfrm>
+        </p:grpSpPr>
+        <p:sp>
+          <p:nvSpPr>
+            <p:cNvPr id="352262" name="Text Box 6"/>
+            <p:cNvSpPr txBox="1">
+              <a:spLocks noChangeArrowheads="1"/>
+            </p:cNvSpPr>
+            <p:nvPr/>
+          </p:nvSpPr>
+          <p:spPr bwMode="auto">
+            <a:xfrm>
+              <a:off x="4038600" y="5638800"/>
+              <a:ext cx="1276350" cy="457200"/>
+            </a:xfrm>
+            <a:prstGeom prst="rect">
+              <a:avLst/>
+            </a:prstGeom>
+            <a:noFill/>
+            <a:ln>
+              <a:noFill/>
+            </a:ln>
+            <a:effectLst/>
+            <a:extLst>
+              <a:ext uri="{909E8E84-426E-40DD-AFC4-6F175D3DCCD1}">
+                <a14:hiddenFill xmlns:a14="http://schemas.microsoft.com/office/drawing/2010/main">
+                  <a:solidFill>
+                    <a:schemeClr val="accent1"/>
+                  </a:solidFill>
+                </a14:hiddenFill>
+              </a:ext>
+              <a:ext uri="{91240B29-F687-4F45-9708-019B960494DF}">
+                <a14:hiddenLine xmlns:a14="http://schemas.microsoft.com/office/drawing/2010/main" w="9525">
+                  <a:solidFill>
+                    <a:schemeClr val="tx1"/>
+                  </a:solidFill>
+                  <a:miter lim="800000"/>
+                  <a:headEnd/>
+                  <a:tailEnd/>
+                </a14:hiddenLine>
+              </a:ext>
+              <a:ext uri="{AF507438-7753-43E0-B8FC-AC1667EBCBE1}">
+                <a14:hiddenEffects xmlns:a14="http://schemas.microsoft.com/office/drawing/2010/main">
+                  <a:effectLst>
+                    <a:outerShdw dist="35921" dir="2700000" algn="ctr" rotWithShape="0">
+                      <a:schemeClr val="bg2"/>
+                    </a:outerShdw>
+                  </a:effectLst>
+                </a14:hiddenEffects>
+              </a:ext>
+            </a:extLst>
+          </p:spPr>
+          <p:txBody>
+            <a:bodyPr wrap="none">
+              <a:spAutoFit/>
+            </a:bodyPr>
+            <a:lstStyle/>
+            <a:p>
+              <a:r>
+                <a:rPr lang="en-US" altLang="en-US" sz="2400" b="1"/>
+                <a:t>Rel docs</a:t>
+              </a:r>
+            </a:p>
+          </p:txBody>
+        </p:sp>
+        <p:sp>
+          <p:nvSpPr>
+            <p:cNvPr id="352263" name="Line 7"/>
+            <p:cNvSpPr>
+              <a:spLocks noChangeShapeType="1"/>
+            </p:cNvSpPr>
+            <p:nvPr/>
+          </p:nvSpPr>
+          <p:spPr bwMode="auto">
+            <a:xfrm flipV="1">
+              <a:off x="4618038" y="4648200"/>
+              <a:ext cx="152400" cy="1066800"/>
+            </a:xfrm>
+            <a:prstGeom prst="line">
+              <a:avLst/>
+            </a:prstGeom>
+            <a:noFill/>
+            <a:ln w="9525">
+              <a:solidFill>
+                <a:schemeClr val="tx1"/>
+              </a:solidFill>
+              <a:round/>
+              <a:headEnd/>
+              <a:tailEnd type="triangle" w="med" len="med"/>
+            </a:ln>
+            <a:effectLst/>
+            <a:extLst>
+              <a:ext uri="{909E8E84-426E-40DD-AFC4-6F175D3DCCD1}">
+                <a14:hiddenFill xmlns:a14="http://schemas.microsoft.com/office/drawing/2010/main">
+                  <a:noFill/>
+                </a14:hiddenFill>
+              </a:ext>
+              <a:ext uri="{AF507438-7753-43E0-B8FC-AC1667EBCBE1}">
+                <a14:hiddenEffects xmlns:a14="http://schemas.microsoft.com/office/drawing/2010/main">
+                  <a:effectLst>
+                    <a:outerShdw dist="35921" dir="2700000" algn="ctr" rotWithShape="0">
+                      <a:schemeClr val="bg2"/>
+                    </a:outerShdw>
+                  </a:effectLst>
+                </a14:hiddenEffects>
+              </a:ext>
+            </a:extLst>
+          </p:spPr>
+          <p:txBody>
+            <a:bodyPr/>
+            <a:lstStyle/>
+            <a:p>
+              <a:endParaRPr lang="en-US"/>
+            </a:p>
+          </p:txBody>
+        </p:sp>
+      </p:grpSp>
+      <p:grpSp>
+        <p:nvGrpSpPr>
+          <p:cNvPr id="6" name="Group 5"/>
+          <p:cNvGrpSpPr/>
+          <p:nvPr/>
+        </p:nvGrpSpPr>
+        <p:grpSpPr>
+          <a:xfrm>
+            <a:off x="6324601" y="4828777"/>
+            <a:ext cx="1835150" cy="1524000"/>
+            <a:chOff x="6702425" y="4648200"/>
+            <a:chExt cx="1835150" cy="1524000"/>
+          </a:xfrm>
+        </p:grpSpPr>
+        <p:sp>
+          <p:nvSpPr>
+            <p:cNvPr id="352264" name="Text Box 8"/>
+            <p:cNvSpPr txBox="1">
+              <a:spLocks noChangeArrowheads="1"/>
+            </p:cNvSpPr>
+            <p:nvPr/>
+          </p:nvSpPr>
+          <p:spPr bwMode="auto">
+            <a:xfrm>
+              <a:off x="6702425" y="5715000"/>
+              <a:ext cx="1835150" cy="457200"/>
+            </a:xfrm>
+            <a:prstGeom prst="rect">
+              <a:avLst/>
+            </a:prstGeom>
+            <a:noFill/>
+            <a:ln>
+              <a:noFill/>
+            </a:ln>
+            <a:effectLst/>
+            <a:extLst>
+              <a:ext uri="{909E8E84-426E-40DD-AFC4-6F175D3DCCD1}">
+                <a14:hiddenFill xmlns:a14="http://schemas.microsoft.com/office/drawing/2010/main">
+                  <a:solidFill>
+                    <a:schemeClr val="accent1"/>
+                  </a:solidFill>
+                </a14:hiddenFill>
+              </a:ext>
+              <a:ext uri="{91240B29-F687-4F45-9708-019B960494DF}">
+                <a14:hiddenLine xmlns:a14="http://schemas.microsoft.com/office/drawing/2010/main" w="9525">
+                  <a:solidFill>
+                    <a:schemeClr val="tx1"/>
+                  </a:solidFill>
+                  <a:miter lim="800000"/>
+                  <a:headEnd/>
+                  <a:tailEnd/>
+                </a14:hiddenLine>
+              </a:ext>
+              <a:ext uri="{AF507438-7753-43E0-B8FC-AC1667EBCBE1}">
+                <a14:hiddenEffects xmlns:a14="http://schemas.microsoft.com/office/drawing/2010/main">
+                  <a:effectLst>
+                    <a:outerShdw dist="35921" dir="2700000" algn="ctr" rotWithShape="0">
+                      <a:schemeClr val="bg2"/>
+                    </a:outerShdw>
+                  </a:effectLst>
+                </a14:hiddenEffects>
+              </a:ext>
+            </a:extLst>
+          </p:spPr>
+          <p:txBody>
+            <a:bodyPr wrap="none">
+              <a:spAutoFit/>
+            </a:bodyPr>
+            <a:lstStyle/>
+            <a:p>
+              <a:r>
+                <a:rPr lang="en-US" altLang="en-US" sz="2400" b="1"/>
+                <a:t>Non-rel docs</a:t>
+              </a:r>
+            </a:p>
+          </p:txBody>
+        </p:sp>
+        <p:sp>
+          <p:nvSpPr>
+            <p:cNvPr id="352265" name="Line 9"/>
+            <p:cNvSpPr>
+              <a:spLocks noChangeShapeType="1"/>
+            </p:cNvSpPr>
+            <p:nvPr/>
+          </p:nvSpPr>
+          <p:spPr bwMode="auto">
+            <a:xfrm flipV="1">
+              <a:off x="7589838" y="4648200"/>
+              <a:ext cx="152400" cy="1066800"/>
+            </a:xfrm>
+            <a:prstGeom prst="line">
+              <a:avLst/>
+            </a:prstGeom>
+            <a:noFill/>
+            <a:ln w="9525">
+              <a:solidFill>
+                <a:schemeClr val="tx1"/>
+              </a:solidFill>
+              <a:round/>
+              <a:headEnd/>
+              <a:tailEnd type="triangle" w="med" len="med"/>
+            </a:ln>
+            <a:effectLst/>
+            <a:extLst>
+              <a:ext uri="{909E8E84-426E-40DD-AFC4-6F175D3DCCD1}">
+                <a14:hiddenFill xmlns:a14="http://schemas.microsoft.com/office/drawing/2010/main">
+                  <a:noFill/>
+                </a14:hiddenFill>
+              </a:ext>
+              <a:ext uri="{AF507438-7753-43E0-B8FC-AC1667EBCBE1}">
+                <a14:hiddenEffects xmlns:a14="http://schemas.microsoft.com/office/drawing/2010/main">
+                  <a:effectLst>
+                    <a:outerShdw dist="35921" dir="2700000" algn="ctr" rotWithShape="0">
+                      <a:schemeClr val="bg2"/>
+                    </a:outerShdw>
+                  </a:effectLst>
+                </a14:hiddenEffects>
+              </a:ext>
+            </a:extLst>
+          </p:spPr>
+          <p:txBody>
+            <a:bodyPr/>
+            <a:lstStyle/>
+            <a:p>
+              <a:endParaRPr lang="en-US"/>
+            </a:p>
+          </p:txBody>
+        </p:sp>
+      </p:grpSp>
+      <p:grpSp>
+        <p:nvGrpSpPr>
+          <p:cNvPr id="7" name="Group 6"/>
+          <p:cNvGrpSpPr/>
+          <p:nvPr/>
+        </p:nvGrpSpPr>
+        <p:grpSpPr>
+          <a:xfrm>
+            <a:off x="2332037" y="2438400"/>
+            <a:ext cx="4127501" cy="1448294"/>
+            <a:chOff x="2332037" y="2438400"/>
+            <a:chExt cx="4127501" cy="1448294"/>
+          </a:xfrm>
+        </p:grpSpPr>
+        <p:sp>
+          <p:nvSpPr>
+            <p:cNvPr id="352266" name="Text Box 10"/>
+            <p:cNvSpPr txBox="1">
+              <a:spLocks noChangeArrowheads="1"/>
+            </p:cNvSpPr>
+            <p:nvPr/>
+          </p:nvSpPr>
+          <p:spPr bwMode="auto">
+            <a:xfrm>
+              <a:off x="4770438" y="2438400"/>
+              <a:ext cx="1689100" cy="457200"/>
+            </a:xfrm>
+            <a:prstGeom prst="rect">
+              <a:avLst/>
+            </a:prstGeom>
+            <a:noFill/>
+            <a:ln>
+              <a:noFill/>
+            </a:ln>
+            <a:effectLst/>
+            <a:extLst>
+              <a:ext uri="{909E8E84-426E-40DD-AFC4-6F175D3DCCD1}">
+                <a14:hiddenFill xmlns:a14="http://schemas.microsoft.com/office/drawing/2010/main">
+                  <a:solidFill>
+                    <a:schemeClr val="accent1"/>
+                  </a:solidFill>
+                </a14:hiddenFill>
+              </a:ext>
+              <a:ext uri="{91240B29-F687-4F45-9708-019B960494DF}">
+                <a14:hiddenLine xmlns:a14="http://schemas.microsoft.com/office/drawing/2010/main" w="9525">
+                  <a:solidFill>
+                    <a:schemeClr val="tx1"/>
+                  </a:solidFill>
+                  <a:miter lim="800000"/>
+                  <a:headEnd/>
+                  <a:tailEnd/>
+                </a14:hiddenLine>
+              </a:ext>
+              <a:ext uri="{AF507438-7753-43E0-B8FC-AC1667EBCBE1}">
+                <a14:hiddenEffects xmlns:a14="http://schemas.microsoft.com/office/drawing/2010/main">
+                  <a:effectLst>
+                    <a:outerShdw dist="35921" dir="2700000" algn="ctr" rotWithShape="0">
+                      <a:schemeClr val="bg2"/>
+                    </a:outerShdw>
+                  </a:effectLst>
+                </a14:hiddenEffects>
+              </a:ext>
+            </a:extLst>
+          </p:spPr>
+          <p:txBody>
+            <a:bodyPr wrap="none">
+              <a:spAutoFit/>
+            </a:bodyPr>
+            <a:lstStyle/>
+            <a:p>
+              <a:r>
+                <a:rPr lang="en-US" altLang="en-US" sz="2400" b="1" dirty="0"/>
+                <a:t>Parameters</a:t>
+              </a:r>
+            </a:p>
+          </p:txBody>
+        </p:sp>
+        <p:sp>
+          <p:nvSpPr>
+            <p:cNvPr id="352267" name="Line 11"/>
+            <p:cNvSpPr>
+              <a:spLocks noChangeShapeType="1"/>
+            </p:cNvSpPr>
+            <p:nvPr/>
+          </p:nvSpPr>
+          <p:spPr bwMode="auto">
+            <a:xfrm flipH="1">
+              <a:off x="2332037" y="2743202"/>
+              <a:ext cx="2464043" cy="1143492"/>
+            </a:xfrm>
+            <a:prstGeom prst="line">
+              <a:avLst/>
+            </a:prstGeom>
+            <a:noFill/>
+            <a:ln w="9525">
+              <a:solidFill>
+                <a:schemeClr val="tx1"/>
+              </a:solidFill>
+              <a:round/>
+              <a:headEnd/>
+              <a:tailEnd type="triangle" w="med" len="med"/>
+            </a:ln>
+            <a:effectLst/>
+            <a:extLst>
+              <a:ext uri="{909E8E84-426E-40DD-AFC4-6F175D3DCCD1}">
+                <a14:hiddenFill xmlns:a14="http://schemas.microsoft.com/office/drawing/2010/main">
+                  <a:noFill/>
+                </a14:hiddenFill>
+              </a:ext>
+              <a:ext uri="{AF507438-7753-43E0-B8FC-AC1667EBCBE1}">
+                <a14:hiddenEffects xmlns:a14="http://schemas.microsoft.com/office/drawing/2010/main">
+                  <a:effectLst>
+                    <a:outerShdw dist="35921" dir="2700000" algn="ctr" rotWithShape="0">
+                      <a:schemeClr val="bg2"/>
+                    </a:outerShdw>
+                  </a:effectLst>
+                </a14:hiddenEffects>
+              </a:ext>
+            </a:extLst>
+          </p:spPr>
+          <p:txBody>
+            <a:bodyPr/>
+            <a:lstStyle/>
+            <a:p>
+              <a:endParaRPr lang="en-US"/>
+            </a:p>
+          </p:txBody>
+        </p:sp>
+        <p:sp>
+          <p:nvSpPr>
+            <p:cNvPr id="352268" name="Line 12"/>
+            <p:cNvSpPr>
+              <a:spLocks noChangeShapeType="1"/>
+            </p:cNvSpPr>
+            <p:nvPr/>
+          </p:nvSpPr>
+          <p:spPr bwMode="auto">
+            <a:xfrm flipH="1">
+              <a:off x="3701710" y="2819400"/>
+              <a:ext cx="1525927" cy="719928"/>
+            </a:xfrm>
+            <a:prstGeom prst="line">
+              <a:avLst/>
+            </a:prstGeom>
+            <a:noFill/>
+            <a:ln w="9525">
+              <a:solidFill>
+                <a:schemeClr val="tx1"/>
+              </a:solidFill>
+              <a:round/>
+              <a:headEnd/>
+              <a:tailEnd type="triangle" w="med" len="med"/>
+            </a:ln>
+            <a:effectLst/>
+            <a:extLst>
+              <a:ext uri="{909E8E84-426E-40DD-AFC4-6F175D3DCCD1}">
+                <a14:hiddenFill xmlns:a14="http://schemas.microsoft.com/office/drawing/2010/main">
+                  <a:noFill/>
+                </a14:hiddenFill>
+              </a:ext>
+              <a:ext uri="{AF507438-7753-43E0-B8FC-AC1667EBCBE1}">
+                <a14:hiddenEffects xmlns:a14="http://schemas.microsoft.com/office/drawing/2010/main">
+                  <a:effectLst>
+                    <a:outerShdw dist="35921" dir="2700000" algn="ctr" rotWithShape="0">
+                      <a:schemeClr val="bg2"/>
+                    </a:outerShdw>
+                  </a:effectLst>
+                </a14:hiddenEffects>
+              </a:ext>
+            </a:extLst>
+          </p:spPr>
+          <p:txBody>
+            <a:bodyPr/>
+            <a:lstStyle/>
+            <a:p>
+              <a:endParaRPr lang="en-US"/>
+            </a:p>
+          </p:txBody>
+        </p:sp>
+        <p:sp>
+          <p:nvSpPr>
+            <p:cNvPr id="352269" name="Line 13"/>
+            <p:cNvSpPr>
+              <a:spLocks noChangeShapeType="1"/>
+            </p:cNvSpPr>
+            <p:nvPr/>
+          </p:nvSpPr>
+          <p:spPr bwMode="auto">
+            <a:xfrm>
+              <a:off x="5785222" y="2857500"/>
+              <a:ext cx="331407" cy="681828"/>
+            </a:xfrm>
+            <a:prstGeom prst="line">
+              <a:avLst/>
+            </a:prstGeom>
+            <a:noFill/>
+            <a:ln w="9525">
+              <a:solidFill>
+                <a:schemeClr val="tx1"/>
+              </a:solidFill>
+              <a:round/>
+              <a:headEnd/>
+              <a:tailEnd type="triangle" w="med" len="med"/>
+            </a:ln>
+            <a:effectLst/>
+            <a:extLst>
+              <a:ext uri="{909E8E84-426E-40DD-AFC4-6F175D3DCCD1}">
+                <a14:hiddenFill xmlns:a14="http://schemas.microsoft.com/office/drawing/2010/main">
+                  <a:noFill/>
+                </a14:hiddenFill>
+              </a:ext>
+              <a:ext uri="{AF507438-7753-43E0-B8FC-AC1667EBCBE1}">
+                <a14:hiddenEffects xmlns:a14="http://schemas.microsoft.com/office/drawing/2010/main">
+                  <a:effectLst>
+                    <a:outerShdw dist="35921" dir="2700000" algn="ctr" rotWithShape="0">
+                      <a:schemeClr val="bg2"/>
+                    </a:outerShdw>
+                  </a:effectLst>
+                </a14:hiddenEffects>
+              </a:ext>
+            </a:extLst>
+          </p:spPr>
+          <p:txBody>
+            <a:bodyPr/>
+            <a:lstStyle/>
+            <a:p>
+              <a:endParaRPr lang="en-US"/>
+            </a:p>
+          </p:txBody>
+        </p:sp>
+      </p:grpSp>
+      <p:grpSp>
+        <p:nvGrpSpPr>
+          <p:cNvPr id="3" name="Group 2"/>
+          <p:cNvGrpSpPr/>
+          <p:nvPr/>
+        </p:nvGrpSpPr>
+        <p:grpSpPr>
+          <a:xfrm>
+            <a:off x="304800" y="2743201"/>
+            <a:ext cx="2164119" cy="995065"/>
+            <a:chOff x="794107" y="2759866"/>
+            <a:chExt cx="2164119" cy="995065"/>
+          </a:xfrm>
+        </p:grpSpPr>
+        <p:sp>
+          <p:nvSpPr>
+            <p:cNvPr id="352270" name="Text Box 14"/>
+            <p:cNvSpPr txBox="1">
+              <a:spLocks noChangeArrowheads="1"/>
+            </p:cNvSpPr>
+            <p:nvPr/>
+          </p:nvSpPr>
+          <p:spPr bwMode="auto">
+            <a:xfrm>
+              <a:off x="794107" y="2759866"/>
+              <a:ext cx="2164119" cy="461665"/>
+            </a:xfrm>
+            <a:prstGeom prst="rect">
+              <a:avLst/>
+            </a:prstGeom>
+            <a:noFill/>
+            <a:ln>
+              <a:noFill/>
+            </a:ln>
+            <a:effectLst/>
+            <a:extLst>
+              <a:ext uri="{909E8E84-426E-40DD-AFC4-6F175D3DCCD1}">
+                <a14:hiddenFill xmlns:a14="http://schemas.microsoft.com/office/drawing/2010/main">
+                  <a:solidFill>
+                    <a:schemeClr val="accent1"/>
+                  </a:solidFill>
+                </a14:hiddenFill>
+              </a:ext>
+              <a:ext uri="{91240B29-F687-4F45-9708-019B960494DF}">
+                <a14:hiddenLine xmlns:a14="http://schemas.microsoft.com/office/drawing/2010/main" w="9525">
+                  <a:solidFill>
+                    <a:schemeClr val="tx1"/>
+                  </a:solidFill>
+                  <a:miter lim="800000"/>
+                  <a:headEnd/>
+                  <a:tailEnd/>
+                </a14:hiddenLine>
+              </a:ext>
+              <a:ext uri="{AF507438-7753-43E0-B8FC-AC1667EBCBE1}">
+                <a14:hiddenEffects xmlns:a14="http://schemas.microsoft.com/office/drawing/2010/main">
+                  <a:effectLst>
+                    <a:outerShdw dist="35921" dir="2700000" algn="ctr" rotWithShape="0">
+                      <a:schemeClr val="bg2"/>
+                    </a:outerShdw>
+                  </a:effectLst>
+                </a14:hiddenEffects>
+              </a:ext>
+            </a:extLst>
+          </p:spPr>
+          <p:txBody>
+            <a:bodyPr wrap="none">
+              <a:spAutoFit/>
+            </a:bodyPr>
+            <a:lstStyle/>
+            <a:p>
+              <a:r>
+                <a:rPr lang="en-US" altLang="en-US" sz="2400" b="1" dirty="0" smtClean="0"/>
+                <a:t>Modified query</a:t>
+              </a:r>
+              <a:endParaRPr lang="en-US" altLang="en-US" sz="2400" b="1" dirty="0"/>
+            </a:p>
+          </p:txBody>
+        </p:sp>
+        <p:sp>
+          <p:nvSpPr>
+            <p:cNvPr id="352271" name="Line 15"/>
+            <p:cNvSpPr>
+              <a:spLocks noChangeShapeType="1"/>
+            </p:cNvSpPr>
+            <p:nvPr/>
+          </p:nvSpPr>
+          <p:spPr bwMode="auto">
+            <a:xfrm>
+              <a:off x="1815485" y="3221531"/>
+              <a:ext cx="0" cy="533400"/>
+            </a:xfrm>
+            <a:prstGeom prst="line">
+              <a:avLst/>
+            </a:prstGeom>
+            <a:noFill/>
+            <a:ln w="9525">
+              <a:solidFill>
+                <a:schemeClr val="tx1"/>
+              </a:solidFill>
+              <a:round/>
+              <a:headEnd/>
+              <a:tailEnd type="triangle" w="med" len="med"/>
+            </a:ln>
+            <a:effectLst/>
+            <a:extLst>
+              <a:ext uri="{909E8E84-426E-40DD-AFC4-6F175D3DCCD1}">
+                <a14:hiddenFill xmlns:a14="http://schemas.microsoft.com/office/drawing/2010/main">
+                  <a:noFill/>
+                </a14:hiddenFill>
+              </a:ext>
+              <a:ext uri="{AF507438-7753-43E0-B8FC-AC1667EBCBE1}">
+                <a14:hiddenEffects xmlns:a14="http://schemas.microsoft.com/office/drawing/2010/main">
+                  <a:effectLst>
+                    <a:outerShdw dist="35921" dir="2700000" algn="ctr" rotWithShape="0">
+                      <a:schemeClr val="bg2"/>
+                    </a:outerShdw>
+                  </a:effectLst>
+                </a14:hiddenEffects>
+              </a:ext>
+            </a:extLst>
+          </p:spPr>
+          <p:txBody>
+            <a:bodyPr/>
+            <a:lstStyle/>
+            <a:p>
+              <a:endParaRPr lang="en-US"/>
+            </a:p>
+          </p:txBody>
+        </p:sp>
+      </p:grpSp>
+      <mc:AlternateContent xmlns:mc="http://schemas.openxmlformats.org/markup-compatibility/2006" xmlns:a14="http://schemas.microsoft.com/office/drawing/2010/main">
+        <mc:Choice Requires="a14">
+          <p:sp>
+            <p:nvSpPr>
+              <p:cNvPr id="17" name="TextBox 16"/>
+              <p:cNvSpPr txBox="1"/>
+              <p:nvPr/>
+            </p:nvSpPr>
+            <p:spPr>
+              <a:xfrm>
+                <a:off x="1010031" y="3501228"/>
+                <a:ext cx="7190109" cy="1379545"/>
+              </a:xfrm>
+              <a:prstGeom prst="rect">
+                <a:avLst/>
+              </a:prstGeom>
+              <a:noFill/>
+            </p:spPr>
+            <p:txBody>
+              <a:bodyPr wrap="none" lIns="0" tIns="0" rIns="0" bIns="0" rtlCol="0">
+                <a:spAutoFit/>
+              </a:bodyPr>
+              <a:lstStyle/>
+              <a:p>
+                <a:pPr/>
+                <a14:m>
+                  <m:oMathPara xmlns:m="http://schemas.openxmlformats.org/officeDocument/2006/math">
+                    <m:oMathParaPr>
+                      <m:jc m:val="centerGroup"/>
+                    </m:oMathParaPr>
+                    <m:oMath xmlns:m="http://schemas.openxmlformats.org/officeDocument/2006/math">
+                      <m:sSub>
+                        <m:sSubPr>
+                          <m:ctrlPr>
+                            <a:rPr lang="en-US" sz="3200" b="0" i="1" smtClean="0">
+                              <a:latin typeface="Cambria Math" panose="02040503050406030204" pitchFamily="18" charset="0"/>
+                            </a:rPr>
+                          </m:ctrlPr>
+                        </m:sSubPr>
+                        <m:e>
+                          <m:acc>
+                            <m:accPr>
+                              <m:chr m:val="⃗"/>
+                              <m:ctrlPr>
+                                <a:rPr lang="en-US" sz="3200" i="1" smtClean="0">
+                                  <a:latin typeface="Cambria Math" panose="02040503050406030204" pitchFamily="18" charset="0"/>
+                                </a:rPr>
+                              </m:ctrlPr>
+                            </m:accPr>
+                            <m:e>
+                              <m:r>
+                                <a:rPr lang="en-US" sz="3200" b="0" i="1" smtClean="0">
+                                  <a:latin typeface="Cambria Math" panose="02040503050406030204" pitchFamily="18" charset="0"/>
+                                </a:rPr>
+                                <m:t>𝑞</m:t>
+                              </m:r>
+                            </m:e>
+                          </m:acc>
+                        </m:e>
+                        <m:sub>
+                          <m:r>
+                            <a:rPr lang="en-US" sz="3200" b="0" i="1" smtClean="0">
+                              <a:latin typeface="Cambria Math" panose="02040503050406030204" pitchFamily="18" charset="0"/>
+                            </a:rPr>
+                            <m:t>𝑚</m:t>
+                          </m:r>
+                        </m:sub>
+                      </m:sSub>
+                      <m:r>
+                        <a:rPr lang="en-US" sz="3200" b="0" i="1" smtClean="0">
+                          <a:latin typeface="Cambria Math" panose="02040503050406030204" pitchFamily="18" charset="0"/>
+                        </a:rPr>
+                        <m:t>=</m:t>
+                      </m:r>
+                      <m:r>
+                        <a:rPr lang="en-US" sz="3200" b="0" i="1" smtClean="0">
+                          <a:latin typeface="Cambria Math" panose="02040503050406030204" pitchFamily="18" charset="0"/>
+                        </a:rPr>
+                        <m:t>𝛼</m:t>
+                      </m:r>
+                      <m:acc>
+                        <m:accPr>
+                          <m:chr m:val="⃗"/>
+                          <m:ctrlPr>
+                            <a:rPr lang="en-US" sz="3200" b="0" i="1" smtClean="0">
+                              <a:latin typeface="Cambria Math" panose="02040503050406030204" pitchFamily="18" charset="0"/>
+                            </a:rPr>
+                          </m:ctrlPr>
+                        </m:accPr>
+                        <m:e>
+                          <m:r>
+                            <a:rPr lang="en-US" sz="3200" b="0" i="1" smtClean="0">
+                              <a:latin typeface="Cambria Math" panose="02040503050406030204" pitchFamily="18" charset="0"/>
+                            </a:rPr>
+                            <m:t>𝑞</m:t>
+                          </m:r>
+                        </m:e>
+                      </m:acc>
+                      <m:r>
+                        <a:rPr lang="en-US" sz="3200" b="0" i="1" smtClean="0">
+                          <a:latin typeface="Cambria Math" panose="02040503050406030204" pitchFamily="18" charset="0"/>
+                        </a:rPr>
+                        <m:t>+</m:t>
+                      </m:r>
+                      <m:f>
+                        <m:fPr>
+                          <m:ctrlPr>
+                            <a:rPr lang="en-US" sz="3200" b="0" i="1" smtClean="0">
+                              <a:latin typeface="Cambria Math" panose="02040503050406030204" pitchFamily="18" charset="0"/>
+                            </a:rPr>
+                          </m:ctrlPr>
+                        </m:fPr>
+                        <m:num>
+                          <m:r>
+                            <a:rPr lang="en-US" sz="3200" b="0" i="1" smtClean="0">
+                              <a:latin typeface="Cambria Math" panose="02040503050406030204" pitchFamily="18" charset="0"/>
+                            </a:rPr>
+                            <m:t>𝛽</m:t>
+                          </m:r>
+                        </m:num>
+                        <m:den>
+                          <m:r>
+                            <a:rPr lang="en-US" sz="3200" b="0" i="1" smtClean="0">
+                              <a:latin typeface="Cambria Math" panose="02040503050406030204" pitchFamily="18" charset="0"/>
+                            </a:rPr>
+                            <m:t>|</m:t>
+                          </m:r>
+                          <m:sSub>
+                            <m:sSubPr>
+                              <m:ctrlPr>
+                                <a:rPr lang="en-US" sz="3200" b="0" i="1" smtClean="0">
+                                  <a:latin typeface="Cambria Math" panose="02040503050406030204" pitchFamily="18" charset="0"/>
+                                </a:rPr>
+                              </m:ctrlPr>
+                            </m:sSubPr>
+                            <m:e>
+                              <m:r>
+                                <a:rPr lang="en-US" sz="3200" b="0" i="1" smtClean="0">
+                                  <a:latin typeface="Cambria Math" panose="02040503050406030204" pitchFamily="18" charset="0"/>
+                                </a:rPr>
+                                <m:t>𝐷</m:t>
+                              </m:r>
+                            </m:e>
+                            <m:sub>
+                              <m:r>
+                                <a:rPr lang="en-US" sz="3200" b="0" i="1" smtClean="0">
+                                  <a:latin typeface="Cambria Math" panose="02040503050406030204" pitchFamily="18" charset="0"/>
+                                </a:rPr>
+                                <m:t>𝑟</m:t>
+                              </m:r>
+                            </m:sub>
+                          </m:sSub>
+                          <m:r>
+                            <a:rPr lang="en-US" sz="3200" b="0" i="1" smtClean="0">
+                              <a:latin typeface="Cambria Math" panose="02040503050406030204" pitchFamily="18" charset="0"/>
+                            </a:rPr>
+                            <m:t>|</m:t>
+                          </m:r>
+                        </m:den>
+                      </m:f>
+                      <m:nary>
+                        <m:naryPr>
+                          <m:chr m:val="∑"/>
+                          <m:supHide m:val="on"/>
+                          <m:ctrlPr>
+                            <a:rPr lang="en-US" sz="3200" b="0" i="1" smtClean="0">
+                              <a:latin typeface="Cambria Math" panose="02040503050406030204" pitchFamily="18" charset="0"/>
+                            </a:rPr>
+                          </m:ctrlPr>
+                        </m:naryPr>
+                        <m:sub>
+                          <m:r>
+                            <a:rPr lang="en-US" sz="3200" b="0" i="1" smtClean="0">
+                              <a:latin typeface="Cambria Math" panose="02040503050406030204" pitchFamily="18" charset="0"/>
+                            </a:rPr>
+                            <m:t>∀</m:t>
+                          </m:r>
+                          <m:sSub>
+                            <m:sSubPr>
+                              <m:ctrlPr>
+                                <a:rPr lang="en-US" sz="3200" b="0" i="1" smtClean="0">
+                                  <a:latin typeface="Cambria Math" panose="02040503050406030204" pitchFamily="18" charset="0"/>
+                                </a:rPr>
+                              </m:ctrlPr>
+                            </m:sSubPr>
+                            <m:e>
+                              <m:acc>
+                                <m:accPr>
+                                  <m:chr m:val="⃗"/>
+                                  <m:ctrlPr>
+                                    <a:rPr lang="en-US" sz="3200" b="0" i="1" smtClean="0">
+                                      <a:latin typeface="Cambria Math" panose="02040503050406030204" pitchFamily="18" charset="0"/>
+                                    </a:rPr>
+                                  </m:ctrlPr>
+                                </m:accPr>
+                                <m:e>
+                                  <m:r>
+                                    <a:rPr lang="en-US" sz="3200" b="0" i="1" smtClean="0">
+                                      <a:latin typeface="Cambria Math" panose="02040503050406030204" pitchFamily="18" charset="0"/>
+                                    </a:rPr>
+                                    <m:t>𝑑</m:t>
+                                  </m:r>
+                                </m:e>
+                              </m:acc>
+                            </m:e>
+                            <m:sub>
+                              <m:r>
+                                <a:rPr lang="en-US" sz="3200" b="0" i="1" smtClean="0">
+                                  <a:latin typeface="Cambria Math" panose="02040503050406030204" pitchFamily="18" charset="0"/>
+                                </a:rPr>
+                                <m:t>𝑖</m:t>
+                              </m:r>
+                            </m:sub>
+                          </m:sSub>
+                          <m:r>
+                            <a:rPr lang="en-US" sz="3200" b="0" i="1" smtClean="0">
+                              <a:latin typeface="Cambria Math" panose="02040503050406030204" pitchFamily="18" charset="0"/>
+                            </a:rPr>
+                            <m:t>∈</m:t>
+                          </m:r>
+                          <m:sSub>
+                            <m:sSubPr>
+                              <m:ctrlPr>
+                                <a:rPr lang="en-US" sz="3200" b="0" i="1" smtClean="0">
+                                  <a:latin typeface="Cambria Math" panose="02040503050406030204" pitchFamily="18" charset="0"/>
+                                </a:rPr>
+                              </m:ctrlPr>
+                            </m:sSubPr>
+                            <m:e>
+                              <m:r>
+                                <a:rPr lang="en-US" sz="3200" b="0" i="1" smtClean="0">
+                                  <a:latin typeface="Cambria Math" panose="02040503050406030204" pitchFamily="18" charset="0"/>
+                                </a:rPr>
+                                <m:t>𝐷</m:t>
+                              </m:r>
+                            </m:e>
+                            <m:sub>
+                              <m:r>
+                                <a:rPr lang="en-US" sz="3200" b="0" i="1" smtClean="0">
+                                  <a:latin typeface="Cambria Math" panose="02040503050406030204" pitchFamily="18" charset="0"/>
+                                </a:rPr>
+                                <m:t>𝑟</m:t>
+                              </m:r>
+                            </m:sub>
+                          </m:sSub>
+                        </m:sub>
+                        <m:sup/>
+                        <m:e>
+                          <m:sSub>
+                            <m:sSubPr>
+                              <m:ctrlPr>
+                                <a:rPr lang="en-US" sz="3200" b="0" i="1" smtClean="0">
+                                  <a:latin typeface="Cambria Math" panose="02040503050406030204" pitchFamily="18" charset="0"/>
+                                </a:rPr>
+                              </m:ctrlPr>
+                            </m:sSubPr>
+                            <m:e>
+                              <m:acc>
+                                <m:accPr>
+                                  <m:chr m:val="⃗"/>
+                                  <m:ctrlPr>
+                                    <a:rPr lang="en-US" sz="3200" b="0" i="1" smtClean="0">
+                                      <a:latin typeface="Cambria Math" panose="02040503050406030204" pitchFamily="18" charset="0"/>
+                                    </a:rPr>
+                                  </m:ctrlPr>
+                                </m:accPr>
+                                <m:e>
+                                  <m:r>
+                                    <a:rPr lang="en-US" sz="3200" b="0" i="1" smtClean="0">
+                                      <a:latin typeface="Cambria Math" panose="02040503050406030204" pitchFamily="18" charset="0"/>
+                                    </a:rPr>
+                                    <m:t>𝑑</m:t>
+                                  </m:r>
+                                </m:e>
+                              </m:acc>
+                            </m:e>
+                            <m:sub>
+                              <m:r>
+                                <a:rPr lang="en-US" sz="3200" b="0" i="1" smtClean="0">
+                                  <a:latin typeface="Cambria Math" panose="02040503050406030204" pitchFamily="18" charset="0"/>
+                                </a:rPr>
+                                <m:t>𝑖</m:t>
+                              </m:r>
+                            </m:sub>
+                          </m:sSub>
+                        </m:e>
+                      </m:nary>
+                      <m:r>
+                        <a:rPr lang="en-US" sz="3200" b="0" i="1" smtClean="0">
+                          <a:latin typeface="Cambria Math" panose="02040503050406030204" pitchFamily="18" charset="0"/>
+                        </a:rPr>
+                        <m:t>−</m:t>
+                      </m:r>
+                      <m:f>
+                        <m:fPr>
+                          <m:ctrlPr>
+                            <a:rPr lang="en-US" sz="3200" b="0" i="1" smtClean="0">
+                              <a:latin typeface="Cambria Math" panose="02040503050406030204" pitchFamily="18" charset="0"/>
+                            </a:rPr>
+                          </m:ctrlPr>
+                        </m:fPr>
+                        <m:num>
+                          <m:r>
+                            <a:rPr lang="en-US" sz="3200" b="0" i="1" smtClean="0">
+                              <a:latin typeface="Cambria Math" panose="02040503050406030204" pitchFamily="18" charset="0"/>
+                            </a:rPr>
+                            <m:t>𝛾</m:t>
+                          </m:r>
+                        </m:num>
+                        <m:den>
+                          <m:r>
+                            <a:rPr lang="en-US" sz="3200" b="0" i="1" smtClean="0">
+                              <a:latin typeface="Cambria Math" panose="02040503050406030204" pitchFamily="18" charset="0"/>
+                            </a:rPr>
+                            <m:t>|</m:t>
+                          </m:r>
+                          <m:sSub>
+                            <m:sSubPr>
+                              <m:ctrlPr>
+                                <a:rPr lang="en-US" sz="3200" b="0" i="1" smtClean="0">
+                                  <a:latin typeface="Cambria Math" panose="02040503050406030204" pitchFamily="18" charset="0"/>
+                                </a:rPr>
+                              </m:ctrlPr>
+                            </m:sSubPr>
+                            <m:e>
+                              <m:r>
+                                <a:rPr lang="en-US" sz="3200" b="0" i="1" smtClean="0">
+                                  <a:latin typeface="Cambria Math" panose="02040503050406030204" pitchFamily="18" charset="0"/>
+                                </a:rPr>
+                                <m:t>𝐷</m:t>
+                              </m:r>
+                            </m:e>
+                            <m:sub>
+                              <m:r>
+                                <a:rPr lang="en-US" sz="3200" b="0" i="1" smtClean="0">
+                                  <a:latin typeface="Cambria Math" panose="02040503050406030204" pitchFamily="18" charset="0"/>
+                                </a:rPr>
+                                <m:t>𝑛</m:t>
+                              </m:r>
+                            </m:sub>
+                          </m:sSub>
+                          <m:r>
+                            <a:rPr lang="en-US" sz="3200" b="0" i="1" smtClean="0">
+                              <a:latin typeface="Cambria Math" panose="02040503050406030204" pitchFamily="18" charset="0"/>
+                            </a:rPr>
+                            <m:t>|</m:t>
+                          </m:r>
+                        </m:den>
+                      </m:f>
+                      <m:nary>
+                        <m:naryPr>
+                          <m:chr m:val="∑"/>
+                          <m:supHide m:val="on"/>
+                          <m:ctrlPr>
+                            <a:rPr lang="en-US" sz="3200" b="0" i="1" smtClean="0">
+                              <a:latin typeface="Cambria Math" panose="02040503050406030204" pitchFamily="18" charset="0"/>
+                            </a:rPr>
+                          </m:ctrlPr>
+                        </m:naryPr>
+                        <m:sub>
+                          <m:r>
+                            <a:rPr lang="en-US" sz="3200" b="0" i="1" smtClean="0">
+                              <a:latin typeface="Cambria Math" panose="02040503050406030204" pitchFamily="18" charset="0"/>
+                            </a:rPr>
+                            <m:t>∀</m:t>
+                          </m:r>
+                          <m:sSub>
+                            <m:sSubPr>
+                              <m:ctrlPr>
+                                <a:rPr lang="en-US" sz="3200" b="0" i="1" smtClean="0">
+                                  <a:latin typeface="Cambria Math" panose="02040503050406030204" pitchFamily="18" charset="0"/>
+                                </a:rPr>
+                              </m:ctrlPr>
+                            </m:sSubPr>
+                            <m:e>
+                              <m:acc>
+                                <m:accPr>
+                                  <m:chr m:val="⃗"/>
+                                  <m:ctrlPr>
+                                    <a:rPr lang="en-US" sz="3200" b="0" i="1" smtClean="0">
+                                      <a:latin typeface="Cambria Math" panose="02040503050406030204" pitchFamily="18" charset="0"/>
+                                    </a:rPr>
+                                  </m:ctrlPr>
+                                </m:accPr>
+                                <m:e>
+                                  <m:r>
+                                    <a:rPr lang="en-US" sz="3200" b="0" i="1" smtClean="0">
+                                      <a:latin typeface="Cambria Math" panose="02040503050406030204" pitchFamily="18" charset="0"/>
+                                    </a:rPr>
+                                    <m:t>𝑑</m:t>
+                                  </m:r>
+                                </m:e>
+                              </m:acc>
+                            </m:e>
+                            <m:sub>
+                              <m:r>
+                                <a:rPr lang="en-US" sz="3200" b="0" i="1" smtClean="0">
+                                  <a:latin typeface="Cambria Math" panose="02040503050406030204" pitchFamily="18" charset="0"/>
+                                </a:rPr>
+                                <m:t>𝑗</m:t>
+                              </m:r>
+                            </m:sub>
+                          </m:sSub>
+                          <m:r>
+                            <a:rPr lang="en-US" sz="3200" b="0" i="1" smtClean="0">
+                              <a:latin typeface="Cambria Math" panose="02040503050406030204" pitchFamily="18" charset="0"/>
+                            </a:rPr>
+                            <m:t>∈</m:t>
+                          </m:r>
+                          <m:sSub>
+                            <m:sSubPr>
+                              <m:ctrlPr>
+                                <a:rPr lang="en-US" sz="3200" b="0" i="1" smtClean="0">
+                                  <a:latin typeface="Cambria Math" panose="02040503050406030204" pitchFamily="18" charset="0"/>
+                                </a:rPr>
+                              </m:ctrlPr>
+                            </m:sSubPr>
+                            <m:e>
+                              <m:r>
+                                <a:rPr lang="en-US" sz="3200" b="0" i="1" smtClean="0">
+                                  <a:latin typeface="Cambria Math" panose="02040503050406030204" pitchFamily="18" charset="0"/>
+                                </a:rPr>
+                                <m:t>𝐷</m:t>
+                              </m:r>
+                            </m:e>
+                            <m:sub>
+                              <m:r>
+                                <a:rPr lang="en-US" sz="3200" b="0" i="1" smtClean="0">
+                                  <a:latin typeface="Cambria Math" panose="02040503050406030204" pitchFamily="18" charset="0"/>
+                                </a:rPr>
+                                <m:t>𝑛</m:t>
+                              </m:r>
+                            </m:sub>
+                          </m:sSub>
+                        </m:sub>
+                        <m:sup/>
+                        <m:e>
+                          <m:sSub>
+                            <m:sSubPr>
+                              <m:ctrlPr>
+                                <a:rPr lang="en-US" sz="3200" b="0" i="1" smtClean="0">
+                                  <a:latin typeface="Cambria Math" panose="02040503050406030204" pitchFamily="18" charset="0"/>
+                                </a:rPr>
+                              </m:ctrlPr>
+                            </m:sSubPr>
+                            <m:e>
+                              <m:acc>
+                                <m:accPr>
+                                  <m:chr m:val="⃗"/>
+                                  <m:ctrlPr>
+                                    <a:rPr lang="en-US" sz="3200" b="0" i="1" smtClean="0">
+                                      <a:latin typeface="Cambria Math" panose="02040503050406030204" pitchFamily="18" charset="0"/>
+                                    </a:rPr>
+                                  </m:ctrlPr>
+                                </m:accPr>
+                                <m:e>
+                                  <m:r>
+                                    <a:rPr lang="en-US" sz="3200" b="0" i="1" smtClean="0">
+                                      <a:latin typeface="Cambria Math" panose="02040503050406030204" pitchFamily="18" charset="0"/>
+                                    </a:rPr>
+                                    <m:t>𝑑</m:t>
+                                  </m:r>
+                                </m:e>
+                              </m:acc>
+                            </m:e>
+                            <m:sub>
+                              <m:r>
+                                <a:rPr lang="en-US" sz="3200" b="0" i="1" smtClean="0">
+                                  <a:latin typeface="Cambria Math" panose="02040503050406030204" pitchFamily="18" charset="0"/>
+                                </a:rPr>
+                                <m:t>𝑗</m:t>
+                              </m:r>
+                            </m:sub>
+                          </m:sSub>
+                        </m:e>
+                      </m:nary>
+                    </m:oMath>
+                  </m:oMathPara>
+                </a14:m>
+                <a:endParaRPr lang="en-US" sz="3200" dirty="0"/>
+              </a:p>
+            </p:txBody>
+          </p:sp>
+        </mc:Choice>
+        <mc:Fallback xmlns="">
+          <p:sp>
+            <p:nvSpPr>
+              <p:cNvPr id="17" name="TextBox 16"/>
+              <p:cNvSpPr txBox="1">
+                <a:spLocks noRot="1" noChangeAspect="1" noMove="1" noResize="1" noEditPoints="1" noAdjustHandles="1" noChangeArrowheads="1" noChangeShapeType="1" noTextEdit="1"/>
+              </p:cNvSpPr>
+              <p:nvPr/>
+            </p:nvSpPr>
+            <p:spPr>
+              <a:xfrm>
+                <a:off x="1010031" y="3501228"/>
+                <a:ext cx="7190109" cy="1379545"/>
+              </a:xfrm>
+              <a:prstGeom prst="rect">
+                <a:avLst/>
+              </a:prstGeom>
+              <a:blipFill rotWithShape="0">
+                <a:blip r:embed="rId2"/>
+                <a:stretch>
+                  <a:fillRect/>
+                </a:stretch>
+              </a:blipFill>
+            </p:spPr>
+            <p:txBody>
+              <a:bodyPr/>
+              <a:lstStyle/>
+              <a:p>
+                <a:r>
+                  <a:rPr lang="en-US">
+                    <a:noFill/>
+                  </a:rPr>
+                  <a:t> </a:t>
+                </a:r>
+              </a:p>
+            </p:txBody>
+          </p:sp>
+        </mc:Fallback>
+      </mc:AlternateContent>
+      <p:sp>
+        <p:nvSpPr>
+          <p:cNvPr id="8" name="Date Placeholder 7"/>
+          <p:cNvSpPr>
+            <a:spLocks noGrp="1"/>
+          </p:cNvSpPr>
+          <p:nvPr>
+            <p:ph type="dt" sz="half" idx="10"/>
+          </p:nvPr>
+        </p:nvSpPr>
+        <p:spPr/>
+        <p:txBody>
+          <a:bodyPr/>
+          <a:lstStyle/>
+          <a:p>
+            <a:r>
+              <a:rPr lang="en-US" smtClean="0"/>
+              <a:t>CS@UVa</a:t>
+            </a:r>
+            <a:endParaRPr lang="en-US"/>
+          </a:p>
+        </p:txBody>
+      </p:sp>
+      <p:sp>
+        <p:nvSpPr>
+          <p:cNvPr id="9" name="Footer Placeholder 8"/>
+          <p:cNvSpPr>
+            <a:spLocks noGrp="1"/>
+          </p:cNvSpPr>
+          <p:nvPr>
+            <p:ph type="ftr" sz="quarter" idx="11"/>
+          </p:nvPr>
+        </p:nvSpPr>
+        <p:spPr/>
+        <p:txBody>
+          <a:bodyPr/>
+          <a:lstStyle/>
+          <a:p>
+            <a:r>
+              <a:rPr lang="en-US" smtClean="0"/>
+              <a:t>CS4501: Information Retrieval</a:t>
+            </a:r>
+            <a:endParaRPr lang="en-US"/>
+          </a:p>
+        </p:txBody>
+      </p:sp>
+      <p:sp>
+        <p:nvSpPr>
+          <p:cNvPr id="10" name="Slide Number Placeholder 9"/>
+          <p:cNvSpPr>
+            <a:spLocks noGrp="1"/>
+          </p:cNvSpPr>
+          <p:nvPr>
+            <p:ph type="sldNum" sz="quarter" idx="12"/>
+          </p:nvPr>
+        </p:nvSpPr>
+        <p:spPr/>
+        <p:txBody>
+          <a:bodyPr/>
+          <a:lstStyle/>
+          <a:p>
+            <a:fld id="{F163CAA9-F231-4333-9BD9-DDD19A638CE6}" type="slidenum">
+              <a:rPr lang="en-US" smtClean="0"/>
+              <a:t>2</a:t>
+            </a:fld>
+            <a:endParaRPr lang="en-US"/>
+          </a:p>
+        </p:txBody>
+      </p:sp>
+    </p:spTree>
+    <p:extLst>
+      <p:ext uri="{BB962C8B-B14F-4D97-AF65-F5344CB8AC3E}">
+        <p14:creationId xmlns:p14="http://schemas.microsoft.com/office/powerpoint/2010/main" val="3427210130"/>
+      </p:ext>
+    </p:extLst>
+  </p:cSld>
+  <p:clrMapOvr>
+    <a:masterClrMapping/>
+  </p:clrMapOvr>
+  <p:timing>
+    <p:tnLst>
+      <p:par>
+        <p:cTn id="1" dur="indefinite" restart="never" nodeType="tmRoot">
+          <p:childTnLst>
+            <p:seq concurrent="1" nextAc="seek">
+              <p:cTn id="2" dur="indefinite" nodeType="mainSeq">
+                <p:childTnLst>
+                  <p:par>
+                    <p:cTn id="3" fill="hold">
+                      <p:stCondLst>
+                        <p:cond delay="indefinite"/>
+                      </p:stCondLst>
+                      <p:childTnLst>
+                        <p:par>
+                          <p:cTn id="4" fill="hold">
+                            <p:stCondLst>
+                              <p:cond delay="0"/>
+                            </p:stCondLst>
+                            <p:childTnLst>
+                              <p:par>
+                                <p:cTn id="5" presetID="1" presetClass="entr" presetSubtype="0" fill="hold" nodeType="clickEffect">
+                                  <p:stCondLst>
+                                    <p:cond delay="0"/>
+                                  </p:stCondLst>
+                                  <p:childTnLst>
+                                    <p:set>
+                                      <p:cBhvr>
+                                        <p:cTn id="6" dur="1" fill="hold">
+                                          <p:stCondLst>
+                                            <p:cond delay="0"/>
+                                          </p:stCondLst>
+                                        </p:cTn>
+                                        <p:tgtEl>
+                                          <p:spTgt spid="4"/>
+                                        </p:tgtEl>
+                                        <p:attrNameLst>
+                                          <p:attrName>style.visibility</p:attrName>
+                                        </p:attrNameLst>
+                                      </p:cBhvr>
+                                      <p:to>
+                                        <p:strVal val="visible"/>
+                                      </p:to>
+                                    </p:set>
+                                  </p:childTnLst>
+                                </p:cTn>
+                              </p:par>
+                            </p:childTnLst>
+                          </p:cTn>
+                        </p:par>
+                      </p:childTnLst>
+                    </p:cTn>
+                  </p:par>
+                  <p:par>
+                    <p:cTn id="7" fill="hold">
+                      <p:stCondLst>
+                        <p:cond delay="indefinite"/>
+                      </p:stCondLst>
+                      <p:childTnLst>
+                        <p:par>
+                          <p:cTn id="8" fill="hold">
+                            <p:stCondLst>
+                              <p:cond delay="0"/>
+                            </p:stCondLst>
+                            <p:childTnLst>
+                              <p:par>
+                                <p:cTn id="9" presetID="1" presetClass="entr" presetSubtype="0" fill="hold" nodeType="clickEffect">
+                                  <p:stCondLst>
+                                    <p:cond delay="0"/>
+                                  </p:stCondLst>
+                                  <p:childTnLst>
+                                    <p:set>
+                                      <p:cBhvr>
+                                        <p:cTn id="10" dur="1" fill="hold">
+                                          <p:stCondLst>
+                                            <p:cond delay="0"/>
+                                          </p:stCondLst>
+                                        </p:cTn>
+                                        <p:tgtEl>
+                                          <p:spTgt spid="5"/>
+                                        </p:tgtEl>
+                                        <p:attrNameLst>
+                                          <p:attrName>style.visibility</p:attrName>
+                                        </p:attrNameLst>
+                                      </p:cBhvr>
+                                      <p:to>
+                                        <p:strVal val="visible"/>
+                                      </p:to>
+                                    </p:set>
+                                  </p:childTnLst>
+                                </p:cTn>
+                              </p:par>
+                            </p:childTnLst>
+                          </p:cTn>
+                        </p:par>
+                      </p:childTnLst>
+                    </p:cTn>
+                  </p:par>
+                  <p:par>
+                    <p:cTn id="11" fill="hold">
+                      <p:stCondLst>
+                        <p:cond delay="indefinite"/>
+                      </p:stCondLst>
+                      <p:childTnLst>
+                        <p:par>
+                          <p:cTn id="12" fill="hold">
+                            <p:stCondLst>
+                              <p:cond delay="0"/>
+                            </p:stCondLst>
+                            <p:childTnLst>
+                              <p:par>
+                                <p:cTn id="13" presetID="1" presetClass="entr" presetSubtype="0" fill="hold" nodeType="clickEffect">
+                                  <p:stCondLst>
+                                    <p:cond delay="0"/>
+                                  </p:stCondLst>
+                                  <p:childTnLst>
+                                    <p:set>
+                                      <p:cBhvr>
+                                        <p:cTn id="14" dur="1" fill="hold">
+                                          <p:stCondLst>
+                                            <p:cond delay="0"/>
+                                          </p:stCondLst>
+                                        </p:cTn>
+                                        <p:tgtEl>
+                                          <p:spTgt spid="6"/>
+                                        </p:tgtEl>
+                                        <p:attrNameLst>
+                                          <p:attrName>style.visibility</p:attrName>
+                                        </p:attrNameLst>
+                                      </p:cBhvr>
+                                      <p:to>
+                                        <p:strVal val="visible"/>
+                                      </p:to>
+                                    </p:set>
+                                  </p:childTnLst>
+                                </p:cTn>
+                              </p:par>
+                            </p:childTnLst>
+                          </p:cTn>
+                        </p:par>
+                      </p:childTnLst>
+                    </p:cTn>
+                  </p:par>
+                  <p:par>
+                    <p:cTn id="15" fill="hold">
+                      <p:stCondLst>
+                        <p:cond delay="indefinite"/>
+                      </p:stCondLst>
+                      <p:childTnLst>
+                        <p:par>
+                          <p:cTn id="16" fill="hold">
+                            <p:stCondLst>
+                              <p:cond delay="0"/>
+                            </p:stCondLst>
+                            <p:childTnLst>
+                              <p:par>
+                                <p:cTn id="17" presetID="1" presetClass="entr" presetSubtype="0" fill="hold" nodeType="clickEffect">
+                                  <p:stCondLst>
+                                    <p:cond delay="0"/>
+                                  </p:stCondLst>
+                                  <p:childTnLst>
+                                    <p:set>
+                                      <p:cBhvr>
+                                        <p:cTn id="18" dur="1" fill="hold">
+                                          <p:stCondLst>
+                                            <p:cond delay="0"/>
+                                          </p:stCondLst>
+                                        </p:cTn>
+                                        <p:tgtEl>
+                                          <p:spTgt spid="7"/>
+                                        </p:tgtEl>
+                                        <p:attrNameLst>
+                                          <p:attrName>style.visibility</p:attrName>
+                                        </p:attrNameLst>
+                                      </p:cBhvr>
+                                      <p:to>
+                                        <p:strVal val="visible"/>
+                                      </p:to>
+                                    </p:set>
+                                  </p:childTnLst>
+                                </p:cTn>
+                              </p:par>
+                            </p:childTnLst>
+                          </p:cTn>
+                        </p:par>
+                      </p:childTnLst>
+                    </p:cTn>
+                  </p:par>
+                  <p:par>
+                    <p:cTn id="19" fill="hold">
+                      <p:stCondLst>
+                        <p:cond delay="indefinite"/>
+                      </p:stCondLst>
+                      <p:childTnLst>
+                        <p:par>
+                          <p:cTn id="20" fill="hold">
+                            <p:stCondLst>
+                              <p:cond delay="0"/>
+                            </p:stCondLst>
+                            <p:childTnLst>
+                              <p:par>
+                                <p:cTn id="21" presetID="1" presetClass="entr" presetSubtype="0" fill="hold" nodeType="clickEffect">
+                                  <p:stCondLst>
+                                    <p:cond delay="0"/>
+                                  </p:stCondLst>
+                                  <p:childTnLst>
+                                    <p:set>
+                                      <p:cBhvr>
+                                        <p:cTn id="22" dur="1" fill="hold">
+                                          <p:stCondLst>
+                                            <p:cond delay="0"/>
+                                          </p:stCondLst>
+                                        </p:cTn>
+                                        <p:tgtEl>
+                                          <p:spTgt spid="3"/>
+                                        </p:tgtEl>
+                                        <p:attrNameLst>
+                                          <p:attrName>style.visibility</p:attrName>
+                                        </p:attrNameLst>
+                                      </p:cBhvr>
+                                      <p:to>
+                                        <p:strVal val="visible"/>
+                                      </p:to>
+                                    </p:set>
+                                  </p:childTnLst>
+                                </p:cTn>
+                              </p:par>
+                            </p:childTnLst>
+                          </p:cTn>
+                        </p:par>
+                      </p:childTnLst>
+                    </p:cTn>
+                  </p:par>
+                </p:childTnLst>
+              </p:cTn>
+              <p:prevCondLst>
+                <p:cond evt="onPrev" delay="0">
+                  <p:tgtEl>
+                    <p:sldTgt/>
+                  </p:tgtEl>
+                </p:cond>
+              </p:prevCondLst>
+              <p:nextCondLst>
+                <p:cond evt="onNext" delay="0">
+                  <p:tgtEl>
+                    <p:sldTgt/>
+                  </p:tgtEl>
+                </p:cond>
+              </p:nextCondLst>
+            </p:seq>
+          </p:childTnLst>
+        </p:cTn>
+      </p:par>
+    </p:tnLst>
+  </p:timing>
+</p:sld>
+</file>
+
+<file path=ppt/slides/slide20.xml><?xml version="1.0" encoding="utf-8"?>
 <p:sld xmlns:a="http://schemas.openxmlformats.org/drawingml/2006/main" xmlns:r="http://schemas.openxmlformats.org/officeDocument/2006/relationships" xmlns:p="http://schemas.openxmlformats.org/presentationml/2006/main">
   <p:cSld>
     <p:spTree>
@@ -9112,7 +11396,7 @@
           <a:p>
             <a:fld id="{07EBFD83-9EC0-4EA4-B541-6D3CD8FCBB6C}" type="slidenum">
               <a:rPr lang="en-US" smtClean="0"/>
-              <a:t>18</a:t>
+              <a:t>20</a:t>
             </a:fld>
             <a:endParaRPr lang="en-US"/>
           </a:p>
@@ -9456,7 +11740,7 @@
 </p:sld>
 </file>
 
-<file path=ppt/slides/slide19.xml><?xml version="1.0" encoding="utf-8"?>
+<file path=ppt/slides/slide21.xml><?xml version="1.0" encoding="utf-8"?>
 <p:sld xmlns:a="http://schemas.openxmlformats.org/drawingml/2006/main" xmlns:r="http://schemas.openxmlformats.org/officeDocument/2006/relationships" xmlns:p="http://schemas.openxmlformats.org/presentationml/2006/main">
   <p:cSld>
     <p:spTree>
@@ -12183,7 +14467,7 @@
           <a:p>
             <a:fld id="{07EBFD83-9EC0-4EA4-B541-6D3CD8FCBB6C}" type="slidenum">
               <a:rPr lang="en-US" smtClean="0"/>
-              <a:t>19</a:t>
+              <a:t>21</a:t>
             </a:fld>
             <a:endParaRPr lang="en-US"/>
           </a:p>
@@ -12609,468 +14893,7 @@
 </p:sld>
 </file>
 
-<file path=ppt/slides/slide2.xml><?xml version="1.0" encoding="utf-8"?>
-<p:sld xmlns:a="http://schemas.openxmlformats.org/drawingml/2006/main" xmlns:r="http://schemas.openxmlformats.org/officeDocument/2006/relationships" xmlns:p="http://schemas.openxmlformats.org/presentationml/2006/main">
-  <p:cSld>
-    <p:spTree>
-      <p:nvGrpSpPr>
-        <p:cNvPr id="1" name=""/>
-        <p:cNvGrpSpPr/>
-        <p:nvPr/>
-      </p:nvGrpSpPr>
-      <p:grpSpPr>
-        <a:xfrm>
-          <a:off x="0" y="0"/>
-          <a:ext cx="0" cy="0"/>
-          <a:chOff x="0" y="0"/>
-          <a:chExt cx="0" cy="0"/>
-        </a:xfrm>
-      </p:grpSpPr>
-      <p:sp>
-        <p:nvSpPr>
-          <p:cNvPr id="2" name="Title 1"/>
-          <p:cNvSpPr>
-            <a:spLocks noGrp="1"/>
-          </p:cNvSpPr>
-          <p:nvPr>
-            <p:ph type="title"/>
-          </p:nvPr>
-        </p:nvSpPr>
-        <p:spPr/>
-        <p:txBody>
-          <a:bodyPr/>
-          <a:lstStyle/>
-          <a:p>
-            <a:r>
-              <a:rPr lang="en-US" dirty="0" smtClean="0"/>
-              <a:t>Structured </a:t>
-            </a:r>
-            <a:r>
-              <a:rPr lang="en-US" dirty="0" err="1" smtClean="0"/>
-              <a:t>v.s</a:t>
-            </a:r>
-            <a:r>
-              <a:rPr lang="en-US" dirty="0" smtClean="0"/>
-              <a:t>. unstructured data</a:t>
-            </a:r>
-            <a:endParaRPr lang="en-US" dirty="0"/>
-          </a:p>
-        </p:txBody>
-      </p:sp>
-      <p:sp>
-        <p:nvSpPr>
-          <p:cNvPr id="3" name="Content Placeholder 2"/>
-          <p:cNvSpPr>
-            <a:spLocks noGrp="1"/>
-          </p:cNvSpPr>
-          <p:nvPr>
-            <p:ph idx="1"/>
-          </p:nvPr>
-        </p:nvSpPr>
-        <p:spPr/>
-        <p:txBody>
-          <a:bodyPr/>
-          <a:lstStyle/>
-          <a:p>
-            <a:r>
-              <a:rPr lang="en-US" dirty="0" smtClean="0"/>
-              <a:t>Our claim before</a:t>
-            </a:r>
-          </a:p>
-          <a:p>
-            <a:pPr lvl="1"/>
-            <a:r>
-              <a:rPr lang="en-US" dirty="0" smtClean="0"/>
-              <a:t>IR </a:t>
-            </a:r>
-            <a:r>
-              <a:rPr lang="en-US" dirty="0" err="1" smtClean="0"/>
-              <a:t>v.s</a:t>
-            </a:r>
-            <a:r>
-              <a:rPr lang="en-US" dirty="0" smtClean="0"/>
-              <a:t>. DB = unstructured data </a:t>
-            </a:r>
-            <a:r>
-              <a:rPr lang="en-US" dirty="0" err="1" smtClean="0"/>
-              <a:t>v.s</a:t>
-            </a:r>
-            <a:r>
-              <a:rPr lang="en-US" dirty="0" smtClean="0"/>
-              <a:t>. structured data</a:t>
-            </a:r>
-          </a:p>
-          <a:p>
-            <a:r>
-              <a:rPr lang="en-US" dirty="0" smtClean="0"/>
-              <a:t>As a result, we have assumed</a:t>
-            </a:r>
-          </a:p>
-          <a:p>
-            <a:pPr lvl="1"/>
-            <a:r>
-              <a:rPr lang="en-US" dirty="0" smtClean="0"/>
-              <a:t>Document = a sequence of words</a:t>
-            </a:r>
-          </a:p>
-          <a:p>
-            <a:pPr lvl="1"/>
-            <a:r>
-              <a:rPr lang="en-US" dirty="0" smtClean="0"/>
-              <a:t>Query = a short document</a:t>
-            </a:r>
-          </a:p>
-          <a:p>
-            <a:pPr lvl="1"/>
-            <a:r>
-              <a:rPr lang="en-US" dirty="0" smtClean="0"/>
-              <a:t>Corpus = a set of documents</a:t>
-            </a:r>
-            <a:endParaRPr lang="en-US" dirty="0"/>
-          </a:p>
-        </p:txBody>
-      </p:sp>
-      <p:sp>
-        <p:nvSpPr>
-          <p:cNvPr id="4" name="TextBox 3"/>
-          <p:cNvSpPr txBox="1"/>
-          <p:nvPr/>
-        </p:nvSpPr>
-        <p:spPr>
-          <a:xfrm>
-            <a:off x="1676400" y="5542681"/>
-            <a:ext cx="5486400" cy="461665"/>
-          </a:xfrm>
-          <a:prstGeom prst="rect">
-            <a:avLst/>
-          </a:prstGeom>
-          <a:noFill/>
-        </p:spPr>
-        <p:txBody>
-          <a:bodyPr wrap="square" rtlCol="0">
-            <a:spAutoFit/>
-          </a:bodyPr>
-          <a:lstStyle/>
-          <a:p>
-            <a:r>
-              <a:rPr lang="en-US" sz="2400" i="1" dirty="0" smtClean="0">
-                <a:solidFill>
-                  <a:srgbClr val="FF0000"/>
-                </a:solidFill>
-              </a:rPr>
-              <a:t>However, this assumption is not accurate…</a:t>
-            </a:r>
-            <a:endParaRPr lang="en-US" sz="2400" i="1" dirty="0">
-              <a:solidFill>
-                <a:srgbClr val="FF0000"/>
-              </a:solidFill>
-            </a:endParaRPr>
-          </a:p>
-        </p:txBody>
-      </p:sp>
-      <p:sp>
-        <p:nvSpPr>
-          <p:cNvPr id="5" name="Date Placeholder 4"/>
-          <p:cNvSpPr>
-            <a:spLocks noGrp="1"/>
-          </p:cNvSpPr>
-          <p:nvPr>
-            <p:ph type="dt" sz="half" idx="10"/>
-          </p:nvPr>
-        </p:nvSpPr>
-        <p:spPr/>
-        <p:txBody>
-          <a:bodyPr/>
-          <a:lstStyle/>
-          <a:p>
-            <a:r>
-              <a:rPr lang="en-US" smtClean="0"/>
-              <a:t>CS@UVa</a:t>
-            </a:r>
-            <a:endParaRPr lang="en-US"/>
-          </a:p>
-        </p:txBody>
-      </p:sp>
-      <p:sp>
-        <p:nvSpPr>
-          <p:cNvPr id="6" name="Footer Placeholder 5"/>
-          <p:cNvSpPr>
-            <a:spLocks noGrp="1"/>
-          </p:cNvSpPr>
-          <p:nvPr>
-            <p:ph type="ftr" sz="quarter" idx="11"/>
-          </p:nvPr>
-        </p:nvSpPr>
-        <p:spPr/>
-        <p:txBody>
-          <a:bodyPr/>
-          <a:lstStyle/>
-          <a:p>
-            <a:r>
-              <a:rPr lang="en-US" smtClean="0"/>
-              <a:t>CS 4501: Information Retrieval</a:t>
-            </a:r>
-            <a:endParaRPr lang="en-US"/>
-          </a:p>
-        </p:txBody>
-      </p:sp>
-      <p:sp>
-        <p:nvSpPr>
-          <p:cNvPr id="7" name="Slide Number Placeholder 6"/>
-          <p:cNvSpPr>
-            <a:spLocks noGrp="1"/>
-          </p:cNvSpPr>
-          <p:nvPr>
-            <p:ph type="sldNum" sz="quarter" idx="12"/>
-          </p:nvPr>
-        </p:nvSpPr>
-        <p:spPr/>
-        <p:txBody>
-          <a:bodyPr/>
-          <a:lstStyle/>
-          <a:p>
-            <a:fld id="{07EBFD83-9EC0-4EA4-B541-6D3CD8FCBB6C}" type="slidenum">
-              <a:rPr lang="en-US" smtClean="0"/>
-              <a:t>2</a:t>
-            </a:fld>
-            <a:endParaRPr lang="en-US"/>
-          </a:p>
-        </p:txBody>
-      </p:sp>
-    </p:spTree>
-    <p:extLst>
-      <p:ext uri="{BB962C8B-B14F-4D97-AF65-F5344CB8AC3E}">
-        <p14:creationId xmlns:p14="http://schemas.microsoft.com/office/powerpoint/2010/main" val="2551428266"/>
-      </p:ext>
-    </p:extLst>
-  </p:cSld>
-  <p:clrMapOvr>
-    <a:masterClrMapping/>
-  </p:clrMapOvr>
-  <p:timing>
-    <p:tnLst>
-      <p:par>
-        <p:cTn id="1" dur="indefinite" restart="never" nodeType="tmRoot">
-          <p:childTnLst>
-            <p:seq concurrent="1" nextAc="seek">
-              <p:cTn id="2" dur="indefinite" nodeType="mainSeq">
-                <p:childTnLst>
-                  <p:par>
-                    <p:cTn id="3" fill="hold">
-                      <p:stCondLst>
-                        <p:cond delay="indefinite"/>
-                      </p:stCondLst>
-                      <p:childTnLst>
-                        <p:par>
-                          <p:cTn id="4" fill="hold">
-                            <p:stCondLst>
-                              <p:cond delay="0"/>
-                            </p:stCondLst>
-                            <p:childTnLst>
-                              <p:par>
-                                <p:cTn id="5" presetID="1" presetClass="entr" presetSubtype="0" fill="hold" nodeType="clickEffect">
-                                  <p:stCondLst>
-                                    <p:cond delay="0"/>
-                                  </p:stCondLst>
-                                  <p:childTnLst>
-                                    <p:set>
-                                      <p:cBhvr>
-                                        <p:cTn id="6" dur="1" fill="hold">
-                                          <p:stCondLst>
-                                            <p:cond delay="0"/>
-                                          </p:stCondLst>
-                                        </p:cTn>
-                                        <p:tgtEl>
-                                          <p:spTgt spid="3">
-                                            <p:txEl>
-                                              <p:pRg st="2" end="2"/>
-                                            </p:txEl>
-                                          </p:spTgt>
-                                        </p:tgtEl>
-                                        <p:attrNameLst>
-                                          <p:attrName>style.visibility</p:attrName>
-                                        </p:attrNameLst>
-                                      </p:cBhvr>
-                                      <p:to>
-                                        <p:strVal val="visible"/>
-                                      </p:to>
-                                    </p:set>
-                                  </p:childTnLst>
-                                </p:cTn>
-                              </p:par>
-                              <p:par>
-                                <p:cTn id="7" presetID="1" presetClass="entr" presetSubtype="0" fill="hold" nodeType="withEffect">
-                                  <p:stCondLst>
-                                    <p:cond delay="0"/>
-                                  </p:stCondLst>
-                                  <p:childTnLst>
-                                    <p:set>
-                                      <p:cBhvr>
-                                        <p:cTn id="8" dur="1" fill="hold">
-                                          <p:stCondLst>
-                                            <p:cond delay="0"/>
-                                          </p:stCondLst>
-                                        </p:cTn>
-                                        <p:tgtEl>
-                                          <p:spTgt spid="3">
-                                            <p:txEl>
-                                              <p:pRg st="3" end="3"/>
-                                            </p:txEl>
-                                          </p:spTgt>
-                                        </p:tgtEl>
-                                        <p:attrNameLst>
-                                          <p:attrName>style.visibility</p:attrName>
-                                        </p:attrNameLst>
-                                      </p:cBhvr>
-                                      <p:to>
-                                        <p:strVal val="visible"/>
-                                      </p:to>
-                                    </p:set>
-                                  </p:childTnLst>
-                                </p:cTn>
-                              </p:par>
-                              <p:par>
-                                <p:cTn id="9" presetID="1" presetClass="entr" presetSubtype="0" fill="hold" nodeType="withEffect">
-                                  <p:stCondLst>
-                                    <p:cond delay="0"/>
-                                  </p:stCondLst>
-                                  <p:childTnLst>
-                                    <p:set>
-                                      <p:cBhvr>
-                                        <p:cTn id="10" dur="1" fill="hold">
-                                          <p:stCondLst>
-                                            <p:cond delay="0"/>
-                                          </p:stCondLst>
-                                        </p:cTn>
-                                        <p:tgtEl>
-                                          <p:spTgt spid="3">
-                                            <p:txEl>
-                                              <p:pRg st="4" end="4"/>
-                                            </p:txEl>
-                                          </p:spTgt>
-                                        </p:tgtEl>
-                                        <p:attrNameLst>
-                                          <p:attrName>style.visibility</p:attrName>
-                                        </p:attrNameLst>
-                                      </p:cBhvr>
-                                      <p:to>
-                                        <p:strVal val="visible"/>
-                                      </p:to>
-                                    </p:set>
-                                  </p:childTnLst>
-                                </p:cTn>
-                              </p:par>
-                              <p:par>
-                                <p:cTn id="11" presetID="1" presetClass="entr" presetSubtype="0" fill="hold" nodeType="withEffect">
-                                  <p:stCondLst>
-                                    <p:cond delay="0"/>
-                                  </p:stCondLst>
-                                  <p:childTnLst>
-                                    <p:set>
-                                      <p:cBhvr>
-                                        <p:cTn id="12" dur="1" fill="hold">
-                                          <p:stCondLst>
-                                            <p:cond delay="0"/>
-                                          </p:stCondLst>
-                                        </p:cTn>
-                                        <p:tgtEl>
-                                          <p:spTgt spid="3">
-                                            <p:txEl>
-                                              <p:pRg st="5" end="5"/>
-                                            </p:txEl>
-                                          </p:spTgt>
-                                        </p:tgtEl>
-                                        <p:attrNameLst>
-                                          <p:attrName>style.visibility</p:attrName>
-                                        </p:attrNameLst>
-                                      </p:cBhvr>
-                                      <p:to>
-                                        <p:strVal val="visible"/>
-                                      </p:to>
-                                    </p:set>
-                                  </p:childTnLst>
-                                </p:cTn>
-                              </p:par>
-                            </p:childTnLst>
-                          </p:cTn>
-                        </p:par>
-                      </p:childTnLst>
-                    </p:cTn>
-                  </p:par>
-                  <p:par>
-                    <p:cTn id="13" fill="hold">
-                      <p:stCondLst>
-                        <p:cond delay="indefinite"/>
-                      </p:stCondLst>
-                      <p:childTnLst>
-                        <p:par>
-                          <p:cTn id="14" fill="hold">
-                            <p:stCondLst>
-                              <p:cond delay="0"/>
-                            </p:stCondLst>
-                            <p:childTnLst>
-                              <p:par>
-                                <p:cTn id="15" presetID="1" presetClass="entr" presetSubtype="0" fill="hold" grpId="0" nodeType="clickEffect">
-                                  <p:stCondLst>
-                                    <p:cond delay="0"/>
-                                  </p:stCondLst>
-                                  <p:childTnLst>
-                                    <p:set>
-                                      <p:cBhvr>
-                                        <p:cTn id="16" dur="1" fill="hold">
-                                          <p:stCondLst>
-                                            <p:cond delay="0"/>
-                                          </p:stCondLst>
-                                        </p:cTn>
-                                        <p:tgtEl>
-                                          <p:spTgt spid="4"/>
-                                        </p:tgtEl>
-                                        <p:attrNameLst>
-                                          <p:attrName>style.visibility</p:attrName>
-                                        </p:attrNameLst>
-                                      </p:cBhvr>
-                                      <p:to>
-                                        <p:strVal val="visible"/>
-                                      </p:to>
-                                    </p:set>
-                                  </p:childTnLst>
-                                </p:cTn>
-                              </p:par>
-                            </p:childTnLst>
-                          </p:cTn>
-                        </p:par>
-                      </p:childTnLst>
-                    </p:cTn>
-                  </p:par>
-                </p:childTnLst>
-              </p:cTn>
-              <p:prevCondLst>
-                <p:cond evt="onPrev" delay="0">
-                  <p:tgtEl>
-                    <p:sldTgt/>
-                  </p:tgtEl>
-                </p:cond>
-              </p:prevCondLst>
-              <p:nextCondLst>
-                <p:cond evt="onNext" delay="0">
-                  <p:tgtEl>
-                    <p:sldTgt/>
-                  </p:tgtEl>
-                </p:cond>
-              </p:nextCondLst>
-            </p:seq>
-          </p:childTnLst>
-        </p:cTn>
-      </p:par>
-    </p:tnLst>
-    <p:bldLst>
-      <p:bldP spid="4" grpId="0"/>
-    </p:bldLst>
-  </p:timing>
-</p:sld>
-</file>
-
-<file path=ppt/slides/slide20.xml><?xml version="1.0" encoding="utf-8"?>
+<file path=ppt/slides/slide22.xml><?xml version="1.0" encoding="utf-8"?>
 <p:sld xmlns:a="http://schemas.openxmlformats.org/drawingml/2006/main" xmlns:r="http://schemas.openxmlformats.org/officeDocument/2006/relationships" xmlns:p="http://schemas.openxmlformats.org/presentationml/2006/main">
   <p:cSld>
     <p:spTree>
@@ -13352,7 +15175,7 @@
           <a:p>
             <a:fld id="{07EBFD83-9EC0-4EA4-B541-6D3CD8FCBB6C}" type="slidenum">
               <a:rPr lang="en-US" smtClean="0"/>
-              <a:t>20</a:t>
+              <a:t>22</a:t>
             </a:fld>
             <a:endParaRPr lang="en-US"/>
           </a:p>
@@ -13378,7 +15201,7 @@
 </p:sld>
 </file>
 
-<file path=ppt/slides/slide21.xml><?xml version="1.0" encoding="utf-8"?>
+<file path=ppt/slides/slide23.xml><?xml version="1.0" encoding="utf-8"?>
 <p:sld xmlns:a="http://schemas.openxmlformats.org/drawingml/2006/main" xmlns:r="http://schemas.openxmlformats.org/officeDocument/2006/relationships" xmlns:p="http://schemas.openxmlformats.org/presentationml/2006/main">
   <p:cSld>
     <p:spTree>
@@ -13418,8 +15241,8 @@
           </a:p>
         </p:txBody>
       </p:sp>
-      <mc:AlternateContent xmlns:mc="http://schemas.openxmlformats.org/markup-compatibility/2006" xmlns:a14="http://schemas.microsoft.com/office/drawing/2010/main">
-        <mc:Choice Requires="a14">
+      <mc:AlternateContent xmlns:mc="http://schemas.openxmlformats.org/markup-compatibility/2006">
+        <mc:Choice xmlns:a14="http://schemas.microsoft.com/office/drawing/2010/main" Requires="a14">
           <p:sp>
             <p:nvSpPr>
               <p:cNvPr id="3" name="Content Placeholder 2"/>
@@ -13487,12 +15310,31 @@
                       </a:rPr>
                       <m:t>=</m:t>
                     </m:r>
-                    <m:r>
-                      <a:rPr lang="en-US" i="1">
-                        <a:latin typeface="Cambria Math" panose="02040503050406030204" pitchFamily="18" charset="0"/>
-                      </a:rPr>
-                      <m:t>𝑀</m:t>
-                    </m:r>
+                    <m:sSup>
+                      <m:sSupPr>
+                        <m:ctrlPr>
+                          <a:rPr lang="en-US" b="0" i="1" smtClean="0">
+                            <a:latin typeface="Cambria Math" panose="02040503050406030204" pitchFamily="18" charset="0"/>
+                          </a:rPr>
+                        </m:ctrlPr>
+                      </m:sSupPr>
+                      <m:e>
+                        <m:r>
+                          <a:rPr lang="en-US" i="1">
+                            <a:latin typeface="Cambria Math" panose="02040503050406030204" pitchFamily="18" charset="0"/>
+                          </a:rPr>
+                          <m:t>𝑀</m:t>
+                        </m:r>
+                      </m:e>
+                      <m:sup>
+                        <m:r>
+                          <a:rPr lang="en-US" b="0" i="1" smtClean="0">
+                            <a:latin typeface="Cambria Math" panose="02040503050406030204" pitchFamily="18" charset="0"/>
+                          </a:rPr>
+                          <m:t>𝑇</m:t>
+                        </m:r>
+                      </m:sup>
+                    </m:sSup>
                     <m:sSub>
                       <m:sSubPr>
                         <m:ctrlPr>
@@ -13733,12 +15575,31 @@
                       </a:rPr>
                       <m:t>=</m:t>
                     </m:r>
-                    <m:r>
-                      <a:rPr lang="en-US" b="0" i="1" smtClean="0">
-                        <a:latin typeface="Cambria Math" panose="02040503050406030204" pitchFamily="18" charset="0"/>
-                      </a:rPr>
-                      <m:t>𝑀</m:t>
-                    </m:r>
+                    <m:sSup>
+                      <m:sSupPr>
+                        <m:ctrlPr>
+                          <a:rPr lang="en-US" b="0" i="1" smtClean="0">
+                            <a:latin typeface="Cambria Math" panose="02040503050406030204" pitchFamily="18" charset="0"/>
+                          </a:rPr>
+                        </m:ctrlPr>
+                      </m:sSupPr>
+                      <m:e>
+                        <m:r>
+                          <a:rPr lang="en-US" b="0" i="1" smtClean="0">
+                            <a:latin typeface="Cambria Math" panose="02040503050406030204" pitchFamily="18" charset="0"/>
+                          </a:rPr>
+                          <m:t>𝑀</m:t>
+                        </m:r>
+                      </m:e>
+                      <m:sup>
+                        <m:r>
+                          <a:rPr lang="en-US" b="0" i="1" smtClean="0">
+                            <a:latin typeface="Cambria Math" panose="02040503050406030204" pitchFamily="18" charset="0"/>
+                          </a:rPr>
+                          <m:t>𝑇</m:t>
+                        </m:r>
+                      </m:sup>
+                    </m:sSup>
                     <m:sSub>
                       <m:sSubPr>
                         <m:ctrlPr>
@@ -13803,10 +15664,41 @@
                       </m:sSupPr>
                       <m:e>
                         <m:r>
-                          <a:rPr lang="en-US" i="1">
+                          <a:rPr lang="en-US" b="0" i="1" smtClean="0">
                             <a:latin typeface="Cambria Math" panose="02040503050406030204" pitchFamily="18" charset="0"/>
                           </a:rPr>
-                          <m:t>𝑀</m:t>
+                          <m:t>(</m:t>
+                        </m:r>
+                        <m:sSup>
+                          <m:sSupPr>
+                            <m:ctrlPr>
+                              <a:rPr lang="en-US" b="0" i="1" smtClean="0">
+                                <a:latin typeface="Cambria Math" panose="02040503050406030204" pitchFamily="18" charset="0"/>
+                              </a:rPr>
+                            </m:ctrlPr>
+                          </m:sSupPr>
+                          <m:e>
+                            <m:r>
+                              <a:rPr lang="en-US" i="1">
+                                <a:latin typeface="Cambria Math" panose="02040503050406030204" pitchFamily="18" charset="0"/>
+                              </a:rPr>
+                              <m:t>𝑀</m:t>
+                            </m:r>
+                          </m:e>
+                          <m:sup>
+                            <m:r>
+                              <a:rPr lang="en-US" b="0" i="1" smtClean="0">
+                                <a:latin typeface="Cambria Math" panose="02040503050406030204" pitchFamily="18" charset="0"/>
+                              </a:rPr>
+                              <m:t>𝑇</m:t>
+                            </m:r>
+                          </m:sup>
+                        </m:sSup>
+                        <m:r>
+                          <a:rPr lang="en-US" b="0" i="1" smtClean="0">
+                            <a:latin typeface="Cambria Math" panose="02040503050406030204" pitchFamily="18" charset="0"/>
+                          </a:rPr>
+                          <m:t>)</m:t>
                         </m:r>
                       </m:e>
                       <m:sup>
@@ -13932,7 +15824,7 @@
             </p:txBody>
           </p:sp>
         </mc:Choice>
-        <mc:Fallback xmlns="">
+        <mc:Fallback>
           <p:sp>
             <p:nvSpPr>
               <p:cNvPr id="3" name="Content Placeholder 2"/>
@@ -14029,7 +15921,7 @@
           <a:p>
             <a:fld id="{07EBFD83-9EC0-4EA4-B541-6D3CD8FCBB6C}" type="slidenum">
               <a:rPr lang="en-US" smtClean="0"/>
-              <a:t>21</a:t>
+              <a:t>23</a:t>
             </a:fld>
             <a:endParaRPr lang="en-US"/>
           </a:p>
@@ -14055,7 +15947,7 @@
 </p:sld>
 </file>
 
-<file path=ppt/slides/slide22.xml><?xml version="1.0" encoding="utf-8"?>
+<file path=ppt/slides/slide24.xml><?xml version="1.0" encoding="utf-8"?>
 <p:sld xmlns:a="http://schemas.openxmlformats.org/drawingml/2006/main" xmlns:r="http://schemas.openxmlformats.org/officeDocument/2006/relationships" xmlns:p="http://schemas.openxmlformats.org/presentationml/2006/main">
   <p:cSld>
     <p:spTree>
@@ -14456,8 +16348,8 @@
           </p:sp>
         </mc:Fallback>
       </mc:AlternateContent>
-      <mc:AlternateContent xmlns:mc="http://schemas.openxmlformats.org/markup-compatibility/2006" xmlns:a14="http://schemas.microsoft.com/office/drawing/2010/main">
-        <mc:Choice Requires="a14">
+      <mc:AlternateContent xmlns:mc="http://schemas.openxmlformats.org/markup-compatibility/2006">
+        <mc:Choice xmlns:a14="http://schemas.microsoft.com/office/drawing/2010/main" Requires="a14">
           <p:sp>
             <p:nvSpPr>
               <p:cNvPr id="6" name="TextBox 5"/>
@@ -14467,7 +16359,7 @@
             <p:spPr>
               <a:xfrm>
                 <a:off x="3102537" y="4242351"/>
-                <a:ext cx="1296958" cy="430887"/>
+                <a:ext cx="1488869" cy="430887"/>
               </a:xfrm>
               <a:prstGeom prst="rect">
                 <a:avLst/>
@@ -14499,12 +16391,31 @@
                         </a:rPr>
                         <m:t>=</m:t>
                       </m:r>
-                      <m:r>
-                        <a:rPr lang="en-US" sz="2800" b="0" i="1" smtClean="0">
-                          <a:latin typeface="Cambria Math" panose="02040503050406030204" pitchFamily="18" charset="0"/>
-                        </a:rPr>
-                        <m:t>𝑀</m:t>
-                      </m:r>
+                      <m:sSup>
+                        <m:sSupPr>
+                          <m:ctrlPr>
+                            <a:rPr lang="en-US" sz="2800" b="0" i="1" smtClean="0">
+                              <a:latin typeface="Cambria Math" panose="02040503050406030204" pitchFamily="18" charset="0"/>
+                            </a:rPr>
+                          </m:ctrlPr>
+                        </m:sSupPr>
+                        <m:e>
+                          <m:r>
+                            <a:rPr lang="en-US" sz="2800" b="0" i="1" smtClean="0">
+                              <a:latin typeface="Cambria Math" panose="02040503050406030204" pitchFamily="18" charset="0"/>
+                            </a:rPr>
+                            <m:t>𝑀</m:t>
+                          </m:r>
+                        </m:e>
+                        <m:sup>
+                          <m:r>
+                            <a:rPr lang="en-US" sz="2800" b="0" i="1" smtClean="0">
+                              <a:latin typeface="Cambria Math" panose="02040503050406030204" pitchFamily="18" charset="0"/>
+                            </a:rPr>
+                            <m:t>𝑇</m:t>
+                          </m:r>
+                        </m:sup>
+                      </m:sSup>
                       <m:r>
                         <a:rPr lang="en-US" sz="2800" b="0" i="1" smtClean="0">
                           <a:latin typeface="Cambria Math" panose="02040503050406030204" pitchFamily="18" charset="0"/>
@@ -14519,7 +16430,7 @@
             </p:txBody>
           </p:sp>
         </mc:Choice>
-        <mc:Fallback xmlns="">
+        <mc:Fallback>
           <p:sp>
             <p:nvSpPr>
               <p:cNvPr id="6" name="TextBox 5"/>
@@ -14531,7 +16442,7 @@
             <p:spPr>
               <a:xfrm>
                 <a:off x="3102537" y="4242351"/>
-                <a:ext cx="1296958" cy="430887"/>
+                <a:ext cx="1488869" cy="430887"/>
               </a:xfrm>
               <a:prstGeom prst="rect">
                 <a:avLst/>
@@ -14753,7 +16664,7 @@
           <a:p>
             <a:fld id="{07EBFD83-9EC0-4EA4-B541-6D3CD8FCBB6C}" type="slidenum">
               <a:rPr lang="en-US" smtClean="0"/>
-              <a:t>22</a:t>
+              <a:t>24</a:t>
             </a:fld>
             <a:endParaRPr lang="en-US"/>
           </a:p>
@@ -14913,7 +16824,7 @@
 </p:sld>
 </file>
 
-<file path=ppt/slides/slide23.xml><?xml version="1.0" encoding="utf-8"?>
+<file path=ppt/slides/slide25.xml><?xml version="1.0" encoding="utf-8"?>
 <p:sld xmlns:a="http://schemas.openxmlformats.org/drawingml/2006/main" xmlns:r="http://schemas.openxmlformats.org/officeDocument/2006/relationships" xmlns:p="http://schemas.openxmlformats.org/presentationml/2006/main">
   <p:cSld>
     <p:spTree>
@@ -15073,7 +16984,7 @@
           <a:p>
             <a:fld id="{07EBFD83-9EC0-4EA4-B541-6D3CD8FCBB6C}" type="slidenum">
               <a:rPr lang="en-US" smtClean="0"/>
-              <a:t>23</a:t>
+              <a:t>25</a:t>
             </a:fld>
             <a:endParaRPr lang="en-US"/>
           </a:p>
@@ -15171,7 +17082,7 @@
 </p:sld>
 </file>
 
-<file path=ppt/slides/slide24.xml><?xml version="1.0" encoding="utf-8"?>
+<file path=ppt/slides/slide26.xml><?xml version="1.0" encoding="utf-8"?>
 <p:sld xmlns:a="http://schemas.openxmlformats.org/drawingml/2006/main" xmlns:r="http://schemas.openxmlformats.org/officeDocument/2006/relationships" xmlns:p="http://schemas.openxmlformats.org/presentationml/2006/main">
   <p:cSld>
     <p:spTree>
@@ -15661,7 +17572,7 @@
           <a:p>
             <a:fld id="{07EBFD83-9EC0-4EA4-B541-6D3CD8FCBB6C}" type="slidenum">
               <a:rPr lang="en-US" smtClean="0"/>
-              <a:t>24</a:t>
+              <a:t>26</a:t>
             </a:fld>
             <a:endParaRPr lang="en-US"/>
           </a:p>
@@ -15687,7 +17598,7 @@
 </p:sld>
 </file>
 
-<file path=ppt/slides/slide25.xml><?xml version="1.0" encoding="utf-8"?>
+<file path=ppt/slides/slide27.xml><?xml version="1.0" encoding="utf-8"?>
 <p:sld xmlns:a="http://schemas.openxmlformats.org/drawingml/2006/main" xmlns:r="http://schemas.openxmlformats.org/officeDocument/2006/relationships" xmlns:p="http://schemas.openxmlformats.org/presentationml/2006/main">
   <p:cSld>
     <p:spTree>
@@ -15727,8 +17638,8 @@
           </a:p>
         </p:txBody>
       </p:sp>
-      <mc:AlternateContent xmlns:mc="http://schemas.openxmlformats.org/markup-compatibility/2006" xmlns:a14="http://schemas.microsoft.com/office/drawing/2010/main">
-        <mc:Choice Requires="a14">
+      <mc:AlternateContent xmlns:mc="http://schemas.openxmlformats.org/markup-compatibility/2006">
+        <mc:Choice xmlns:a14="http://schemas.microsoft.com/office/drawing/2010/main" Requires="a14">
           <p:sp>
             <p:nvSpPr>
               <p:cNvPr id="3" name="Content Placeholder 2"/>
@@ -15803,12 +17714,31 @@
                       </a:rPr>
                       <m:t>=</m:t>
                     </m:r>
-                    <m:r>
-                      <a:rPr lang="en-US" i="1">
-                        <a:latin typeface="Cambria Math" panose="02040503050406030204" pitchFamily="18" charset="0"/>
-                      </a:rPr>
-                      <m:t>𝑀</m:t>
-                    </m:r>
+                    <m:sSup>
+                      <m:sSupPr>
+                        <m:ctrlPr>
+                          <a:rPr lang="en-US" b="0" i="1" smtClean="0">
+                            <a:latin typeface="Cambria Math" panose="02040503050406030204" pitchFamily="18" charset="0"/>
+                          </a:rPr>
+                        </m:ctrlPr>
+                      </m:sSupPr>
+                      <m:e>
+                        <m:r>
+                          <a:rPr lang="en-US" i="1">
+                            <a:latin typeface="Cambria Math" panose="02040503050406030204" pitchFamily="18" charset="0"/>
+                          </a:rPr>
+                          <m:t>𝑀</m:t>
+                        </m:r>
+                      </m:e>
+                      <m:sup>
+                        <m:r>
+                          <a:rPr lang="en-US" b="0" i="1" smtClean="0">
+                            <a:latin typeface="Cambria Math" panose="02040503050406030204" pitchFamily="18" charset="0"/>
+                          </a:rPr>
+                          <m:t>𝑇</m:t>
+                        </m:r>
+                      </m:sup>
+                    </m:sSup>
                     <m:sSub>
                       <m:sSubPr>
                         <m:ctrlPr>
@@ -15882,7 +17812,38 @@
                           <a:rPr lang="en-US" b="0" i="1" smtClean="0">
                             <a:latin typeface="Cambria Math" panose="02040503050406030204" pitchFamily="18" charset="0"/>
                           </a:rPr>
-                          <m:t>𝑀</m:t>
+                          <m:t>(</m:t>
+                        </m:r>
+                        <m:sSup>
+                          <m:sSupPr>
+                            <m:ctrlPr>
+                              <a:rPr lang="en-US" b="0" i="1" smtClean="0">
+                                <a:latin typeface="Cambria Math" panose="02040503050406030204" pitchFamily="18" charset="0"/>
+                              </a:rPr>
+                            </m:ctrlPr>
+                          </m:sSupPr>
+                          <m:e>
+                            <m:r>
+                              <a:rPr lang="en-US" b="0" i="1" smtClean="0">
+                                <a:latin typeface="Cambria Math" panose="02040503050406030204" pitchFamily="18" charset="0"/>
+                              </a:rPr>
+                              <m:t>𝑀</m:t>
+                            </m:r>
+                          </m:e>
+                          <m:sup>
+                            <m:r>
+                              <a:rPr lang="en-US" b="0" i="1" smtClean="0">
+                                <a:latin typeface="Cambria Math" panose="02040503050406030204" pitchFamily="18" charset="0"/>
+                              </a:rPr>
+                              <m:t>𝑇</m:t>
+                            </m:r>
+                          </m:sup>
+                        </m:sSup>
+                        <m:r>
+                          <a:rPr lang="en-US" b="0" i="1" smtClean="0">
+                            <a:latin typeface="Cambria Math" panose="02040503050406030204" pitchFamily="18" charset="0"/>
+                          </a:rPr>
+                          <m:t>)</m:t>
                         </m:r>
                       </m:e>
                       <m:sup>
@@ -16041,7 +18002,7 @@
             </p:txBody>
           </p:sp>
         </mc:Choice>
-        <mc:Fallback xmlns="">
+        <mc:Fallback>
           <p:sp>
             <p:nvSpPr>
               <p:cNvPr id="3" name="Content Placeholder 2"/>
@@ -16138,14 +18099,14 @@
           <a:p>
             <a:fld id="{07EBFD83-9EC0-4EA4-B541-6D3CD8FCBB6C}" type="slidenum">
               <a:rPr lang="en-US" smtClean="0"/>
-              <a:t>25</a:t>
+              <a:t>27</a:t>
             </a:fld>
             <a:endParaRPr lang="en-US"/>
           </a:p>
         </p:txBody>
       </p:sp>
-      <mc:AlternateContent xmlns:mc="http://schemas.openxmlformats.org/markup-compatibility/2006" xmlns:a14="http://schemas.microsoft.com/office/drawing/2010/main">
-        <mc:Choice Requires="a14">
+      <mc:AlternateContent xmlns:mc="http://schemas.openxmlformats.org/markup-compatibility/2006">
+        <mc:Choice xmlns:a14="http://schemas.microsoft.com/office/drawing/2010/main" Requires="a14">
           <p:sp>
             <p:nvSpPr>
               <p:cNvPr id="7" name="TextBox 6"/>
@@ -16175,12 +18136,31 @@
                       <m:jc m:val="centerGroup"/>
                     </m:oMathParaPr>
                     <m:oMath xmlns:m="http://schemas.openxmlformats.org/officeDocument/2006/math">
-                      <m:r>
-                        <a:rPr lang="en-US" sz="2800" i="1" smtClean="0">
-                          <a:latin typeface="Cambria Math" panose="02040503050406030204" pitchFamily="18" charset="0"/>
-                        </a:rPr>
-                        <m:t>𝑀</m:t>
-                      </m:r>
+                      <m:sSup>
+                        <m:sSupPr>
+                          <m:ctrlPr>
+                            <a:rPr lang="en-US" sz="2800" b="0" i="1" smtClean="0">
+                              <a:latin typeface="Cambria Math" panose="02040503050406030204" pitchFamily="18" charset="0"/>
+                            </a:rPr>
+                          </m:ctrlPr>
+                        </m:sSupPr>
+                        <m:e>
+                          <m:r>
+                            <a:rPr lang="en-US" sz="2800" i="1" smtClean="0">
+                              <a:latin typeface="Cambria Math" panose="02040503050406030204" pitchFamily="18" charset="0"/>
+                            </a:rPr>
+                            <m:t>𝑀</m:t>
+                          </m:r>
+                        </m:e>
+                        <m:sup>
+                          <m:r>
+                            <a:rPr lang="en-US" sz="2800" b="0" i="1" smtClean="0">
+                              <a:latin typeface="Cambria Math" panose="02040503050406030204" pitchFamily="18" charset="0"/>
+                            </a:rPr>
+                            <m:t>𝑇</m:t>
+                          </m:r>
+                        </m:sup>
+                      </m:sSup>
                       <m:r>
                         <a:rPr lang="en-US" sz="2800" i="1" smtClean="0">
                           <a:latin typeface="Cambria Math" panose="02040503050406030204" pitchFamily="18" charset="0"/>
@@ -16213,7 +18193,7 @@
             </p:txBody>
           </p:sp>
         </mc:Choice>
-        <mc:Fallback xmlns="">
+        <mc:Fallback>
           <p:sp>
             <p:nvSpPr>
               <p:cNvPr id="7" name="TextBox 6"/>
@@ -16272,7 +18252,7 @@
 </p:sld>
 </file>
 
-<file path=ppt/slides/slide26.xml><?xml version="1.0" encoding="utf-8"?>
+<file path=ppt/slides/slide28.xml><?xml version="1.0" encoding="utf-8"?>
 <p:sld xmlns:a="http://schemas.openxmlformats.org/drawingml/2006/main" xmlns:r="http://schemas.openxmlformats.org/officeDocument/2006/relationships" xmlns:p="http://schemas.openxmlformats.org/presentationml/2006/main">
   <p:cSld>
     <p:spTree>
@@ -16627,7 +18607,7 @@
           <a:p>
             <a:fld id="{07EBFD83-9EC0-4EA4-B541-6D3CD8FCBB6C}" type="slidenum">
               <a:rPr lang="en-US" smtClean="0"/>
-              <a:t>26</a:t>
+              <a:t>28</a:t>
             </a:fld>
             <a:endParaRPr lang="en-US"/>
           </a:p>
@@ -16653,7 +18633,7 @@
 </p:sld>
 </file>
 
-<file path=ppt/slides/slide27.xml><?xml version="1.0" encoding="utf-8"?>
+<file path=ppt/slides/slide29.xml><?xml version="1.0" encoding="utf-8"?>
 <p:sld xmlns:a="http://schemas.openxmlformats.org/drawingml/2006/main" xmlns:r="http://schemas.openxmlformats.org/officeDocument/2006/relationships" xmlns:p="http://schemas.openxmlformats.org/presentationml/2006/main">
   <p:cSld>
     <p:spTree>
@@ -16693,8 +18673,8 @@
           </a:p>
         </p:txBody>
       </p:sp>
-      <mc:AlternateContent xmlns:mc="http://schemas.openxmlformats.org/markup-compatibility/2006" xmlns:a14="http://schemas.microsoft.com/office/drawing/2010/main">
-        <mc:Choice Requires="a14">
+      <mc:AlternateContent xmlns:mc="http://schemas.openxmlformats.org/markup-compatibility/2006">
+        <mc:Choice xmlns:a14="http://schemas.microsoft.com/office/drawing/2010/main" Requires="a14">
           <p:sp>
             <p:nvSpPr>
               <p:cNvPr id="3" name="Content Placeholder 2"/>
@@ -16793,12 +18773,31 @@
                       </a:rPr>
                       <m:t>𝛼</m:t>
                     </m:r>
-                    <m:r>
-                      <a:rPr lang="en-US" i="1">
-                        <a:latin typeface="Cambria Math" panose="02040503050406030204" pitchFamily="18" charset="0"/>
-                      </a:rPr>
-                      <m:t>𝑀</m:t>
-                    </m:r>
+                    <m:sSup>
+                      <m:sSupPr>
+                        <m:ctrlPr>
+                          <a:rPr lang="en-US" b="0" i="1" smtClean="0">
+                            <a:latin typeface="Cambria Math" panose="02040503050406030204" pitchFamily="18" charset="0"/>
+                          </a:rPr>
+                        </m:ctrlPr>
+                      </m:sSupPr>
+                      <m:e>
+                        <m:r>
+                          <a:rPr lang="en-US" i="1">
+                            <a:latin typeface="Cambria Math" panose="02040503050406030204" pitchFamily="18" charset="0"/>
+                          </a:rPr>
+                          <m:t>𝑀</m:t>
+                        </m:r>
+                      </m:e>
+                      <m:sup>
+                        <m:r>
+                          <a:rPr lang="en-US" b="0" i="1" smtClean="0">
+                            <a:latin typeface="Cambria Math" panose="02040503050406030204" pitchFamily="18" charset="0"/>
+                          </a:rPr>
+                          <m:t>𝑇</m:t>
+                        </m:r>
+                      </m:sup>
+                    </m:sSup>
                     <m:r>
                       <a:rPr lang="en-US" i="1">
                         <a:latin typeface="Cambria Math" panose="02040503050406030204" pitchFamily="18" charset="0"/>
@@ -17047,7 +19046,7 @@
             </p:txBody>
           </p:sp>
         </mc:Choice>
-        <mc:Fallback xmlns="">
+        <mc:Fallback>
           <p:sp>
             <p:nvSpPr>
               <p:cNvPr id="3" name="Content Placeholder 2"/>
@@ -17144,7 +19143,7 @@
           <a:p>
             <a:fld id="{07EBFD83-9EC0-4EA4-B541-6D3CD8FCBB6C}" type="slidenum">
               <a:rPr lang="en-US" smtClean="0"/>
-              <a:t>27</a:t>
+              <a:t>29</a:t>
             </a:fld>
             <a:endParaRPr lang="en-US"/>
           </a:p>
@@ -17170,7 +19169,1903 @@
 </p:sld>
 </file>
 
-<file path=ppt/slides/slide28.xml><?xml version="1.0" encoding="utf-8"?>
+<file path=ppt/slides/slide3.xml><?xml version="1.0" encoding="utf-8"?>
+<p:sld xmlns:a="http://schemas.openxmlformats.org/drawingml/2006/main" xmlns:r="http://schemas.openxmlformats.org/officeDocument/2006/relationships" xmlns:p="http://schemas.openxmlformats.org/presentationml/2006/main">
+  <p:cSld>
+    <p:spTree>
+      <p:nvGrpSpPr>
+        <p:cNvPr id="1" name=""/>
+        <p:cNvGrpSpPr/>
+        <p:nvPr/>
+      </p:nvGrpSpPr>
+      <p:grpSpPr>
+        <a:xfrm>
+          <a:off x="0" y="0"/>
+          <a:ext cx="0" cy="0"/>
+          <a:chOff x="0" y="0"/>
+          <a:chExt cx="0" cy="0"/>
+        </a:xfrm>
+      </p:grpSpPr>
+      <p:sp>
+        <p:nvSpPr>
+          <p:cNvPr id="2" name="Title 1"/>
+          <p:cNvSpPr>
+            <a:spLocks noGrp="1"/>
+          </p:cNvSpPr>
+          <p:nvPr>
+            <p:ph type="title"/>
+          </p:nvPr>
+        </p:nvSpPr>
+        <p:spPr/>
+        <p:txBody>
+          <a:bodyPr/>
+          <a:lstStyle/>
+          <a:p>
+            <a:r>
+              <a:rPr lang="en-US" dirty="0" smtClean="0"/>
+              <a:t>Recap: click models</a:t>
+            </a:r>
+            <a:endParaRPr lang="en-US" dirty="0"/>
+          </a:p>
+        </p:txBody>
+      </p:sp>
+      <p:sp>
+        <p:nvSpPr>
+          <p:cNvPr id="3" name="Content Placeholder 2"/>
+          <p:cNvSpPr>
+            <a:spLocks noGrp="1"/>
+          </p:cNvSpPr>
+          <p:nvPr>
+            <p:ph idx="1"/>
+          </p:nvPr>
+        </p:nvSpPr>
+        <p:spPr/>
+        <p:txBody>
+          <a:bodyPr/>
+          <a:lstStyle/>
+          <a:p>
+            <a:r>
+              <a:rPr lang="en-US" dirty="0" smtClean="0"/>
+              <a:t>Decompose relevance-driven clicks from position-driven clicks</a:t>
+            </a:r>
+            <a:endParaRPr lang="en-US" i="1" dirty="0" smtClean="0"/>
+          </a:p>
+          <a:p>
+            <a:pPr lvl="1"/>
+            <a:r>
+              <a:rPr lang="en-US" dirty="0" smtClean="0"/>
+              <a:t>Examine: user reads the displayed result</a:t>
+            </a:r>
+          </a:p>
+          <a:p>
+            <a:pPr lvl="1"/>
+            <a:r>
+              <a:rPr lang="en-US" dirty="0" smtClean="0"/>
+              <a:t>Click: user clicks on the displayed result</a:t>
+            </a:r>
+          </a:p>
+          <a:p>
+            <a:pPr lvl="1"/>
+            <a:r>
+              <a:rPr lang="en-US" dirty="0" smtClean="0"/>
+              <a:t>Atomic unit: (query, doc)</a:t>
+            </a:r>
+          </a:p>
+          <a:p>
+            <a:pPr lvl="1">
+              <a:buNone/>
+            </a:pPr>
+            <a:endParaRPr lang="en-US" dirty="0"/>
+          </a:p>
+        </p:txBody>
+      </p:sp>
+      <p:pic>
+        <p:nvPicPr>
+          <p:cNvPr id="1026" name="Picture 2"/>
+          <p:cNvPicPr>
+            <a:picLocks noChangeAspect="1" noChangeArrowheads="1"/>
+          </p:cNvPicPr>
+          <p:nvPr/>
+        </p:nvPicPr>
+        <p:blipFill>
+          <a:blip r:embed="rId3" cstate="print"/>
+          <a:srcRect/>
+          <a:stretch>
+            <a:fillRect/>
+          </a:stretch>
+        </p:blipFill>
+        <p:spPr bwMode="auto">
+          <a:xfrm>
+            <a:off x="1066800" y="4435512"/>
+            <a:ext cx="5025556" cy="838200"/>
+          </a:xfrm>
+          <a:prstGeom prst="rect">
+            <a:avLst/>
+          </a:prstGeom>
+          <a:noFill/>
+          <a:ln w="9525">
+            <a:noFill/>
+            <a:miter lim="800000"/>
+            <a:headEnd/>
+            <a:tailEnd/>
+          </a:ln>
+        </p:spPr>
+      </p:pic>
+      <p:grpSp>
+        <p:nvGrpSpPr>
+          <p:cNvPr id="33" name="Group 32"/>
+          <p:cNvGrpSpPr/>
+          <p:nvPr/>
+        </p:nvGrpSpPr>
+        <p:grpSpPr>
+          <a:xfrm>
+            <a:off x="6553200" y="4130712"/>
+            <a:ext cx="762000" cy="2362200"/>
+            <a:chOff x="6553200" y="4130712"/>
+            <a:chExt cx="762000" cy="2362200"/>
+          </a:xfrm>
+        </p:grpSpPr>
+        <p:grpSp>
+          <p:nvGrpSpPr>
+            <p:cNvPr id="9" name="Group 8"/>
+            <p:cNvGrpSpPr/>
+            <p:nvPr/>
+          </p:nvGrpSpPr>
+          <p:grpSpPr>
+            <a:xfrm>
+              <a:off x="6553200" y="4130712"/>
+              <a:ext cx="762000" cy="533400"/>
+              <a:chOff x="7467600" y="4114800"/>
+              <a:chExt cx="762000" cy="533400"/>
+            </a:xfrm>
+          </p:grpSpPr>
+          <p:sp>
+            <p:nvSpPr>
+              <p:cNvPr id="5" name="Oval 4"/>
+              <p:cNvSpPr/>
+              <p:nvPr/>
+            </p:nvSpPr>
+            <p:spPr>
+              <a:xfrm>
+                <a:off x="7543800" y="4114800"/>
+                <a:ext cx="533400" cy="533400"/>
+              </a:xfrm>
+              <a:prstGeom prst="ellipse">
+                <a:avLst/>
+              </a:prstGeom>
+              <a:noFill/>
+            </p:spPr>
+            <p:style>
+              <a:lnRef idx="2">
+                <a:schemeClr val="accent1">
+                  <a:shade val="50000"/>
+                </a:schemeClr>
+              </a:lnRef>
+              <a:fillRef idx="1">
+                <a:schemeClr val="accent1"/>
+              </a:fillRef>
+              <a:effectRef idx="0">
+                <a:schemeClr val="accent1"/>
+              </a:effectRef>
+              <a:fontRef idx="minor">
+                <a:schemeClr val="lt1"/>
+              </a:fontRef>
+            </p:style>
+            <p:txBody>
+              <a:bodyPr rtlCol="0" anchor="ctr"/>
+              <a:lstStyle/>
+              <a:p>
+                <a:pPr algn="ctr"/>
+                <a:endParaRPr lang="en-US"/>
+              </a:p>
+            </p:txBody>
+          </p:sp>
+          <p:sp>
+            <p:nvSpPr>
+              <p:cNvPr id="8" name="TextBox 7"/>
+              <p:cNvSpPr txBox="1"/>
+              <p:nvPr/>
+            </p:nvSpPr>
+            <p:spPr>
+              <a:xfrm>
+                <a:off x="7467600" y="4191000"/>
+                <a:ext cx="762000" cy="369332"/>
+              </a:xfrm>
+              <a:prstGeom prst="rect">
+                <a:avLst/>
+              </a:prstGeom>
+              <a:noFill/>
+            </p:spPr>
+            <p:txBody>
+              <a:bodyPr wrap="square" rtlCol="0">
+                <a:spAutoFit/>
+              </a:bodyPr>
+              <a:lstStyle/>
+              <a:p>
+                <a:r>
+                  <a:rPr lang="en-US" dirty="0" smtClean="0"/>
+                  <a:t>(q,d</a:t>
+                </a:r>
+                <a:r>
+                  <a:rPr lang="en-US" baseline="-25000" dirty="0" smtClean="0"/>
+                  <a:t>1</a:t>
+                </a:r>
+                <a:r>
+                  <a:rPr lang="en-US" dirty="0" smtClean="0"/>
+                  <a:t>)</a:t>
+                </a:r>
+                <a:endParaRPr lang="en-US" dirty="0"/>
+              </a:p>
+            </p:txBody>
+          </p:sp>
+        </p:grpSp>
+        <p:grpSp>
+          <p:nvGrpSpPr>
+            <p:cNvPr id="12" name="Group 11"/>
+            <p:cNvGrpSpPr/>
+            <p:nvPr/>
+          </p:nvGrpSpPr>
+          <p:grpSpPr>
+            <a:xfrm>
+              <a:off x="6553200" y="5959512"/>
+              <a:ext cx="762000" cy="533400"/>
+              <a:chOff x="7467600" y="4800600"/>
+              <a:chExt cx="762000" cy="533400"/>
+            </a:xfrm>
+          </p:grpSpPr>
+          <p:sp>
+            <p:nvSpPr>
+              <p:cNvPr id="6" name="Oval 5"/>
+              <p:cNvSpPr/>
+              <p:nvPr/>
+            </p:nvSpPr>
+            <p:spPr>
+              <a:xfrm>
+                <a:off x="7543800" y="4800600"/>
+                <a:ext cx="533400" cy="533400"/>
+              </a:xfrm>
+              <a:prstGeom prst="ellipse">
+                <a:avLst/>
+              </a:prstGeom>
+              <a:noFill/>
+            </p:spPr>
+            <p:style>
+              <a:lnRef idx="2">
+                <a:schemeClr val="accent1">
+                  <a:shade val="50000"/>
+                </a:schemeClr>
+              </a:lnRef>
+              <a:fillRef idx="1">
+                <a:schemeClr val="accent1"/>
+              </a:fillRef>
+              <a:effectRef idx="0">
+                <a:schemeClr val="accent1"/>
+              </a:effectRef>
+              <a:fontRef idx="minor">
+                <a:schemeClr val="lt1"/>
+              </a:fontRef>
+            </p:style>
+            <p:txBody>
+              <a:bodyPr rtlCol="0" anchor="ctr"/>
+              <a:lstStyle/>
+              <a:p>
+                <a:pPr algn="ctr"/>
+                <a:endParaRPr lang="en-US"/>
+              </a:p>
+            </p:txBody>
+          </p:sp>
+          <p:sp>
+            <p:nvSpPr>
+              <p:cNvPr id="10" name="TextBox 9"/>
+              <p:cNvSpPr txBox="1"/>
+              <p:nvPr/>
+            </p:nvSpPr>
+            <p:spPr>
+              <a:xfrm>
+                <a:off x="7467600" y="4876800"/>
+                <a:ext cx="762000" cy="369332"/>
+              </a:xfrm>
+              <a:prstGeom prst="rect">
+                <a:avLst/>
+              </a:prstGeom>
+              <a:noFill/>
+            </p:spPr>
+            <p:txBody>
+              <a:bodyPr wrap="square" rtlCol="0">
+                <a:spAutoFit/>
+              </a:bodyPr>
+              <a:lstStyle/>
+              <a:p>
+                <a:r>
+                  <a:rPr lang="en-US" dirty="0" smtClean="0"/>
+                  <a:t>(q,d</a:t>
+                </a:r>
+                <a:r>
+                  <a:rPr lang="en-US" baseline="-25000" dirty="0" smtClean="0"/>
+                  <a:t>4</a:t>
+                </a:r>
+                <a:r>
+                  <a:rPr lang="en-US" dirty="0" smtClean="0"/>
+                  <a:t>)</a:t>
+                </a:r>
+                <a:endParaRPr lang="en-US" dirty="0"/>
+              </a:p>
+            </p:txBody>
+          </p:sp>
+        </p:grpSp>
+        <p:grpSp>
+          <p:nvGrpSpPr>
+            <p:cNvPr id="13" name="Group 12"/>
+            <p:cNvGrpSpPr/>
+            <p:nvPr/>
+          </p:nvGrpSpPr>
+          <p:grpSpPr>
+            <a:xfrm>
+              <a:off x="6553200" y="5349912"/>
+              <a:ext cx="762000" cy="533400"/>
+              <a:chOff x="7467600" y="5486400"/>
+              <a:chExt cx="762000" cy="533400"/>
+            </a:xfrm>
+          </p:grpSpPr>
+          <p:sp>
+            <p:nvSpPr>
+              <p:cNvPr id="7" name="Oval 6"/>
+              <p:cNvSpPr/>
+              <p:nvPr/>
+            </p:nvSpPr>
+            <p:spPr>
+              <a:xfrm>
+                <a:off x="7543800" y="5486400"/>
+                <a:ext cx="533400" cy="533400"/>
+              </a:xfrm>
+              <a:prstGeom prst="ellipse">
+                <a:avLst/>
+              </a:prstGeom>
+              <a:noFill/>
+            </p:spPr>
+            <p:style>
+              <a:lnRef idx="2">
+                <a:schemeClr val="accent1">
+                  <a:shade val="50000"/>
+                </a:schemeClr>
+              </a:lnRef>
+              <a:fillRef idx="1">
+                <a:schemeClr val="accent1"/>
+              </a:fillRef>
+              <a:effectRef idx="0">
+                <a:schemeClr val="accent1"/>
+              </a:effectRef>
+              <a:fontRef idx="minor">
+                <a:schemeClr val="lt1"/>
+              </a:fontRef>
+            </p:style>
+            <p:txBody>
+              <a:bodyPr rtlCol="0" anchor="ctr"/>
+              <a:lstStyle/>
+              <a:p>
+                <a:pPr algn="ctr"/>
+                <a:endParaRPr lang="en-US"/>
+              </a:p>
+            </p:txBody>
+          </p:sp>
+          <p:sp>
+            <p:nvSpPr>
+              <p:cNvPr id="11" name="TextBox 10"/>
+              <p:cNvSpPr txBox="1"/>
+              <p:nvPr/>
+            </p:nvSpPr>
+            <p:spPr>
+              <a:xfrm>
+                <a:off x="7467600" y="5568434"/>
+                <a:ext cx="762000" cy="369332"/>
+              </a:xfrm>
+              <a:prstGeom prst="rect">
+                <a:avLst/>
+              </a:prstGeom>
+              <a:noFill/>
+            </p:spPr>
+            <p:txBody>
+              <a:bodyPr wrap="square" rtlCol="0">
+                <a:spAutoFit/>
+              </a:bodyPr>
+              <a:lstStyle/>
+              <a:p>
+                <a:r>
+                  <a:rPr lang="en-US" dirty="0" smtClean="0"/>
+                  <a:t>(q,d</a:t>
+                </a:r>
+                <a:r>
+                  <a:rPr lang="en-US" baseline="-25000" dirty="0" smtClean="0"/>
+                  <a:t>3</a:t>
+                </a:r>
+                <a:r>
+                  <a:rPr lang="en-US" dirty="0" smtClean="0"/>
+                  <a:t>)</a:t>
+                </a:r>
+                <a:endParaRPr lang="en-US" dirty="0"/>
+              </a:p>
+            </p:txBody>
+          </p:sp>
+        </p:grpSp>
+        <p:grpSp>
+          <p:nvGrpSpPr>
+            <p:cNvPr id="15" name="Group 14"/>
+            <p:cNvGrpSpPr/>
+            <p:nvPr/>
+          </p:nvGrpSpPr>
+          <p:grpSpPr>
+            <a:xfrm>
+              <a:off x="6553200" y="4740312"/>
+              <a:ext cx="762000" cy="533400"/>
+              <a:chOff x="7467600" y="4800600"/>
+              <a:chExt cx="762000" cy="533400"/>
+            </a:xfrm>
+          </p:grpSpPr>
+          <p:sp>
+            <p:nvSpPr>
+              <p:cNvPr id="16" name="Oval 15"/>
+              <p:cNvSpPr/>
+              <p:nvPr/>
+            </p:nvSpPr>
+            <p:spPr>
+              <a:xfrm>
+                <a:off x="7543800" y="4800600"/>
+                <a:ext cx="533400" cy="533400"/>
+              </a:xfrm>
+              <a:prstGeom prst="ellipse">
+                <a:avLst/>
+              </a:prstGeom>
+              <a:solidFill>
+                <a:schemeClr val="tx2">
+                  <a:lumMod val="60000"/>
+                  <a:lumOff val="40000"/>
+                </a:schemeClr>
+              </a:solidFill>
+            </p:spPr>
+            <p:style>
+              <a:lnRef idx="2">
+                <a:schemeClr val="accent1">
+                  <a:shade val="50000"/>
+                </a:schemeClr>
+              </a:lnRef>
+              <a:fillRef idx="1">
+                <a:schemeClr val="accent1"/>
+              </a:fillRef>
+              <a:effectRef idx="0">
+                <a:schemeClr val="accent1"/>
+              </a:effectRef>
+              <a:fontRef idx="minor">
+                <a:schemeClr val="lt1"/>
+              </a:fontRef>
+            </p:style>
+            <p:txBody>
+              <a:bodyPr rtlCol="0" anchor="ctr"/>
+              <a:lstStyle/>
+              <a:p>
+                <a:pPr algn="ctr"/>
+                <a:endParaRPr lang="en-US"/>
+              </a:p>
+            </p:txBody>
+          </p:sp>
+          <p:sp>
+            <p:nvSpPr>
+              <p:cNvPr id="17" name="TextBox 16"/>
+              <p:cNvSpPr txBox="1"/>
+              <p:nvPr/>
+            </p:nvSpPr>
+            <p:spPr>
+              <a:xfrm>
+                <a:off x="7467600" y="4876800"/>
+                <a:ext cx="762000" cy="369332"/>
+              </a:xfrm>
+              <a:prstGeom prst="rect">
+                <a:avLst/>
+              </a:prstGeom>
+              <a:noFill/>
+            </p:spPr>
+            <p:txBody>
+              <a:bodyPr wrap="square" rtlCol="0">
+                <a:spAutoFit/>
+              </a:bodyPr>
+              <a:lstStyle/>
+              <a:p>
+                <a:r>
+                  <a:rPr lang="en-US" dirty="0" smtClean="0"/>
+                  <a:t>(q,d</a:t>
+                </a:r>
+                <a:r>
+                  <a:rPr lang="en-US" baseline="-25000" dirty="0" smtClean="0"/>
+                  <a:t>2</a:t>
+                </a:r>
+                <a:r>
+                  <a:rPr lang="en-US" dirty="0" smtClean="0"/>
+                  <a:t>)</a:t>
+                </a:r>
+                <a:endParaRPr lang="en-US" dirty="0"/>
+              </a:p>
+            </p:txBody>
+          </p:sp>
+        </p:grpSp>
+      </p:grpSp>
+      <p:sp>
+        <p:nvSpPr>
+          <p:cNvPr id="14" name="Arc 13"/>
+          <p:cNvSpPr/>
+          <p:nvPr/>
+        </p:nvSpPr>
+        <p:spPr>
+          <a:xfrm rot="21349973" flipH="1" flipV="1">
+            <a:off x="3524969" y="4328262"/>
+            <a:ext cx="3200400" cy="1669577"/>
+          </a:xfrm>
+          <a:prstGeom prst="arc">
+            <a:avLst>
+              <a:gd name="adj1" fmla="val 11357983"/>
+              <a:gd name="adj2" fmla="val 21448678"/>
+            </a:avLst>
+          </a:prstGeom>
+          <a:ln w="19050">
+            <a:prstDash val="dash"/>
+            <a:headEnd type="arrow" w="med" len="med"/>
+            <a:tailEnd type="none" w="med" len="med"/>
+          </a:ln>
+        </p:spPr>
+        <p:style>
+          <a:lnRef idx="1">
+            <a:schemeClr val="accent1"/>
+          </a:lnRef>
+          <a:fillRef idx="0">
+            <a:schemeClr val="accent1"/>
+          </a:fillRef>
+          <a:effectRef idx="0">
+            <a:schemeClr val="accent1"/>
+          </a:effectRef>
+          <a:fontRef idx="minor">
+            <a:schemeClr val="tx1"/>
+          </a:fontRef>
+        </p:style>
+        <p:txBody>
+          <a:bodyPr rtlCol="0" anchor="ctr"/>
+          <a:lstStyle/>
+          <a:p>
+            <a:pPr algn="ctr"/>
+            <a:endParaRPr lang="en-US"/>
+          </a:p>
+        </p:txBody>
+      </p:sp>
+      <p:grpSp>
+        <p:nvGrpSpPr>
+          <p:cNvPr id="29" name="Group 28"/>
+          <p:cNvGrpSpPr/>
+          <p:nvPr/>
+        </p:nvGrpSpPr>
+        <p:grpSpPr>
+          <a:xfrm>
+            <a:off x="7219890" y="3978312"/>
+            <a:ext cx="1543110" cy="2514600"/>
+            <a:chOff x="7219890" y="4114800"/>
+            <a:chExt cx="1543110" cy="2514600"/>
+          </a:xfrm>
+        </p:grpSpPr>
+        <p:grpSp>
+          <p:nvGrpSpPr>
+            <p:cNvPr id="27" name="Group 26"/>
+            <p:cNvGrpSpPr/>
+            <p:nvPr/>
+          </p:nvGrpSpPr>
+          <p:grpSpPr>
+            <a:xfrm>
+              <a:off x="7539361" y="4419600"/>
+              <a:ext cx="1223639" cy="2209800"/>
+              <a:chOff x="7467600" y="4419600"/>
+              <a:chExt cx="1223639" cy="2209800"/>
+            </a:xfrm>
+          </p:grpSpPr>
+          <p:cxnSp>
+            <p:nvCxnSpPr>
+              <p:cNvPr id="18" name="Straight Connector 17"/>
+              <p:cNvCxnSpPr/>
+              <p:nvPr/>
+            </p:nvCxnSpPr>
+            <p:spPr>
+              <a:xfrm>
+                <a:off x="7467600" y="4419600"/>
+                <a:ext cx="1219200" cy="0"/>
+              </a:xfrm>
+              <a:prstGeom prst="line">
+                <a:avLst/>
+              </a:prstGeom>
+              <a:ln w="28575">
+                <a:solidFill>
+                  <a:schemeClr val="tx1">
+                    <a:lumMod val="95000"/>
+                    <a:lumOff val="5000"/>
+                  </a:schemeClr>
+                </a:solidFill>
+                <a:headEnd type="none" w="med" len="med"/>
+                <a:tailEnd type="arrow" w="med" len="med"/>
+              </a:ln>
+            </p:spPr>
+            <p:style>
+              <a:lnRef idx="1">
+                <a:schemeClr val="accent1"/>
+              </a:lnRef>
+              <a:fillRef idx="0">
+                <a:schemeClr val="accent1"/>
+              </a:fillRef>
+              <a:effectRef idx="0">
+                <a:schemeClr val="accent1"/>
+              </a:effectRef>
+              <a:fontRef idx="minor">
+                <a:schemeClr val="tx1"/>
+              </a:fontRef>
+            </p:style>
+          </p:cxnSp>
+          <p:cxnSp>
+            <p:nvCxnSpPr>
+              <p:cNvPr id="20" name="Straight Connector 19"/>
+              <p:cNvCxnSpPr/>
+              <p:nvPr/>
+            </p:nvCxnSpPr>
+            <p:spPr>
+              <a:xfrm>
+                <a:off x="7467600" y="4419600"/>
+                <a:ext cx="0" cy="2209800"/>
+              </a:xfrm>
+              <a:prstGeom prst="line">
+                <a:avLst/>
+              </a:prstGeom>
+              <a:ln w="28575">
+                <a:solidFill>
+                  <a:schemeClr val="tx1">
+                    <a:lumMod val="95000"/>
+                    <a:lumOff val="5000"/>
+                  </a:schemeClr>
+                </a:solidFill>
+                <a:headEnd type="none" w="med" len="med"/>
+                <a:tailEnd type="arrow" w="med" len="med"/>
+              </a:ln>
+            </p:spPr>
+            <p:style>
+              <a:lnRef idx="1">
+                <a:schemeClr val="accent1"/>
+              </a:lnRef>
+              <a:fillRef idx="0">
+                <a:schemeClr val="accent1"/>
+              </a:fillRef>
+              <a:effectRef idx="0">
+                <a:schemeClr val="accent1"/>
+              </a:effectRef>
+              <a:fontRef idx="minor">
+                <a:schemeClr val="tx1"/>
+              </a:fontRef>
+            </p:style>
+          </p:cxnSp>
+          <p:sp>
+            <p:nvSpPr>
+              <p:cNvPr id="24" name="Freeform 23"/>
+              <p:cNvSpPr/>
+              <p:nvPr/>
+            </p:nvSpPr>
+            <p:spPr>
+              <a:xfrm>
+                <a:off x="7519386" y="4483223"/>
+                <a:ext cx="1171853" cy="2139519"/>
+              </a:xfrm>
+              <a:custGeom>
+                <a:avLst/>
+                <a:gdLst>
+                  <a:gd name="connsiteX0" fmla="*/ 1171853 w 1171853"/>
+                  <a:gd name="connsiteY0" fmla="*/ 0 h 2139519"/>
+                  <a:gd name="connsiteX1" fmla="*/ 230820 w 1171853"/>
+                  <a:gd name="connsiteY1" fmla="*/ 665826 h 2139519"/>
+                  <a:gd name="connsiteX2" fmla="*/ 0 w 1171853"/>
+                  <a:gd name="connsiteY2" fmla="*/ 2139519 h 2139519"/>
+                </a:gdLst>
+                <a:ahLst/>
+                <a:cxnLst>
+                  <a:cxn ang="0">
+                    <a:pos x="connsiteX0" y="connsiteY0"/>
+                  </a:cxn>
+                  <a:cxn ang="0">
+                    <a:pos x="connsiteX1" y="connsiteY1"/>
+                  </a:cxn>
+                  <a:cxn ang="0">
+                    <a:pos x="connsiteX2" y="connsiteY2"/>
+                  </a:cxn>
+                </a:cxnLst>
+                <a:rect l="l" t="t" r="r" b="b"/>
+                <a:pathLst>
+                  <a:path w="1171853" h="2139519">
+                    <a:moveTo>
+                      <a:pt x="1171853" y="0"/>
+                    </a:moveTo>
+                    <a:cubicBezTo>
+                      <a:pt x="798991" y="154619"/>
+                      <a:pt x="426129" y="309239"/>
+                      <a:pt x="230820" y="665826"/>
+                    </a:cubicBezTo>
+                    <a:cubicBezTo>
+                      <a:pt x="35511" y="1022413"/>
+                      <a:pt x="17755" y="1580966"/>
+                      <a:pt x="0" y="2139519"/>
+                    </a:cubicBezTo>
+                  </a:path>
+                </a:pathLst>
+              </a:custGeom>
+              <a:noFill/>
+              <a:ln w="19050">
+                <a:solidFill>
+                  <a:srgbClr val="00B050"/>
+                </a:solidFill>
+              </a:ln>
+            </p:spPr>
+            <p:style>
+              <a:lnRef idx="2">
+                <a:schemeClr val="accent1">
+                  <a:shade val="50000"/>
+                </a:schemeClr>
+              </a:lnRef>
+              <a:fillRef idx="1">
+                <a:schemeClr val="accent1"/>
+              </a:fillRef>
+              <a:effectRef idx="0">
+                <a:schemeClr val="accent1"/>
+              </a:effectRef>
+              <a:fontRef idx="minor">
+                <a:schemeClr val="lt1"/>
+              </a:fontRef>
+            </p:style>
+            <p:txBody>
+              <a:bodyPr rtlCol="0" anchor="ctr"/>
+              <a:lstStyle/>
+              <a:p>
+                <a:pPr algn="ctr"/>
+                <a:endParaRPr lang="en-US"/>
+              </a:p>
+            </p:txBody>
+          </p:sp>
+        </p:grpSp>
+        <p:sp>
+          <p:nvSpPr>
+            <p:cNvPr id="25" name="TextBox 24"/>
+            <p:cNvSpPr txBox="1"/>
+            <p:nvPr/>
+          </p:nvSpPr>
+          <p:spPr>
+            <a:xfrm>
+              <a:off x="7772400" y="4114800"/>
+              <a:ext cx="685800" cy="307777"/>
+            </a:xfrm>
+            <a:prstGeom prst="rect">
+              <a:avLst/>
+            </a:prstGeom>
+            <a:noFill/>
+          </p:spPr>
+          <p:txBody>
+            <a:bodyPr wrap="square" rtlCol="0">
+              <a:spAutoFit/>
+            </a:bodyPr>
+            <a:lstStyle/>
+            <a:p>
+              <a:r>
+                <a:rPr lang="en-US" sz="1400" dirty="0" smtClean="0"/>
+                <a:t>Prob.</a:t>
+              </a:r>
+              <a:endParaRPr lang="en-US" sz="1400" dirty="0"/>
+            </a:p>
+          </p:txBody>
+        </p:sp>
+        <p:sp>
+          <p:nvSpPr>
+            <p:cNvPr id="28" name="TextBox 27"/>
+            <p:cNvSpPr txBox="1"/>
+            <p:nvPr/>
+          </p:nvSpPr>
+          <p:spPr>
+            <a:xfrm>
+              <a:off x="7219890" y="5257800"/>
+              <a:ext cx="400110" cy="838200"/>
+            </a:xfrm>
+            <a:prstGeom prst="rect">
+              <a:avLst/>
+            </a:prstGeom>
+            <a:noFill/>
+          </p:spPr>
+          <p:txBody>
+            <a:bodyPr vert="eaVert" wrap="square" rtlCol="0">
+              <a:spAutoFit/>
+            </a:bodyPr>
+            <a:lstStyle/>
+            <a:p>
+              <a:r>
+                <a:rPr lang="en-US" sz="1400" dirty="0" smtClean="0"/>
+                <a:t>Pos.</a:t>
+              </a:r>
+              <a:endParaRPr lang="en-US" sz="1400" dirty="0"/>
+            </a:p>
+          </p:txBody>
+        </p:sp>
+      </p:grpSp>
+      <p:grpSp>
+        <p:nvGrpSpPr>
+          <p:cNvPr id="35" name="Group 34"/>
+          <p:cNvGrpSpPr/>
+          <p:nvPr/>
+        </p:nvGrpSpPr>
+        <p:grpSpPr>
+          <a:xfrm>
+            <a:off x="1941662" y="5244302"/>
+            <a:ext cx="1715938" cy="639010"/>
+            <a:chOff x="1941662" y="5244302"/>
+            <a:chExt cx="1715938" cy="639010"/>
+          </a:xfrm>
+        </p:grpSpPr>
+        <p:sp>
+          <p:nvSpPr>
+            <p:cNvPr id="30" name="TextBox 29"/>
+            <p:cNvSpPr txBox="1"/>
+            <p:nvPr/>
+          </p:nvSpPr>
+          <p:spPr>
+            <a:xfrm>
+              <a:off x="1941662" y="5513980"/>
+              <a:ext cx="1715938" cy="369332"/>
+            </a:xfrm>
+            <a:prstGeom prst="rect">
+              <a:avLst/>
+            </a:prstGeom>
+            <a:noFill/>
+          </p:spPr>
+          <p:txBody>
+            <a:bodyPr wrap="square" rtlCol="0">
+              <a:spAutoFit/>
+            </a:bodyPr>
+            <a:lstStyle/>
+            <a:p>
+              <a:r>
+                <a:rPr lang="en-US" dirty="0" smtClean="0"/>
+                <a:t>Click probability</a:t>
+              </a:r>
+              <a:endParaRPr lang="en-US" dirty="0"/>
+            </a:p>
+          </p:txBody>
+        </p:sp>
+        <p:sp>
+          <p:nvSpPr>
+            <p:cNvPr id="31" name="Down Arrow 30"/>
+            <p:cNvSpPr/>
+            <p:nvPr/>
+          </p:nvSpPr>
+          <p:spPr>
+            <a:xfrm rot="2061766">
+              <a:off x="3006878" y="5244302"/>
+              <a:ext cx="176761" cy="384048"/>
+            </a:xfrm>
+            <a:prstGeom prst="downArrow">
+              <a:avLst/>
+            </a:prstGeom>
+          </p:spPr>
+          <p:style>
+            <a:lnRef idx="2">
+              <a:schemeClr val="accent1">
+                <a:shade val="50000"/>
+              </a:schemeClr>
+            </a:lnRef>
+            <a:fillRef idx="1">
+              <a:schemeClr val="accent1"/>
+            </a:fillRef>
+            <a:effectRef idx="0">
+              <a:schemeClr val="accent1"/>
+            </a:effectRef>
+            <a:fontRef idx="minor">
+              <a:schemeClr val="lt1"/>
+            </a:fontRef>
+          </p:style>
+          <p:txBody>
+            <a:bodyPr rtlCol="0" anchor="ctr"/>
+            <a:lstStyle/>
+            <a:p>
+              <a:pPr algn="ctr"/>
+              <a:endParaRPr lang="en-US"/>
+            </a:p>
+          </p:txBody>
+        </p:sp>
+      </p:grpSp>
+      <p:sp>
+        <p:nvSpPr>
+          <p:cNvPr id="4" name="Date Placeholder 3"/>
+          <p:cNvSpPr>
+            <a:spLocks noGrp="1"/>
+          </p:cNvSpPr>
+          <p:nvPr>
+            <p:ph type="dt" sz="half" idx="10"/>
+          </p:nvPr>
+        </p:nvSpPr>
+        <p:spPr/>
+        <p:txBody>
+          <a:bodyPr/>
+          <a:lstStyle/>
+          <a:p>
+            <a:r>
+              <a:rPr lang="en-US" smtClean="0"/>
+              <a:t>CS@UVa</a:t>
+            </a:r>
+            <a:endParaRPr lang="en-US"/>
+          </a:p>
+        </p:txBody>
+      </p:sp>
+      <p:sp>
+        <p:nvSpPr>
+          <p:cNvPr id="19" name="Slide Number Placeholder 18"/>
+          <p:cNvSpPr>
+            <a:spLocks noGrp="1"/>
+          </p:cNvSpPr>
+          <p:nvPr>
+            <p:ph type="sldNum" sz="quarter" idx="12"/>
+          </p:nvPr>
+        </p:nvSpPr>
+        <p:spPr/>
+        <p:txBody>
+          <a:bodyPr/>
+          <a:lstStyle/>
+          <a:p>
+            <a:fld id="{05DD60C9-255F-420D-93F7-C36412294E59}" type="slidenum">
+              <a:rPr lang="en-US" smtClean="0"/>
+              <a:pPr/>
+              <a:t>3</a:t>
+            </a:fld>
+            <a:endParaRPr lang="en-US"/>
+          </a:p>
+        </p:txBody>
+      </p:sp>
+      <p:cxnSp>
+        <p:nvCxnSpPr>
+          <p:cNvPr id="22" name="Straight Connector 21"/>
+          <p:cNvCxnSpPr/>
+          <p:nvPr/>
+        </p:nvCxnSpPr>
+        <p:spPr>
+          <a:xfrm>
+            <a:off x="2514600" y="5273712"/>
+            <a:ext cx="1524000" cy="0"/>
+          </a:xfrm>
+          <a:prstGeom prst="line">
+            <a:avLst/>
+          </a:prstGeom>
+          <a:ln w="28575">
+            <a:solidFill>
+              <a:srgbClr val="FF0000"/>
+            </a:solidFill>
+          </a:ln>
+        </p:spPr>
+        <p:style>
+          <a:lnRef idx="1">
+            <a:schemeClr val="accent1"/>
+          </a:lnRef>
+          <a:fillRef idx="0">
+            <a:schemeClr val="accent1"/>
+          </a:fillRef>
+          <a:effectRef idx="0">
+            <a:schemeClr val="accent1"/>
+          </a:effectRef>
+          <a:fontRef idx="minor">
+            <a:schemeClr val="tx1"/>
+          </a:fontRef>
+        </p:style>
+      </p:cxnSp>
+      <p:grpSp>
+        <p:nvGrpSpPr>
+          <p:cNvPr id="37" name="Group 36"/>
+          <p:cNvGrpSpPr/>
+          <p:nvPr/>
+        </p:nvGrpSpPr>
+        <p:grpSpPr>
+          <a:xfrm>
+            <a:off x="3962400" y="4215531"/>
+            <a:ext cx="3631899" cy="1667781"/>
+            <a:chOff x="3962400" y="4215531"/>
+            <a:chExt cx="3631899" cy="1667781"/>
+          </a:xfrm>
+        </p:grpSpPr>
+        <p:sp>
+          <p:nvSpPr>
+            <p:cNvPr id="26" name="Arc 25"/>
+            <p:cNvSpPr/>
+            <p:nvPr/>
+          </p:nvSpPr>
+          <p:spPr>
+            <a:xfrm rot="10199834" flipH="1" flipV="1">
+              <a:off x="4575865" y="4215531"/>
+              <a:ext cx="3018434" cy="1186050"/>
+            </a:xfrm>
+            <a:prstGeom prst="arc">
+              <a:avLst>
+                <a:gd name="adj1" fmla="val 10874554"/>
+                <a:gd name="adj2" fmla="val 21196192"/>
+              </a:avLst>
+            </a:prstGeom>
+            <a:ln w="19050">
+              <a:solidFill>
+                <a:srgbClr val="00B050"/>
+              </a:solidFill>
+              <a:prstDash val="dash"/>
+              <a:headEnd type="none" w="med" len="med"/>
+              <a:tailEnd type="arrow" w="med" len="med"/>
+            </a:ln>
+          </p:spPr>
+          <p:style>
+            <a:lnRef idx="1">
+              <a:schemeClr val="accent1"/>
+            </a:lnRef>
+            <a:fillRef idx="0">
+              <a:schemeClr val="accent1"/>
+            </a:fillRef>
+            <a:effectRef idx="0">
+              <a:schemeClr val="accent1"/>
+            </a:effectRef>
+            <a:fontRef idx="minor">
+              <a:schemeClr val="tx1"/>
+            </a:fontRef>
+          </p:style>
+          <p:txBody>
+            <a:bodyPr rtlCol="0" anchor="ctr"/>
+            <a:lstStyle/>
+            <a:p>
+              <a:pPr algn="ctr"/>
+              <a:endParaRPr lang="en-US"/>
+            </a:p>
+          </p:txBody>
+        </p:sp>
+        <p:grpSp>
+          <p:nvGrpSpPr>
+            <p:cNvPr id="36" name="Group 35"/>
+            <p:cNvGrpSpPr/>
+            <p:nvPr/>
+          </p:nvGrpSpPr>
+          <p:grpSpPr>
+            <a:xfrm>
+              <a:off x="3962400" y="5212245"/>
+              <a:ext cx="2162220" cy="671067"/>
+              <a:chOff x="3962400" y="5212245"/>
+              <a:chExt cx="2162220" cy="671067"/>
+            </a:xfrm>
+          </p:grpSpPr>
+          <p:sp>
+            <p:nvSpPr>
+              <p:cNvPr id="32" name="TextBox 31"/>
+              <p:cNvSpPr txBox="1"/>
+              <p:nvPr/>
+            </p:nvSpPr>
+            <p:spPr>
+              <a:xfrm>
+                <a:off x="3962400" y="5513980"/>
+                <a:ext cx="2162220" cy="369332"/>
+              </a:xfrm>
+              <a:prstGeom prst="rect">
+                <a:avLst/>
+              </a:prstGeom>
+              <a:noFill/>
+            </p:spPr>
+            <p:txBody>
+              <a:bodyPr wrap="square" rtlCol="0">
+                <a:spAutoFit/>
+              </a:bodyPr>
+              <a:lstStyle/>
+              <a:p>
+                <a:r>
+                  <a:rPr lang="en-US" dirty="0" smtClean="0"/>
+                  <a:t>Examine probability</a:t>
+                </a:r>
+                <a:endParaRPr lang="en-US" dirty="0"/>
+              </a:p>
+            </p:txBody>
+          </p:sp>
+          <p:sp>
+            <p:nvSpPr>
+              <p:cNvPr id="34" name="Down Arrow 33"/>
+              <p:cNvSpPr/>
+              <p:nvPr/>
+            </p:nvSpPr>
+            <p:spPr>
+              <a:xfrm rot="19468540">
+                <a:off x="4667407" y="5212245"/>
+                <a:ext cx="173736" cy="384048"/>
+              </a:xfrm>
+              <a:prstGeom prst="downArrow">
+                <a:avLst/>
+              </a:prstGeom>
+            </p:spPr>
+            <p:style>
+              <a:lnRef idx="2">
+                <a:schemeClr val="accent1">
+                  <a:shade val="50000"/>
+                </a:schemeClr>
+              </a:lnRef>
+              <a:fillRef idx="1">
+                <a:schemeClr val="accent1"/>
+              </a:fillRef>
+              <a:effectRef idx="0">
+                <a:schemeClr val="accent1"/>
+              </a:effectRef>
+              <a:fontRef idx="minor">
+                <a:schemeClr val="lt1"/>
+              </a:fontRef>
+            </p:style>
+            <p:txBody>
+              <a:bodyPr rtlCol="0" anchor="ctr"/>
+              <a:lstStyle/>
+              <a:p>
+                <a:pPr algn="ctr"/>
+                <a:endParaRPr lang="en-US"/>
+              </a:p>
+            </p:txBody>
+          </p:sp>
+        </p:grpSp>
+      </p:grpSp>
+      <p:cxnSp>
+        <p:nvCxnSpPr>
+          <p:cNvPr id="39" name="Straight Connector 38"/>
+          <p:cNvCxnSpPr/>
+          <p:nvPr/>
+        </p:nvCxnSpPr>
+        <p:spPr>
+          <a:xfrm flipV="1">
+            <a:off x="4174550" y="5273712"/>
+            <a:ext cx="854650" cy="9382"/>
+          </a:xfrm>
+          <a:prstGeom prst="line">
+            <a:avLst/>
+          </a:prstGeom>
+          <a:ln w="28575">
+            <a:solidFill>
+              <a:srgbClr val="7030A0"/>
+            </a:solidFill>
+          </a:ln>
+        </p:spPr>
+        <p:style>
+          <a:lnRef idx="1">
+            <a:schemeClr val="accent1"/>
+          </a:lnRef>
+          <a:fillRef idx="0">
+            <a:schemeClr val="accent1"/>
+          </a:fillRef>
+          <a:effectRef idx="0">
+            <a:schemeClr val="accent1"/>
+          </a:effectRef>
+          <a:fontRef idx="minor">
+            <a:schemeClr val="tx1"/>
+          </a:fontRef>
+        </p:style>
+      </p:cxnSp>
+      <p:grpSp>
+        <p:nvGrpSpPr>
+          <p:cNvPr id="38" name="Group 37"/>
+          <p:cNvGrpSpPr/>
+          <p:nvPr/>
+        </p:nvGrpSpPr>
+        <p:grpSpPr>
+          <a:xfrm>
+            <a:off x="228600" y="4724400"/>
+            <a:ext cx="3048000" cy="674132"/>
+            <a:chOff x="228600" y="4724400"/>
+            <a:chExt cx="3048000" cy="674132"/>
+          </a:xfrm>
+        </p:grpSpPr>
+        <p:sp>
+          <p:nvSpPr>
+            <p:cNvPr id="21" name="TextBox 20"/>
+            <p:cNvSpPr txBox="1"/>
+            <p:nvPr/>
+          </p:nvSpPr>
+          <p:spPr>
+            <a:xfrm>
+              <a:off x="228600" y="5029200"/>
+              <a:ext cx="1981200" cy="369332"/>
+            </a:xfrm>
+            <a:prstGeom prst="rect">
+              <a:avLst/>
+            </a:prstGeom>
+            <a:noFill/>
+          </p:spPr>
+          <p:txBody>
+            <a:bodyPr wrap="square" rtlCol="0">
+              <a:spAutoFit/>
+            </a:bodyPr>
+            <a:lstStyle/>
+            <a:p>
+              <a:r>
+                <a:rPr lang="en-US" b="1" dirty="0" smtClean="0"/>
+                <a:t>Relevance quality</a:t>
+              </a:r>
+              <a:endParaRPr lang="en-US" b="1" dirty="0"/>
+            </a:p>
+          </p:txBody>
+        </p:sp>
+        <p:sp>
+          <p:nvSpPr>
+            <p:cNvPr id="23" name="Curved Down Arrow 22"/>
+            <p:cNvSpPr/>
+            <p:nvPr/>
+          </p:nvSpPr>
+          <p:spPr>
+            <a:xfrm flipH="1">
+              <a:off x="1703904" y="4724400"/>
+              <a:ext cx="1572696" cy="308438"/>
+            </a:xfrm>
+            <a:prstGeom prst="curvedDownArrow">
+              <a:avLst/>
+            </a:prstGeom>
+          </p:spPr>
+          <p:style>
+            <a:lnRef idx="2">
+              <a:schemeClr val="accent1">
+                <a:shade val="50000"/>
+              </a:schemeClr>
+            </a:lnRef>
+            <a:fillRef idx="1">
+              <a:schemeClr val="accent1"/>
+            </a:fillRef>
+            <a:effectRef idx="0">
+              <a:schemeClr val="accent1"/>
+            </a:effectRef>
+            <a:fontRef idx="minor">
+              <a:schemeClr val="lt1"/>
+            </a:fontRef>
+          </p:style>
+          <p:txBody>
+            <a:bodyPr rtlCol="0" anchor="ctr"/>
+            <a:lstStyle/>
+            <a:p>
+              <a:pPr algn="ctr"/>
+              <a:endParaRPr lang="en-US">
+                <a:solidFill>
+                  <a:schemeClr val="tx1"/>
+                </a:solidFill>
+              </a:endParaRPr>
+            </a:p>
+          </p:txBody>
+        </p:sp>
+      </p:grpSp>
+      <p:sp>
+        <p:nvSpPr>
+          <p:cNvPr id="40" name="Footer Placeholder 39"/>
+          <p:cNvSpPr>
+            <a:spLocks noGrp="1"/>
+          </p:cNvSpPr>
+          <p:nvPr>
+            <p:ph type="ftr" sz="quarter" idx="11"/>
+          </p:nvPr>
+        </p:nvSpPr>
+        <p:spPr/>
+        <p:txBody>
+          <a:bodyPr/>
+          <a:lstStyle/>
+          <a:p>
+            <a:r>
+              <a:rPr lang="en-US" smtClean="0"/>
+              <a:t>CS 4501: Information Retrieval</a:t>
+            </a:r>
+            <a:endParaRPr lang="en-US"/>
+          </a:p>
+        </p:txBody>
+      </p:sp>
+    </p:spTree>
+    <p:extLst>
+      <p:ext uri="{BB962C8B-B14F-4D97-AF65-F5344CB8AC3E}">
+        <p14:creationId xmlns:p14="http://schemas.microsoft.com/office/powerpoint/2010/main" val="237753555"/>
+      </p:ext>
+    </p:extLst>
+  </p:cSld>
+  <p:clrMapOvr>
+    <a:masterClrMapping/>
+  </p:clrMapOvr>
+  <p:timing>
+    <p:tnLst>
+      <p:par>
+        <p:cTn id="1" dur="indefinite" restart="never" nodeType="tmRoot">
+          <p:childTnLst>
+            <p:seq concurrent="1" nextAc="seek">
+              <p:cTn id="2" dur="indefinite" nodeType="mainSeq">
+                <p:childTnLst>
+                  <p:par>
+                    <p:cTn id="3" fill="hold">
+                      <p:stCondLst>
+                        <p:cond delay="indefinite"/>
+                      </p:stCondLst>
+                      <p:childTnLst>
+                        <p:par>
+                          <p:cTn id="4" fill="hold">
+                            <p:stCondLst>
+                              <p:cond delay="0"/>
+                            </p:stCondLst>
+                            <p:childTnLst>
+                              <p:par>
+                                <p:cTn id="5" presetID="3" presetClass="entr" presetSubtype="10" fill="hold" nodeType="clickEffect">
+                                  <p:stCondLst>
+                                    <p:cond delay="0"/>
+                                  </p:stCondLst>
+                                  <p:childTnLst>
+                                    <p:set>
+                                      <p:cBhvr>
+                                        <p:cTn id="6" dur="1" fill="hold">
+                                          <p:stCondLst>
+                                            <p:cond delay="0"/>
+                                          </p:stCondLst>
+                                        </p:cTn>
+                                        <p:tgtEl>
+                                          <p:spTgt spid="1026"/>
+                                        </p:tgtEl>
+                                        <p:attrNameLst>
+                                          <p:attrName>style.visibility</p:attrName>
+                                        </p:attrNameLst>
+                                      </p:cBhvr>
+                                      <p:to>
+                                        <p:strVal val="visible"/>
+                                      </p:to>
+                                    </p:set>
+                                    <p:animEffect transition="in" filter="blinds(horizontal)">
+                                      <p:cBhvr>
+                                        <p:cTn id="7" dur="500"/>
+                                        <p:tgtEl>
+                                          <p:spTgt spid="1026"/>
+                                        </p:tgtEl>
+                                      </p:cBhvr>
+                                    </p:animEffect>
+                                  </p:childTnLst>
+                                </p:cTn>
+                              </p:par>
+                            </p:childTnLst>
+                          </p:cTn>
+                        </p:par>
+                      </p:childTnLst>
+                    </p:cTn>
+                  </p:par>
+                  <p:par>
+                    <p:cTn id="8" fill="hold">
+                      <p:stCondLst>
+                        <p:cond delay="indefinite"/>
+                      </p:stCondLst>
+                      <p:childTnLst>
+                        <p:par>
+                          <p:cTn id="9" fill="hold">
+                            <p:stCondLst>
+                              <p:cond delay="0"/>
+                            </p:stCondLst>
+                            <p:childTnLst>
+                              <p:par>
+                                <p:cTn id="10" presetID="2" presetClass="entr" presetSubtype="4" fill="hold" nodeType="clickEffect">
+                                  <p:stCondLst>
+                                    <p:cond delay="0"/>
+                                  </p:stCondLst>
+                                  <p:childTnLst>
+                                    <p:set>
+                                      <p:cBhvr>
+                                        <p:cTn id="11" dur="1" fill="hold">
+                                          <p:stCondLst>
+                                            <p:cond delay="0"/>
+                                          </p:stCondLst>
+                                        </p:cTn>
+                                        <p:tgtEl>
+                                          <p:spTgt spid="22"/>
+                                        </p:tgtEl>
+                                        <p:attrNameLst>
+                                          <p:attrName>style.visibility</p:attrName>
+                                        </p:attrNameLst>
+                                      </p:cBhvr>
+                                      <p:to>
+                                        <p:strVal val="visible"/>
+                                      </p:to>
+                                    </p:set>
+                                    <p:anim calcmode="lin" valueType="num">
+                                      <p:cBhvr additive="base">
+                                        <p:cTn id="12" dur="500" fill="hold"/>
+                                        <p:tgtEl>
+                                          <p:spTgt spid="22"/>
+                                        </p:tgtEl>
+                                        <p:attrNameLst>
+                                          <p:attrName>ppt_x</p:attrName>
+                                        </p:attrNameLst>
+                                      </p:cBhvr>
+                                      <p:tavLst>
+                                        <p:tav tm="0">
+                                          <p:val>
+                                            <p:strVal val="#ppt_x"/>
+                                          </p:val>
+                                        </p:tav>
+                                        <p:tav tm="100000">
+                                          <p:val>
+                                            <p:strVal val="#ppt_x"/>
+                                          </p:val>
+                                        </p:tav>
+                                      </p:tavLst>
+                                    </p:anim>
+                                    <p:anim calcmode="lin" valueType="num">
+                                      <p:cBhvr additive="base">
+                                        <p:cTn id="13" dur="500" fill="hold"/>
+                                        <p:tgtEl>
+                                          <p:spTgt spid="22"/>
+                                        </p:tgtEl>
+                                        <p:attrNameLst>
+                                          <p:attrName>ppt_y</p:attrName>
+                                        </p:attrNameLst>
+                                      </p:cBhvr>
+                                      <p:tavLst>
+                                        <p:tav tm="0">
+                                          <p:val>
+                                            <p:strVal val="1+#ppt_h/2"/>
+                                          </p:val>
+                                        </p:tav>
+                                        <p:tav tm="100000">
+                                          <p:val>
+                                            <p:strVal val="#ppt_y"/>
+                                          </p:val>
+                                        </p:tav>
+                                      </p:tavLst>
+                                    </p:anim>
+                                  </p:childTnLst>
+                                </p:cTn>
+                              </p:par>
+                            </p:childTnLst>
+                          </p:cTn>
+                        </p:par>
+                        <p:par>
+                          <p:cTn id="14" fill="hold">
+                            <p:stCondLst>
+                              <p:cond delay="500"/>
+                            </p:stCondLst>
+                            <p:childTnLst>
+                              <p:par>
+                                <p:cTn id="15" presetID="2" presetClass="entr" presetSubtype="4" fill="hold" nodeType="afterEffect">
+                                  <p:stCondLst>
+                                    <p:cond delay="0"/>
+                                  </p:stCondLst>
+                                  <p:childTnLst>
+                                    <p:set>
+                                      <p:cBhvr>
+                                        <p:cTn id="16" dur="1" fill="hold">
+                                          <p:stCondLst>
+                                            <p:cond delay="0"/>
+                                          </p:stCondLst>
+                                        </p:cTn>
+                                        <p:tgtEl>
+                                          <p:spTgt spid="39"/>
+                                        </p:tgtEl>
+                                        <p:attrNameLst>
+                                          <p:attrName>style.visibility</p:attrName>
+                                        </p:attrNameLst>
+                                      </p:cBhvr>
+                                      <p:to>
+                                        <p:strVal val="visible"/>
+                                      </p:to>
+                                    </p:set>
+                                    <p:anim calcmode="lin" valueType="num">
+                                      <p:cBhvr additive="base">
+                                        <p:cTn id="17" dur="500" fill="hold"/>
+                                        <p:tgtEl>
+                                          <p:spTgt spid="39"/>
+                                        </p:tgtEl>
+                                        <p:attrNameLst>
+                                          <p:attrName>ppt_x</p:attrName>
+                                        </p:attrNameLst>
+                                      </p:cBhvr>
+                                      <p:tavLst>
+                                        <p:tav tm="0">
+                                          <p:val>
+                                            <p:strVal val="#ppt_x"/>
+                                          </p:val>
+                                        </p:tav>
+                                        <p:tav tm="100000">
+                                          <p:val>
+                                            <p:strVal val="#ppt_x"/>
+                                          </p:val>
+                                        </p:tav>
+                                      </p:tavLst>
+                                    </p:anim>
+                                    <p:anim calcmode="lin" valueType="num">
+                                      <p:cBhvr additive="base">
+                                        <p:cTn id="18" dur="500" fill="hold"/>
+                                        <p:tgtEl>
+                                          <p:spTgt spid="39"/>
+                                        </p:tgtEl>
+                                        <p:attrNameLst>
+                                          <p:attrName>ppt_y</p:attrName>
+                                        </p:attrNameLst>
+                                      </p:cBhvr>
+                                      <p:tavLst>
+                                        <p:tav tm="0">
+                                          <p:val>
+                                            <p:strVal val="1+#ppt_h/2"/>
+                                          </p:val>
+                                        </p:tav>
+                                        <p:tav tm="100000">
+                                          <p:val>
+                                            <p:strVal val="#ppt_y"/>
+                                          </p:val>
+                                        </p:tav>
+                                      </p:tavLst>
+                                    </p:anim>
+                                  </p:childTnLst>
+                                </p:cTn>
+                              </p:par>
+                            </p:childTnLst>
+                          </p:cTn>
+                        </p:par>
+                      </p:childTnLst>
+                    </p:cTn>
+                  </p:par>
+                  <p:par>
+                    <p:cTn id="19" fill="hold">
+                      <p:stCondLst>
+                        <p:cond delay="indefinite"/>
+                      </p:stCondLst>
+                      <p:childTnLst>
+                        <p:par>
+                          <p:cTn id="20" fill="hold">
+                            <p:stCondLst>
+                              <p:cond delay="0"/>
+                            </p:stCondLst>
+                            <p:childTnLst>
+                              <p:par>
+                                <p:cTn id="21" presetID="3" presetClass="entr" presetSubtype="10" fill="hold" nodeType="clickEffect">
+                                  <p:stCondLst>
+                                    <p:cond delay="0"/>
+                                  </p:stCondLst>
+                                  <p:childTnLst>
+                                    <p:set>
+                                      <p:cBhvr>
+                                        <p:cTn id="22" dur="1" fill="hold">
+                                          <p:stCondLst>
+                                            <p:cond delay="0"/>
+                                          </p:stCondLst>
+                                        </p:cTn>
+                                        <p:tgtEl>
+                                          <p:spTgt spid="33"/>
+                                        </p:tgtEl>
+                                        <p:attrNameLst>
+                                          <p:attrName>style.visibility</p:attrName>
+                                        </p:attrNameLst>
+                                      </p:cBhvr>
+                                      <p:to>
+                                        <p:strVal val="visible"/>
+                                      </p:to>
+                                    </p:set>
+                                    <p:animEffect transition="in" filter="blinds(horizontal)">
+                                      <p:cBhvr>
+                                        <p:cTn id="23" dur="500"/>
+                                        <p:tgtEl>
+                                          <p:spTgt spid="33"/>
+                                        </p:tgtEl>
+                                      </p:cBhvr>
+                                    </p:animEffect>
+                                  </p:childTnLst>
+                                </p:cTn>
+                              </p:par>
+                            </p:childTnLst>
+                          </p:cTn>
+                        </p:par>
+                      </p:childTnLst>
+                    </p:cTn>
+                  </p:par>
+                  <p:par>
+                    <p:cTn id="24" fill="hold">
+                      <p:stCondLst>
+                        <p:cond delay="indefinite"/>
+                      </p:stCondLst>
+                      <p:childTnLst>
+                        <p:par>
+                          <p:cTn id="25" fill="hold">
+                            <p:stCondLst>
+                              <p:cond delay="0"/>
+                            </p:stCondLst>
+                            <p:childTnLst>
+                              <p:par>
+                                <p:cTn id="26" presetID="3" presetClass="entr" presetSubtype="10" fill="hold" nodeType="clickEffect">
+                                  <p:stCondLst>
+                                    <p:cond delay="0"/>
+                                  </p:stCondLst>
+                                  <p:childTnLst>
+                                    <p:set>
+                                      <p:cBhvr>
+                                        <p:cTn id="27" dur="1" fill="hold">
+                                          <p:stCondLst>
+                                            <p:cond delay="0"/>
+                                          </p:stCondLst>
+                                        </p:cTn>
+                                        <p:tgtEl>
+                                          <p:spTgt spid="37"/>
+                                        </p:tgtEl>
+                                        <p:attrNameLst>
+                                          <p:attrName>style.visibility</p:attrName>
+                                        </p:attrNameLst>
+                                      </p:cBhvr>
+                                      <p:to>
+                                        <p:strVal val="visible"/>
+                                      </p:to>
+                                    </p:set>
+                                    <p:animEffect transition="in" filter="blinds(horizontal)">
+                                      <p:cBhvr>
+                                        <p:cTn id="28" dur="500"/>
+                                        <p:tgtEl>
+                                          <p:spTgt spid="37"/>
+                                        </p:tgtEl>
+                                      </p:cBhvr>
+                                    </p:animEffect>
+                                  </p:childTnLst>
+                                </p:cTn>
+                              </p:par>
+                              <p:par>
+                                <p:cTn id="29" presetID="3" presetClass="entr" presetSubtype="10" fill="hold" nodeType="withEffect">
+                                  <p:stCondLst>
+                                    <p:cond delay="0"/>
+                                  </p:stCondLst>
+                                  <p:childTnLst>
+                                    <p:set>
+                                      <p:cBhvr>
+                                        <p:cTn id="30" dur="1" fill="hold">
+                                          <p:stCondLst>
+                                            <p:cond delay="0"/>
+                                          </p:stCondLst>
+                                        </p:cTn>
+                                        <p:tgtEl>
+                                          <p:spTgt spid="29"/>
+                                        </p:tgtEl>
+                                        <p:attrNameLst>
+                                          <p:attrName>style.visibility</p:attrName>
+                                        </p:attrNameLst>
+                                      </p:cBhvr>
+                                      <p:to>
+                                        <p:strVal val="visible"/>
+                                      </p:to>
+                                    </p:set>
+                                    <p:animEffect transition="in" filter="blinds(horizontal)">
+                                      <p:cBhvr>
+                                        <p:cTn id="31" dur="500"/>
+                                        <p:tgtEl>
+                                          <p:spTgt spid="29"/>
+                                        </p:tgtEl>
+                                      </p:cBhvr>
+                                    </p:animEffect>
+                                  </p:childTnLst>
+                                </p:cTn>
+                              </p:par>
+                            </p:childTnLst>
+                          </p:cTn>
+                        </p:par>
+                      </p:childTnLst>
+                    </p:cTn>
+                  </p:par>
+                  <p:par>
+                    <p:cTn id="32" fill="hold">
+                      <p:stCondLst>
+                        <p:cond delay="indefinite"/>
+                      </p:stCondLst>
+                      <p:childTnLst>
+                        <p:par>
+                          <p:cTn id="33" fill="hold">
+                            <p:stCondLst>
+                              <p:cond delay="0"/>
+                            </p:stCondLst>
+                            <p:childTnLst>
+                              <p:par>
+                                <p:cTn id="34" presetID="3" presetClass="entr" presetSubtype="10" fill="hold" nodeType="clickEffect">
+                                  <p:stCondLst>
+                                    <p:cond delay="0"/>
+                                  </p:stCondLst>
+                                  <p:childTnLst>
+                                    <p:set>
+                                      <p:cBhvr>
+                                        <p:cTn id="35" dur="1" fill="hold">
+                                          <p:stCondLst>
+                                            <p:cond delay="0"/>
+                                          </p:stCondLst>
+                                        </p:cTn>
+                                        <p:tgtEl>
+                                          <p:spTgt spid="35"/>
+                                        </p:tgtEl>
+                                        <p:attrNameLst>
+                                          <p:attrName>style.visibility</p:attrName>
+                                        </p:attrNameLst>
+                                      </p:cBhvr>
+                                      <p:to>
+                                        <p:strVal val="visible"/>
+                                      </p:to>
+                                    </p:set>
+                                    <p:animEffect transition="in" filter="blinds(horizontal)">
+                                      <p:cBhvr>
+                                        <p:cTn id="36" dur="500"/>
+                                        <p:tgtEl>
+                                          <p:spTgt spid="35"/>
+                                        </p:tgtEl>
+                                      </p:cBhvr>
+                                    </p:animEffect>
+                                  </p:childTnLst>
+                                </p:cTn>
+                              </p:par>
+                              <p:par>
+                                <p:cTn id="37" presetID="3" presetClass="entr" presetSubtype="10" fill="hold" grpId="0" nodeType="withEffect">
+                                  <p:stCondLst>
+                                    <p:cond delay="0"/>
+                                  </p:stCondLst>
+                                  <p:childTnLst>
+                                    <p:set>
+                                      <p:cBhvr>
+                                        <p:cTn id="38" dur="1" fill="hold">
+                                          <p:stCondLst>
+                                            <p:cond delay="0"/>
+                                          </p:stCondLst>
+                                        </p:cTn>
+                                        <p:tgtEl>
+                                          <p:spTgt spid="14"/>
+                                        </p:tgtEl>
+                                        <p:attrNameLst>
+                                          <p:attrName>style.visibility</p:attrName>
+                                        </p:attrNameLst>
+                                      </p:cBhvr>
+                                      <p:to>
+                                        <p:strVal val="visible"/>
+                                      </p:to>
+                                    </p:set>
+                                    <p:animEffect transition="in" filter="blinds(horizontal)">
+                                      <p:cBhvr>
+                                        <p:cTn id="39" dur="500"/>
+                                        <p:tgtEl>
+                                          <p:spTgt spid="14"/>
+                                        </p:tgtEl>
+                                      </p:cBhvr>
+                                    </p:animEffect>
+                                  </p:childTnLst>
+                                </p:cTn>
+                              </p:par>
+                            </p:childTnLst>
+                          </p:cTn>
+                        </p:par>
+                      </p:childTnLst>
+                    </p:cTn>
+                  </p:par>
+                  <p:par>
+                    <p:cTn id="40" fill="hold">
+                      <p:stCondLst>
+                        <p:cond delay="indefinite"/>
+                      </p:stCondLst>
+                      <p:childTnLst>
+                        <p:par>
+                          <p:cTn id="41" fill="hold">
+                            <p:stCondLst>
+                              <p:cond delay="0"/>
+                            </p:stCondLst>
+                            <p:childTnLst>
+                              <p:par>
+                                <p:cTn id="42" presetID="10" presetClass="entr" presetSubtype="0" fill="hold" nodeType="clickEffect">
+                                  <p:stCondLst>
+                                    <p:cond delay="0"/>
+                                  </p:stCondLst>
+                                  <p:childTnLst>
+                                    <p:set>
+                                      <p:cBhvr>
+                                        <p:cTn id="43" dur="1" fill="hold">
+                                          <p:stCondLst>
+                                            <p:cond delay="0"/>
+                                          </p:stCondLst>
+                                        </p:cTn>
+                                        <p:tgtEl>
+                                          <p:spTgt spid="38"/>
+                                        </p:tgtEl>
+                                        <p:attrNameLst>
+                                          <p:attrName>style.visibility</p:attrName>
+                                        </p:attrNameLst>
+                                      </p:cBhvr>
+                                      <p:to>
+                                        <p:strVal val="visible"/>
+                                      </p:to>
+                                    </p:set>
+                                    <p:animEffect transition="in" filter="fade">
+                                      <p:cBhvr>
+                                        <p:cTn id="44" dur="500"/>
+                                        <p:tgtEl>
+                                          <p:spTgt spid="38"/>
+                                        </p:tgtEl>
+                                      </p:cBhvr>
+                                    </p:animEffect>
+                                  </p:childTnLst>
+                                </p:cTn>
+                              </p:par>
+                            </p:childTnLst>
+                          </p:cTn>
+                        </p:par>
+                      </p:childTnLst>
+                    </p:cTn>
+                  </p:par>
+                  <p:par>
+                    <p:cTn id="45" fill="hold">
+                      <p:stCondLst>
+                        <p:cond delay="indefinite"/>
+                      </p:stCondLst>
+                      <p:childTnLst>
+                        <p:par>
+                          <p:cTn id="46" fill="hold">
+                            <p:stCondLst>
+                              <p:cond delay="0"/>
+                            </p:stCondLst>
+                            <p:childTnLst>
+                              <p:par>
+                                <p:cTn id="47" presetID="3" presetClass="entr" presetSubtype="10" fill="hold" nodeType="clickEffect">
+                                  <p:stCondLst>
+                                    <p:cond delay="0"/>
+                                  </p:stCondLst>
+                                  <p:childTnLst>
+                                    <p:set>
+                                      <p:cBhvr>
+                                        <p:cTn id="48" dur="1" fill="hold">
+                                          <p:stCondLst>
+                                            <p:cond delay="0"/>
+                                          </p:stCondLst>
+                                        </p:cTn>
+                                        <p:tgtEl>
+                                          <p:spTgt spid="3">
+                                            <p:txEl>
+                                              <p:pRg st="3" end="3"/>
+                                            </p:txEl>
+                                          </p:spTgt>
+                                        </p:tgtEl>
+                                        <p:attrNameLst>
+                                          <p:attrName>style.visibility</p:attrName>
+                                        </p:attrNameLst>
+                                      </p:cBhvr>
+                                      <p:to>
+                                        <p:strVal val="visible"/>
+                                      </p:to>
+                                    </p:set>
+                                    <p:animEffect transition="in" filter="blinds(horizontal)">
+                                      <p:cBhvr>
+                                        <p:cTn id="49" dur="500"/>
+                                        <p:tgtEl>
+                                          <p:spTgt spid="3">
+                                            <p:txEl>
+                                              <p:pRg st="3" end="3"/>
+                                            </p:txEl>
+                                          </p:spTgt>
+                                        </p:tgtEl>
+                                      </p:cBhvr>
+                                    </p:animEffect>
+                                  </p:childTnLst>
+                                </p:cTn>
+                              </p:par>
+                            </p:childTnLst>
+                          </p:cTn>
+                        </p:par>
+                      </p:childTnLst>
+                    </p:cTn>
+                  </p:par>
+                </p:childTnLst>
+              </p:cTn>
+              <p:prevCondLst>
+                <p:cond evt="onPrev" delay="0">
+                  <p:tgtEl>
+                    <p:sldTgt/>
+                  </p:tgtEl>
+                </p:cond>
+              </p:prevCondLst>
+              <p:nextCondLst>
+                <p:cond evt="onNext" delay="0">
+                  <p:tgtEl>
+                    <p:sldTgt/>
+                  </p:tgtEl>
+                </p:cond>
+              </p:nextCondLst>
+            </p:seq>
+          </p:childTnLst>
+        </p:cTn>
+      </p:par>
+    </p:tnLst>
+    <p:bldLst>
+      <p:bldP spid="14" grpId="0" animBg="1"/>
+    </p:bldLst>
+  </p:timing>
+</p:sld>
+</file>
+
+<file path=ppt/slides/slide30.xml><?xml version="1.0" encoding="utf-8"?>
 <p:sld xmlns:a="http://schemas.openxmlformats.org/drawingml/2006/main" xmlns:r="http://schemas.openxmlformats.org/officeDocument/2006/relationships" xmlns:p="http://schemas.openxmlformats.org/presentationml/2006/main">
   <p:cSld>
     <p:spTree>
@@ -17498,7 +21393,7 @@
           <a:p>
             <a:fld id="{07EBFD83-9EC0-4EA4-B541-6D3CD8FCBB6C}" type="slidenum">
               <a:rPr lang="en-US" smtClean="0"/>
-              <a:t>28</a:t>
+              <a:t>30</a:t>
             </a:fld>
             <a:endParaRPr lang="en-US"/>
           </a:p>
@@ -17887,7 +21782,7 @@
 </p:sld>
 </file>
 
-<file path=ppt/slides/slide29.xml><?xml version="1.0" encoding="utf-8"?>
+<file path=ppt/slides/slide31.xml><?xml version="1.0" encoding="utf-8"?>
 <p:sld xmlns:a="http://schemas.openxmlformats.org/drawingml/2006/main" xmlns:r="http://schemas.openxmlformats.org/officeDocument/2006/relationships" xmlns:p="http://schemas.openxmlformats.org/presentationml/2006/main">
   <p:cSld>
     <p:spTree>
@@ -18145,7 +22040,7 @@
           <a:p>
             <a:fld id="{07EBFD83-9EC0-4EA4-B541-6D3CD8FCBB6C}" type="slidenum">
               <a:rPr lang="en-US" smtClean="0"/>
-              <a:t>29</a:t>
+              <a:t>31</a:t>
             </a:fld>
             <a:endParaRPr lang="en-US"/>
           </a:p>
@@ -18171,984 +22066,7 @@
 </p:sld>
 </file>
 
-<file path=ppt/slides/slide3.xml><?xml version="1.0" encoding="utf-8"?>
-<p:sld xmlns:a="http://schemas.openxmlformats.org/drawingml/2006/main" xmlns:r="http://schemas.openxmlformats.org/officeDocument/2006/relationships" xmlns:p="http://schemas.openxmlformats.org/presentationml/2006/main">
-  <p:cSld>
-    <p:spTree>
-      <p:nvGrpSpPr>
-        <p:cNvPr id="1" name=""/>
-        <p:cNvGrpSpPr/>
-        <p:nvPr/>
-      </p:nvGrpSpPr>
-      <p:grpSpPr>
-        <a:xfrm>
-          <a:off x="0" y="0"/>
-          <a:ext cx="0" cy="0"/>
-          <a:chOff x="0" y="0"/>
-          <a:chExt cx="0" cy="0"/>
-        </a:xfrm>
-      </p:grpSpPr>
-      <p:sp>
-        <p:nvSpPr>
-          <p:cNvPr id="2" name="Title 1"/>
-          <p:cNvSpPr>
-            <a:spLocks noGrp="1"/>
-          </p:cNvSpPr>
-          <p:nvPr>
-            <p:ph type="title"/>
-          </p:nvPr>
-        </p:nvSpPr>
-        <p:spPr/>
-        <p:txBody>
-          <a:bodyPr/>
-          <a:lstStyle/>
-          <a:p>
-            <a:r>
-              <a:rPr lang="en-US" dirty="0" smtClean="0"/>
-              <a:t>A typical web document has</a:t>
-            </a:r>
-            <a:endParaRPr lang="en-US" dirty="0"/>
-          </a:p>
-        </p:txBody>
-      </p:sp>
-      <p:pic>
-        <p:nvPicPr>
-          <p:cNvPr id="1026" name="Picture 2"/>
-          <p:cNvPicPr>
-            <a:picLocks noChangeAspect="1" noChangeArrowheads="1"/>
-          </p:cNvPicPr>
-          <p:nvPr/>
-        </p:nvPicPr>
-        <p:blipFill>
-          <a:blip r:embed="rId2">
-            <a:extLst>
-              <a:ext uri="{28A0092B-C50C-407E-A947-70E740481C1C}">
-                <a14:useLocalDpi xmlns:a14="http://schemas.microsoft.com/office/drawing/2010/main" val="0"/>
-              </a:ext>
-            </a:extLst>
-          </a:blip>
-          <a:srcRect/>
-          <a:stretch>
-            <a:fillRect/>
-          </a:stretch>
-        </p:blipFill>
-        <p:spPr bwMode="auto">
-          <a:xfrm>
-            <a:off x="1417320" y="1786128"/>
-            <a:ext cx="6261554" cy="4191000"/>
-          </a:xfrm>
-          <a:prstGeom prst="rect">
-            <a:avLst/>
-          </a:prstGeom>
-          <a:noFill/>
-          <a:ln>
-            <a:noFill/>
-          </a:ln>
-          <a:extLst>
-            <a:ext uri="{909E8E84-426E-40DD-AFC4-6F175D3DCCD1}">
-              <a14:hiddenFill xmlns:a14="http://schemas.microsoft.com/office/drawing/2010/main">
-                <a:solidFill>
-                  <a:schemeClr val="accent1"/>
-                </a:solidFill>
-              </a14:hiddenFill>
-            </a:ext>
-            <a:ext uri="{91240B29-F687-4F45-9708-019B960494DF}">
-              <a14:hiddenLine xmlns:a14="http://schemas.microsoft.com/office/drawing/2010/main" w="9525">
-                <a:solidFill>
-                  <a:schemeClr val="tx1"/>
-                </a:solidFill>
-                <a:miter lim="800000"/>
-                <a:headEnd/>
-                <a:tailEnd/>
-              </a14:hiddenLine>
-            </a:ext>
-          </a:extLst>
-        </p:spPr>
-      </p:pic>
-      <p:grpSp>
-        <p:nvGrpSpPr>
-          <p:cNvPr id="10" name="Group 9"/>
-          <p:cNvGrpSpPr/>
-          <p:nvPr/>
-        </p:nvGrpSpPr>
-        <p:grpSpPr>
-          <a:xfrm>
-            <a:off x="2667000" y="1324463"/>
-            <a:ext cx="4114800" cy="961537"/>
-            <a:chOff x="2667000" y="1324463"/>
-            <a:chExt cx="4114800" cy="961537"/>
-          </a:xfrm>
-        </p:grpSpPr>
-        <p:sp>
-          <p:nvSpPr>
-            <p:cNvPr id="4" name="Rectangle 3"/>
-            <p:cNvSpPr/>
-            <p:nvPr/>
-          </p:nvSpPr>
-          <p:spPr>
-            <a:xfrm>
-              <a:off x="2667000" y="1786128"/>
-              <a:ext cx="4114800" cy="499872"/>
-            </a:xfrm>
-            <a:prstGeom prst="rect">
-              <a:avLst/>
-            </a:prstGeom>
-            <a:noFill/>
-            <a:ln>
-              <a:solidFill>
-                <a:srgbClr val="FF0000"/>
-              </a:solidFill>
-            </a:ln>
-          </p:spPr>
-          <p:style>
-            <a:lnRef idx="2">
-              <a:schemeClr val="accent1">
-                <a:shade val="50000"/>
-              </a:schemeClr>
-            </a:lnRef>
-            <a:fillRef idx="1">
-              <a:schemeClr val="accent1"/>
-            </a:fillRef>
-            <a:effectRef idx="0">
-              <a:schemeClr val="accent1"/>
-            </a:effectRef>
-            <a:fontRef idx="minor">
-              <a:schemeClr val="lt1"/>
-            </a:fontRef>
-          </p:style>
-          <p:txBody>
-            <a:bodyPr rtlCol="0" anchor="ctr"/>
-            <a:lstStyle/>
-            <a:p>
-              <a:pPr algn="ctr"/>
-              <a:endParaRPr lang="en-US"/>
-            </a:p>
-          </p:txBody>
-        </p:sp>
-        <p:sp>
-          <p:nvSpPr>
-            <p:cNvPr id="5" name="TextBox 4"/>
-            <p:cNvSpPr txBox="1"/>
-            <p:nvPr/>
-          </p:nvSpPr>
-          <p:spPr>
-            <a:xfrm>
-              <a:off x="3703320" y="1324463"/>
-              <a:ext cx="2209800" cy="461665"/>
-            </a:xfrm>
-            <a:prstGeom prst="rect">
-              <a:avLst/>
-            </a:prstGeom>
-            <a:noFill/>
-          </p:spPr>
-          <p:txBody>
-            <a:bodyPr wrap="square" rtlCol="0">
-              <a:spAutoFit/>
-            </a:bodyPr>
-            <a:lstStyle/>
-            <a:p>
-              <a:pPr algn="ctr"/>
-              <a:r>
-                <a:rPr lang="en-US" sz="2400" b="1" dirty="0" smtClean="0">
-                  <a:solidFill>
-                    <a:srgbClr val="FF0000"/>
-                  </a:solidFill>
-                </a:rPr>
-                <a:t>Title</a:t>
-              </a:r>
-              <a:endParaRPr lang="en-US" sz="2400" b="1" dirty="0">
-                <a:solidFill>
-                  <a:srgbClr val="FF0000"/>
-                </a:solidFill>
-              </a:endParaRPr>
-            </a:p>
-          </p:txBody>
-        </p:sp>
-      </p:grpSp>
-      <p:cxnSp>
-        <p:nvCxnSpPr>
-          <p:cNvPr id="9" name="Straight Connector 8"/>
-          <p:cNvCxnSpPr/>
-          <p:nvPr/>
-        </p:nvCxnSpPr>
-        <p:spPr>
-          <a:xfrm>
-            <a:off x="4800600" y="4343400"/>
-            <a:ext cx="685800" cy="0"/>
-          </a:xfrm>
-          <a:prstGeom prst="line">
-            <a:avLst/>
-          </a:prstGeom>
-          <a:ln w="19050"/>
-        </p:spPr>
-        <p:style>
-          <a:lnRef idx="1">
-            <a:schemeClr val="accent1"/>
-          </a:lnRef>
-          <a:fillRef idx="0">
-            <a:schemeClr val="accent1"/>
-          </a:fillRef>
-          <a:effectRef idx="0">
-            <a:schemeClr val="accent1"/>
-          </a:effectRef>
-          <a:fontRef idx="minor">
-            <a:schemeClr val="tx1"/>
-          </a:fontRef>
-        </p:style>
-      </p:cxnSp>
-      <p:cxnSp>
-        <p:nvCxnSpPr>
-          <p:cNvPr id="11" name="Straight Connector 10"/>
-          <p:cNvCxnSpPr/>
-          <p:nvPr/>
-        </p:nvCxnSpPr>
-        <p:spPr>
-          <a:xfrm>
-            <a:off x="2743200" y="5715000"/>
-            <a:ext cx="914400" cy="0"/>
-          </a:xfrm>
-          <a:prstGeom prst="line">
-            <a:avLst/>
-          </a:prstGeom>
-          <a:ln w="19050"/>
-        </p:spPr>
-        <p:style>
-          <a:lnRef idx="1">
-            <a:schemeClr val="accent1"/>
-          </a:lnRef>
-          <a:fillRef idx="0">
-            <a:schemeClr val="accent1"/>
-          </a:fillRef>
-          <a:effectRef idx="0">
-            <a:schemeClr val="accent1"/>
-          </a:effectRef>
-          <a:fontRef idx="minor">
-            <a:schemeClr val="tx1"/>
-          </a:fontRef>
-        </p:style>
-      </p:cxnSp>
-      <p:cxnSp>
-        <p:nvCxnSpPr>
-          <p:cNvPr id="13" name="Straight Connector 12"/>
-          <p:cNvCxnSpPr/>
-          <p:nvPr/>
-        </p:nvCxnSpPr>
-        <p:spPr>
-          <a:xfrm>
-            <a:off x="4724400" y="5562600"/>
-            <a:ext cx="1066800" cy="0"/>
-          </a:xfrm>
-          <a:prstGeom prst="line">
-            <a:avLst/>
-          </a:prstGeom>
-          <a:ln w="19050"/>
-        </p:spPr>
-        <p:style>
-          <a:lnRef idx="1">
-            <a:schemeClr val="accent1"/>
-          </a:lnRef>
-          <a:fillRef idx="0">
-            <a:schemeClr val="accent1"/>
-          </a:fillRef>
-          <a:effectRef idx="0">
-            <a:schemeClr val="accent1"/>
-          </a:effectRef>
-          <a:fontRef idx="minor">
-            <a:schemeClr val="tx1"/>
-          </a:fontRef>
-        </p:style>
-      </p:cxnSp>
-      <p:cxnSp>
-        <p:nvCxnSpPr>
-          <p:cNvPr id="15" name="Straight Connector 14"/>
-          <p:cNvCxnSpPr/>
-          <p:nvPr/>
-        </p:nvCxnSpPr>
-        <p:spPr>
-          <a:xfrm>
-            <a:off x="5029200" y="5867400"/>
-            <a:ext cx="762000" cy="0"/>
-          </a:xfrm>
-          <a:prstGeom prst="line">
-            <a:avLst/>
-          </a:prstGeom>
-          <a:ln w="19050"/>
-        </p:spPr>
-        <p:style>
-          <a:lnRef idx="1">
-            <a:schemeClr val="accent1"/>
-          </a:lnRef>
-          <a:fillRef idx="0">
-            <a:schemeClr val="accent1"/>
-          </a:fillRef>
-          <a:effectRef idx="0">
-            <a:schemeClr val="accent1"/>
-          </a:effectRef>
-          <a:fontRef idx="minor">
-            <a:schemeClr val="tx1"/>
-          </a:fontRef>
-        </p:style>
-      </p:cxnSp>
-      <p:cxnSp>
-        <p:nvCxnSpPr>
-          <p:cNvPr id="17" name="Straight Connector 16"/>
-          <p:cNvCxnSpPr/>
-          <p:nvPr/>
-        </p:nvCxnSpPr>
-        <p:spPr>
-          <a:xfrm>
-            <a:off x="2727960" y="5977128"/>
-            <a:ext cx="1463040" cy="0"/>
-          </a:xfrm>
-          <a:prstGeom prst="line">
-            <a:avLst/>
-          </a:prstGeom>
-          <a:ln w="19050"/>
-        </p:spPr>
-        <p:style>
-          <a:lnRef idx="1">
-            <a:schemeClr val="accent1"/>
-          </a:lnRef>
-          <a:fillRef idx="0">
-            <a:schemeClr val="accent1"/>
-          </a:fillRef>
-          <a:effectRef idx="0">
-            <a:schemeClr val="accent1"/>
-          </a:effectRef>
-          <a:fontRef idx="minor">
-            <a:schemeClr val="tx1"/>
-          </a:fontRef>
-        </p:style>
-      </p:cxnSp>
-      <p:grpSp>
-        <p:nvGrpSpPr>
-          <p:cNvPr id="16" name="Group 15"/>
-          <p:cNvGrpSpPr/>
-          <p:nvPr/>
-        </p:nvGrpSpPr>
-        <p:grpSpPr>
-          <a:xfrm>
-            <a:off x="2667000" y="4114800"/>
-            <a:ext cx="3324806" cy="2383536"/>
-            <a:chOff x="2667000" y="4114800"/>
-            <a:chExt cx="3324806" cy="2383536"/>
-          </a:xfrm>
-        </p:grpSpPr>
-        <p:sp>
-          <p:nvSpPr>
-            <p:cNvPr id="7" name="Rectangle 6"/>
-            <p:cNvSpPr/>
-            <p:nvPr/>
-          </p:nvSpPr>
-          <p:spPr>
-            <a:xfrm>
-              <a:off x="2667000" y="4114800"/>
-              <a:ext cx="3324806" cy="1905000"/>
-            </a:xfrm>
-            <a:prstGeom prst="rect">
-              <a:avLst/>
-            </a:prstGeom>
-            <a:noFill/>
-            <a:ln>
-              <a:solidFill>
-                <a:srgbClr val="FF0000"/>
-              </a:solidFill>
-            </a:ln>
-          </p:spPr>
-          <p:style>
-            <a:lnRef idx="2">
-              <a:schemeClr val="accent1">
-                <a:shade val="50000"/>
-              </a:schemeClr>
-            </a:lnRef>
-            <a:fillRef idx="1">
-              <a:schemeClr val="accent1"/>
-            </a:fillRef>
-            <a:effectRef idx="0">
-              <a:schemeClr val="accent1"/>
-            </a:effectRef>
-            <a:fontRef idx="minor">
-              <a:schemeClr val="lt1"/>
-            </a:fontRef>
-          </p:style>
-          <p:txBody>
-            <a:bodyPr rtlCol="0" anchor="ctr"/>
-            <a:lstStyle/>
-            <a:p>
-              <a:pPr algn="ctr"/>
-              <a:endParaRPr lang="en-US"/>
-            </a:p>
-          </p:txBody>
-        </p:sp>
-        <p:sp>
-          <p:nvSpPr>
-            <p:cNvPr id="21" name="TextBox 20"/>
-            <p:cNvSpPr txBox="1"/>
-            <p:nvPr/>
-          </p:nvSpPr>
-          <p:spPr>
-            <a:xfrm>
-              <a:off x="3276600" y="6036671"/>
-              <a:ext cx="2209800" cy="461665"/>
-            </a:xfrm>
-            <a:prstGeom prst="rect">
-              <a:avLst/>
-            </a:prstGeom>
-            <a:noFill/>
-          </p:spPr>
-          <p:txBody>
-            <a:bodyPr wrap="square" rtlCol="0">
-              <a:spAutoFit/>
-            </a:bodyPr>
-            <a:lstStyle/>
-            <a:p>
-              <a:pPr algn="ctr"/>
-              <a:r>
-                <a:rPr lang="en-US" sz="2400" b="1" dirty="0" smtClean="0">
-                  <a:solidFill>
-                    <a:srgbClr val="FF0000"/>
-                  </a:solidFill>
-                </a:rPr>
-                <a:t>Body</a:t>
-              </a:r>
-              <a:endParaRPr lang="en-US" sz="2400" b="1" dirty="0">
-                <a:solidFill>
-                  <a:srgbClr val="FF0000"/>
-                </a:solidFill>
-              </a:endParaRPr>
-            </a:p>
-          </p:txBody>
-        </p:sp>
-      </p:grpSp>
-      <p:grpSp>
-        <p:nvGrpSpPr>
-          <p:cNvPr id="14" name="Group 13"/>
-          <p:cNvGrpSpPr/>
-          <p:nvPr/>
-        </p:nvGrpSpPr>
-        <p:grpSpPr>
-          <a:xfrm>
-            <a:off x="838200" y="2514600"/>
-            <a:ext cx="2209800" cy="3983736"/>
-            <a:chOff x="838200" y="2514600"/>
-            <a:chExt cx="2209800" cy="3983736"/>
-          </a:xfrm>
-        </p:grpSpPr>
-        <p:sp>
-          <p:nvSpPr>
-            <p:cNvPr id="20" name="Rectangle 19"/>
-            <p:cNvSpPr/>
-            <p:nvPr/>
-          </p:nvSpPr>
-          <p:spPr>
-            <a:xfrm>
-              <a:off x="1433122" y="2514600"/>
-              <a:ext cx="1157678" cy="3462528"/>
-            </a:xfrm>
-            <a:prstGeom prst="rect">
-              <a:avLst/>
-            </a:prstGeom>
-            <a:noFill/>
-            <a:ln>
-              <a:solidFill>
-                <a:srgbClr val="0070C0"/>
-              </a:solidFill>
-            </a:ln>
-          </p:spPr>
-          <p:style>
-            <a:lnRef idx="2">
-              <a:schemeClr val="accent1">
-                <a:shade val="50000"/>
-              </a:schemeClr>
-            </a:lnRef>
-            <a:fillRef idx="1">
-              <a:schemeClr val="accent1"/>
-            </a:fillRef>
-            <a:effectRef idx="0">
-              <a:schemeClr val="accent1"/>
-            </a:effectRef>
-            <a:fontRef idx="minor">
-              <a:schemeClr val="lt1"/>
-            </a:fontRef>
-          </p:style>
-          <p:txBody>
-            <a:bodyPr rtlCol="0" anchor="ctr"/>
-            <a:lstStyle/>
-            <a:p>
-              <a:pPr algn="ctr"/>
-              <a:endParaRPr lang="en-US"/>
-            </a:p>
-          </p:txBody>
-        </p:sp>
-        <p:sp>
-          <p:nvSpPr>
-            <p:cNvPr id="22" name="TextBox 21"/>
-            <p:cNvSpPr txBox="1"/>
-            <p:nvPr/>
-          </p:nvSpPr>
-          <p:spPr>
-            <a:xfrm>
-              <a:off x="838200" y="6036671"/>
-              <a:ext cx="2209800" cy="461665"/>
-            </a:xfrm>
-            <a:prstGeom prst="rect">
-              <a:avLst/>
-            </a:prstGeom>
-            <a:noFill/>
-          </p:spPr>
-          <p:txBody>
-            <a:bodyPr wrap="square" rtlCol="0">
-              <a:spAutoFit/>
-            </a:bodyPr>
-            <a:lstStyle/>
-            <a:p>
-              <a:pPr algn="ctr"/>
-              <a:r>
-                <a:rPr lang="en-US" sz="2400" b="1" dirty="0" smtClean="0">
-                  <a:solidFill>
-                    <a:srgbClr val="0070C0"/>
-                  </a:solidFill>
-                </a:rPr>
-                <a:t>Anchor</a:t>
-              </a:r>
-              <a:endParaRPr lang="en-US" sz="2400" b="1" dirty="0">
-                <a:solidFill>
-                  <a:srgbClr val="0070C0"/>
-                </a:solidFill>
-              </a:endParaRPr>
-            </a:p>
-          </p:txBody>
-        </p:sp>
-      </p:grpSp>
-      <p:sp>
-        <p:nvSpPr>
-          <p:cNvPr id="23" name="Rectangle 22"/>
-          <p:cNvSpPr/>
-          <p:nvPr/>
-        </p:nvSpPr>
-        <p:spPr>
-          <a:xfrm>
-            <a:off x="6113326" y="2819400"/>
-            <a:ext cx="1582874" cy="3157728"/>
-          </a:xfrm>
-          <a:prstGeom prst="rect">
-            <a:avLst/>
-          </a:prstGeom>
-          <a:noFill/>
-          <a:ln>
-            <a:solidFill>
-              <a:srgbClr val="0070C0"/>
-            </a:solidFill>
-          </a:ln>
-        </p:spPr>
-        <p:style>
-          <a:lnRef idx="2">
-            <a:schemeClr val="accent1">
-              <a:shade val="50000"/>
-            </a:schemeClr>
-          </a:lnRef>
-          <a:fillRef idx="1">
-            <a:schemeClr val="accent1"/>
-          </a:fillRef>
-          <a:effectRef idx="0">
-            <a:schemeClr val="accent1"/>
-          </a:effectRef>
-          <a:fontRef idx="minor">
-            <a:schemeClr val="lt1"/>
-          </a:fontRef>
-        </p:style>
-        <p:txBody>
-          <a:bodyPr rtlCol="0" anchor="ctr"/>
-          <a:lstStyle/>
-          <a:p>
-            <a:pPr algn="ctr"/>
-            <a:endParaRPr lang="en-US"/>
-          </a:p>
-        </p:txBody>
-      </p:sp>
-      <p:sp>
-        <p:nvSpPr>
-          <p:cNvPr id="3" name="Date Placeholder 2"/>
-          <p:cNvSpPr>
-            <a:spLocks noGrp="1"/>
-          </p:cNvSpPr>
-          <p:nvPr>
-            <p:ph type="dt" sz="half" idx="10"/>
-          </p:nvPr>
-        </p:nvSpPr>
-        <p:spPr/>
-        <p:txBody>
-          <a:bodyPr/>
-          <a:lstStyle/>
-          <a:p>
-            <a:r>
-              <a:rPr lang="en-US" smtClean="0"/>
-              <a:t>CS@UVa</a:t>
-            </a:r>
-            <a:endParaRPr lang="en-US"/>
-          </a:p>
-        </p:txBody>
-      </p:sp>
-      <p:sp>
-        <p:nvSpPr>
-          <p:cNvPr id="6" name="Footer Placeholder 5"/>
-          <p:cNvSpPr>
-            <a:spLocks noGrp="1"/>
-          </p:cNvSpPr>
-          <p:nvPr>
-            <p:ph type="ftr" sz="quarter" idx="11"/>
-          </p:nvPr>
-        </p:nvSpPr>
-        <p:spPr/>
-        <p:txBody>
-          <a:bodyPr/>
-          <a:lstStyle/>
-          <a:p>
-            <a:r>
-              <a:rPr lang="en-US" smtClean="0"/>
-              <a:t>CS 4501: Information Retrieval</a:t>
-            </a:r>
-            <a:endParaRPr lang="en-US"/>
-          </a:p>
-        </p:txBody>
-      </p:sp>
-      <p:sp>
-        <p:nvSpPr>
-          <p:cNvPr id="8" name="Slide Number Placeholder 7"/>
-          <p:cNvSpPr>
-            <a:spLocks noGrp="1"/>
-          </p:cNvSpPr>
-          <p:nvPr>
-            <p:ph type="sldNum" sz="quarter" idx="12"/>
-          </p:nvPr>
-        </p:nvSpPr>
-        <p:spPr/>
-        <p:txBody>
-          <a:bodyPr/>
-          <a:lstStyle/>
-          <a:p>
-            <a:fld id="{07EBFD83-9EC0-4EA4-B541-6D3CD8FCBB6C}" type="slidenum">
-              <a:rPr lang="en-US" smtClean="0"/>
-              <a:t>3</a:t>
-            </a:fld>
-            <a:endParaRPr lang="en-US"/>
-          </a:p>
-        </p:txBody>
-      </p:sp>
-    </p:spTree>
-    <p:extLst>
-      <p:ext uri="{BB962C8B-B14F-4D97-AF65-F5344CB8AC3E}">
-        <p14:creationId xmlns:p14="http://schemas.microsoft.com/office/powerpoint/2010/main" val="3380064814"/>
-      </p:ext>
-    </p:extLst>
-  </p:cSld>
-  <p:clrMapOvr>
-    <a:masterClrMapping/>
-  </p:clrMapOvr>
-  <p:timing>
-    <p:tnLst>
-      <p:par>
-        <p:cTn id="1" dur="indefinite" restart="never" nodeType="tmRoot">
-          <p:childTnLst>
-            <p:seq concurrent="1" nextAc="seek">
-              <p:cTn id="2" dur="indefinite" nodeType="mainSeq">
-                <p:childTnLst>
-                  <p:par>
-                    <p:cTn id="3" fill="hold">
-                      <p:stCondLst>
-                        <p:cond delay="indefinite"/>
-                      </p:stCondLst>
-                      <p:childTnLst>
-                        <p:par>
-                          <p:cTn id="4" fill="hold">
-                            <p:stCondLst>
-                              <p:cond delay="0"/>
-                            </p:stCondLst>
-                            <p:childTnLst>
-                              <p:par>
-                                <p:cTn id="5" presetID="1" presetClass="entr" presetSubtype="0" fill="hold" nodeType="clickEffect">
-                                  <p:stCondLst>
-                                    <p:cond delay="0"/>
-                                  </p:stCondLst>
-                                  <p:childTnLst>
-                                    <p:set>
-                                      <p:cBhvr>
-                                        <p:cTn id="6" dur="1" fill="hold">
-                                          <p:stCondLst>
-                                            <p:cond delay="0"/>
-                                          </p:stCondLst>
-                                        </p:cTn>
-                                        <p:tgtEl>
-                                          <p:spTgt spid="10"/>
-                                        </p:tgtEl>
-                                        <p:attrNameLst>
-                                          <p:attrName>style.visibility</p:attrName>
-                                        </p:attrNameLst>
-                                      </p:cBhvr>
-                                      <p:to>
-                                        <p:strVal val="visible"/>
-                                      </p:to>
-                                    </p:set>
-                                  </p:childTnLst>
-                                </p:cTn>
-                              </p:par>
-                            </p:childTnLst>
-                          </p:cTn>
-                        </p:par>
-                      </p:childTnLst>
-                    </p:cTn>
-                  </p:par>
-                  <p:par>
-                    <p:cTn id="7" fill="hold">
-                      <p:stCondLst>
-                        <p:cond delay="indefinite"/>
-                      </p:stCondLst>
-                      <p:childTnLst>
-                        <p:par>
-                          <p:cTn id="8" fill="hold">
-                            <p:stCondLst>
-                              <p:cond delay="0"/>
-                            </p:stCondLst>
-                            <p:childTnLst>
-                              <p:par>
-                                <p:cTn id="9" presetID="1" presetClass="entr" presetSubtype="0" fill="hold" nodeType="clickEffect">
-                                  <p:stCondLst>
-                                    <p:cond delay="0"/>
-                                  </p:stCondLst>
-                                  <p:childTnLst>
-                                    <p:set>
-                                      <p:cBhvr>
-                                        <p:cTn id="10" dur="1" fill="hold">
-                                          <p:stCondLst>
-                                            <p:cond delay="0"/>
-                                          </p:stCondLst>
-                                        </p:cTn>
-                                        <p:tgtEl>
-                                          <p:spTgt spid="16"/>
-                                        </p:tgtEl>
-                                        <p:attrNameLst>
-                                          <p:attrName>style.visibility</p:attrName>
-                                        </p:attrNameLst>
-                                      </p:cBhvr>
-                                      <p:to>
-                                        <p:strVal val="visible"/>
-                                      </p:to>
-                                    </p:set>
-                                  </p:childTnLst>
-                                </p:cTn>
-                              </p:par>
-                            </p:childTnLst>
-                          </p:cTn>
-                        </p:par>
-                      </p:childTnLst>
-                    </p:cTn>
-                  </p:par>
-                  <p:par>
-                    <p:cTn id="11" fill="hold">
-                      <p:stCondLst>
-                        <p:cond delay="indefinite"/>
-                      </p:stCondLst>
-                      <p:childTnLst>
-                        <p:par>
-                          <p:cTn id="12" fill="hold">
-                            <p:stCondLst>
-                              <p:cond delay="0"/>
-                            </p:stCondLst>
-                            <p:childTnLst>
-                              <p:par>
-                                <p:cTn id="13" presetID="1" presetClass="entr" presetSubtype="0" fill="hold" nodeType="clickEffect">
-                                  <p:stCondLst>
-                                    <p:cond delay="0"/>
-                                  </p:stCondLst>
-                                  <p:childTnLst>
-                                    <p:set>
-                                      <p:cBhvr>
-                                        <p:cTn id="14" dur="1" fill="hold">
-                                          <p:stCondLst>
-                                            <p:cond delay="0"/>
-                                          </p:stCondLst>
-                                        </p:cTn>
-                                        <p:tgtEl>
-                                          <p:spTgt spid="14"/>
-                                        </p:tgtEl>
-                                        <p:attrNameLst>
-                                          <p:attrName>style.visibility</p:attrName>
-                                        </p:attrNameLst>
-                                      </p:cBhvr>
-                                      <p:to>
-                                        <p:strVal val="visible"/>
-                                      </p:to>
-                                    </p:set>
-                                  </p:childTnLst>
-                                </p:cTn>
-                              </p:par>
-                              <p:par>
-                                <p:cTn id="15" presetID="1" presetClass="entr" presetSubtype="0" fill="hold" nodeType="withEffect">
-                                  <p:stCondLst>
-                                    <p:cond delay="0"/>
-                                  </p:stCondLst>
-                                  <p:childTnLst>
-                                    <p:set>
-                                      <p:cBhvr>
-                                        <p:cTn id="16" dur="1" fill="hold">
-                                          <p:stCondLst>
-                                            <p:cond delay="0"/>
-                                          </p:stCondLst>
-                                        </p:cTn>
-                                        <p:tgtEl>
-                                          <p:spTgt spid="9"/>
-                                        </p:tgtEl>
-                                        <p:attrNameLst>
-                                          <p:attrName>style.visibility</p:attrName>
-                                        </p:attrNameLst>
-                                      </p:cBhvr>
-                                      <p:to>
-                                        <p:strVal val="visible"/>
-                                      </p:to>
-                                    </p:set>
-                                  </p:childTnLst>
-                                </p:cTn>
-                              </p:par>
-                              <p:par>
-                                <p:cTn id="17" presetID="1" presetClass="entr" presetSubtype="0" fill="hold" nodeType="withEffect">
-                                  <p:stCondLst>
-                                    <p:cond delay="0"/>
-                                  </p:stCondLst>
-                                  <p:childTnLst>
-                                    <p:set>
-                                      <p:cBhvr>
-                                        <p:cTn id="18" dur="1" fill="hold">
-                                          <p:stCondLst>
-                                            <p:cond delay="0"/>
-                                          </p:stCondLst>
-                                        </p:cTn>
-                                        <p:tgtEl>
-                                          <p:spTgt spid="11"/>
-                                        </p:tgtEl>
-                                        <p:attrNameLst>
-                                          <p:attrName>style.visibility</p:attrName>
-                                        </p:attrNameLst>
-                                      </p:cBhvr>
-                                      <p:to>
-                                        <p:strVal val="visible"/>
-                                      </p:to>
-                                    </p:set>
-                                  </p:childTnLst>
-                                </p:cTn>
-                              </p:par>
-                              <p:par>
-                                <p:cTn id="19" presetID="1" presetClass="entr" presetSubtype="0" fill="hold" nodeType="withEffect">
-                                  <p:stCondLst>
-                                    <p:cond delay="0"/>
-                                  </p:stCondLst>
-                                  <p:childTnLst>
-                                    <p:set>
-                                      <p:cBhvr>
-                                        <p:cTn id="20" dur="1" fill="hold">
-                                          <p:stCondLst>
-                                            <p:cond delay="0"/>
-                                          </p:stCondLst>
-                                        </p:cTn>
-                                        <p:tgtEl>
-                                          <p:spTgt spid="17"/>
-                                        </p:tgtEl>
-                                        <p:attrNameLst>
-                                          <p:attrName>style.visibility</p:attrName>
-                                        </p:attrNameLst>
-                                      </p:cBhvr>
-                                      <p:to>
-                                        <p:strVal val="visible"/>
-                                      </p:to>
-                                    </p:set>
-                                  </p:childTnLst>
-                                </p:cTn>
-                              </p:par>
-                              <p:par>
-                                <p:cTn id="21" presetID="1" presetClass="entr" presetSubtype="0" fill="hold" nodeType="withEffect">
-                                  <p:stCondLst>
-                                    <p:cond delay="0"/>
-                                  </p:stCondLst>
-                                  <p:childTnLst>
-                                    <p:set>
-                                      <p:cBhvr>
-                                        <p:cTn id="22" dur="1" fill="hold">
-                                          <p:stCondLst>
-                                            <p:cond delay="0"/>
-                                          </p:stCondLst>
-                                        </p:cTn>
-                                        <p:tgtEl>
-                                          <p:spTgt spid="15"/>
-                                        </p:tgtEl>
-                                        <p:attrNameLst>
-                                          <p:attrName>style.visibility</p:attrName>
-                                        </p:attrNameLst>
-                                      </p:cBhvr>
-                                      <p:to>
-                                        <p:strVal val="visible"/>
-                                      </p:to>
-                                    </p:set>
-                                  </p:childTnLst>
-                                </p:cTn>
-                              </p:par>
-                              <p:par>
-                                <p:cTn id="23" presetID="1" presetClass="entr" presetSubtype="0" fill="hold" nodeType="withEffect">
-                                  <p:stCondLst>
-                                    <p:cond delay="0"/>
-                                  </p:stCondLst>
-                                  <p:childTnLst>
-                                    <p:set>
-                                      <p:cBhvr>
-                                        <p:cTn id="24" dur="1" fill="hold">
-                                          <p:stCondLst>
-                                            <p:cond delay="0"/>
-                                          </p:stCondLst>
-                                        </p:cTn>
-                                        <p:tgtEl>
-                                          <p:spTgt spid="13"/>
-                                        </p:tgtEl>
-                                        <p:attrNameLst>
-                                          <p:attrName>style.visibility</p:attrName>
-                                        </p:attrNameLst>
-                                      </p:cBhvr>
-                                      <p:to>
-                                        <p:strVal val="visible"/>
-                                      </p:to>
-                                    </p:set>
-                                  </p:childTnLst>
-                                </p:cTn>
-                              </p:par>
-                            </p:childTnLst>
-                          </p:cTn>
-                        </p:par>
-                      </p:childTnLst>
-                    </p:cTn>
-                  </p:par>
-                </p:childTnLst>
-              </p:cTn>
-              <p:prevCondLst>
-                <p:cond evt="onPrev" delay="0">
-                  <p:tgtEl>
-                    <p:sldTgt/>
-                  </p:tgtEl>
-                </p:cond>
-              </p:prevCondLst>
-              <p:nextCondLst>
-                <p:cond evt="onNext" delay="0">
-                  <p:tgtEl>
-                    <p:sldTgt/>
-                  </p:tgtEl>
-                </p:cond>
-              </p:nextCondLst>
-            </p:seq>
-          </p:childTnLst>
-        </p:cTn>
-      </p:par>
-    </p:tnLst>
-  </p:timing>
-</p:sld>
-</file>
-
-<file path=ppt/slides/slide30.xml><?xml version="1.0" encoding="utf-8"?>
+<file path=ppt/slides/slide32.xml><?xml version="1.0" encoding="utf-8"?>
 <p:sld xmlns:a="http://schemas.openxmlformats.org/drawingml/2006/main" xmlns:r="http://schemas.openxmlformats.org/officeDocument/2006/relationships" xmlns:p="http://schemas.openxmlformats.org/presentationml/2006/main">
   <p:cSld>
     <p:spTree>
@@ -19400,7 +22318,7 @@
           <a:p>
             <a:fld id="{07EBFD83-9EC0-4EA4-B541-6D3CD8FCBB6C}" type="slidenum">
               <a:rPr lang="en-US" smtClean="0"/>
-              <a:t>30</a:t>
+              <a:t>32</a:t>
             </a:fld>
             <a:endParaRPr lang="en-US"/>
           </a:p>
@@ -19426,7 +22344,7 @@
 </p:sld>
 </file>
 
-<file path=ppt/slides/slide31.xml><?xml version="1.0" encoding="utf-8"?>
+<file path=ppt/slides/slide33.xml><?xml version="1.0" encoding="utf-8"?>
 <p:sld xmlns:a="http://schemas.openxmlformats.org/drawingml/2006/main" xmlns:r="http://schemas.openxmlformats.org/officeDocument/2006/relationships" xmlns:p="http://schemas.openxmlformats.org/presentationml/2006/main">
   <p:cSld>
     <p:spTree>
@@ -19647,7 +22565,7 @@
           <a:p>
             <a:fld id="{07EBFD83-9EC0-4EA4-B541-6D3CD8FCBB6C}" type="slidenum">
               <a:rPr lang="en-US" smtClean="0"/>
-              <a:t>31</a:t>
+              <a:t>33</a:t>
             </a:fld>
             <a:endParaRPr lang="en-US"/>
           </a:p>
@@ -19673,7 +22591,7 @@
 </p:sld>
 </file>
 
-<file path=ppt/slides/slide32.xml><?xml version="1.0" encoding="utf-8"?>
+<file path=ppt/slides/slide34.xml><?xml version="1.0" encoding="utf-8"?>
 <p:sld xmlns:a="http://schemas.openxmlformats.org/drawingml/2006/main" xmlns:r="http://schemas.openxmlformats.org/officeDocument/2006/relationships" xmlns:p="http://schemas.openxmlformats.org/presentationml/2006/main">
   <p:cSld>
     <p:spTree>
@@ -19925,7 +22843,7 @@
           <a:p>
             <a:fld id="{07EBFD83-9EC0-4EA4-B541-6D3CD8FCBB6C}" type="slidenum">
               <a:rPr lang="en-US" smtClean="0"/>
-              <a:t>32</a:t>
+              <a:t>34</a:t>
             </a:fld>
             <a:endParaRPr lang="en-US"/>
           </a:p>
@@ -20068,7 +22986,7 @@
 </p:sld>
 </file>
 
-<file path=ppt/slides/slide33.xml><?xml version="1.0" encoding="utf-8"?>
+<file path=ppt/slides/slide35.xml><?xml version="1.0" encoding="utf-8"?>
 <p:sld xmlns:a="http://schemas.openxmlformats.org/drawingml/2006/main" xmlns:r="http://schemas.openxmlformats.org/officeDocument/2006/relationships" xmlns:p="http://schemas.openxmlformats.org/presentationml/2006/main">
   <p:cSld>
     <p:spTree>
@@ -20973,7 +23891,7 @@
           <a:p>
             <a:fld id="{07EBFD83-9EC0-4EA4-B541-6D3CD8FCBB6C}" type="slidenum">
               <a:rPr lang="en-US" smtClean="0"/>
-              <a:t>33</a:t>
+              <a:t>35</a:t>
             </a:fld>
             <a:endParaRPr lang="en-US"/>
           </a:p>
@@ -21327,7 +24245,7 @@
 </p:sld>
 </file>
 
-<file path=ppt/slides/slide34.xml><?xml version="1.0" encoding="utf-8"?>
+<file path=ppt/slides/slide36.xml><?xml version="1.0" encoding="utf-8"?>
 <p:sld xmlns:a="http://schemas.openxmlformats.org/drawingml/2006/main" xmlns:r="http://schemas.openxmlformats.org/officeDocument/2006/relationships" xmlns:p="http://schemas.openxmlformats.org/presentationml/2006/main">
   <p:cSld>
     <p:spTree>
@@ -21367,8 +24285,8 @@
           </a:p>
         </p:txBody>
       </p:sp>
-      <mc:AlternateContent xmlns:mc="http://schemas.openxmlformats.org/markup-compatibility/2006" xmlns:a14="http://schemas.microsoft.com/office/drawing/2010/main">
-        <mc:Choice Requires="a14">
+      <mc:AlternateContent xmlns:mc="http://schemas.openxmlformats.org/markup-compatibility/2006">
+        <mc:Choice xmlns:a14="http://schemas.microsoft.com/office/drawing/2010/main" Requires="a14">
           <p:sp>
             <p:nvSpPr>
               <p:cNvPr id="3" name="Content Placeholder 2"/>
@@ -21417,12 +24335,31 @@
                       </a:rPr>
                       <m:t>←</m:t>
                     </m:r>
-                    <m:r>
-                      <a:rPr lang="en-US" b="0" i="1" smtClean="0">
-                        <a:latin typeface="Cambria Math" panose="02040503050406030204" pitchFamily="18" charset="0"/>
-                      </a:rPr>
-                      <m:t>𝐴</m:t>
-                    </m:r>
+                    <m:sSup>
+                      <m:sSupPr>
+                        <m:ctrlPr>
+                          <a:rPr lang="en-US" b="0" i="1" smtClean="0">
+                            <a:latin typeface="Cambria Math" panose="02040503050406030204" pitchFamily="18" charset="0"/>
+                          </a:rPr>
+                        </m:ctrlPr>
+                      </m:sSupPr>
+                      <m:e>
+                        <m:r>
+                          <a:rPr lang="en-US" b="0" i="1" smtClean="0">
+                            <a:latin typeface="Cambria Math" panose="02040503050406030204" pitchFamily="18" charset="0"/>
+                          </a:rPr>
+                          <m:t>𝐴</m:t>
+                        </m:r>
+                      </m:e>
+                      <m:sup>
+                        <m:r>
+                          <a:rPr lang="en-US" b="0" i="1" smtClean="0">
+                            <a:latin typeface="Cambria Math" panose="02040503050406030204" pitchFamily="18" charset="0"/>
+                          </a:rPr>
+                          <m:t>𝑇</m:t>
+                        </m:r>
+                      </m:sup>
+                    </m:sSup>
                     <m:acc>
                       <m:accPr>
                         <m:chr m:val="⃗"/>
@@ -21479,31 +24416,12 @@
                       </a:rPr>
                       <m:t>←</m:t>
                     </m:r>
-                    <m:sSup>
-                      <m:sSupPr>
-                        <m:ctrlPr>
-                          <a:rPr lang="en-US" b="0" i="1" smtClean="0">
-                            <a:latin typeface="Cambria Math" panose="02040503050406030204" pitchFamily="18" charset="0"/>
-                          </a:rPr>
-                        </m:ctrlPr>
-                      </m:sSupPr>
-                      <m:e>
-                        <m:r>
-                          <a:rPr lang="en-US" b="0" i="1" smtClean="0">
-                            <a:latin typeface="Cambria Math" panose="02040503050406030204" pitchFamily="18" charset="0"/>
-                          </a:rPr>
-                          <m:t>𝐴</m:t>
-                        </m:r>
-                      </m:e>
-                      <m:sup>
-                        <m:r>
-                          <a:rPr lang="en-US" b="0" i="1" smtClean="0">
-                            <a:latin typeface="Cambria Math" panose="02040503050406030204" pitchFamily="18" charset="0"/>
-                          </a:rPr>
-                          <m:t>𝑇</m:t>
-                        </m:r>
-                      </m:sup>
-                    </m:sSup>
+                    <m:r>
+                      <a:rPr lang="en-US" b="0" i="1" smtClean="0">
+                        <a:latin typeface="Cambria Math" panose="02040503050406030204" pitchFamily="18" charset="0"/>
+                      </a:rPr>
+                      <m:t>𝐴</m:t>
+                    </m:r>
                     <m:acc>
                       <m:accPr>
                         <m:chr m:val="⃗"/>
@@ -21558,16 +24476,10 @@
                       </a:rPr>
                       <m:t>←</m:t>
                     </m:r>
-                    <m:r>
-                      <a:rPr lang="en-US" i="1">
-                        <a:latin typeface="Cambria Math" panose="02040503050406030204" pitchFamily="18" charset="0"/>
-                      </a:rPr>
-                      <m:t>𝐴</m:t>
-                    </m:r>
                     <m:sSup>
                       <m:sSupPr>
                         <m:ctrlPr>
-                          <a:rPr lang="en-US" i="1">
+                          <a:rPr lang="en-US" b="0" i="1" smtClean="0">
                             <a:latin typeface="Cambria Math" panose="02040503050406030204" pitchFamily="18" charset="0"/>
                           </a:rPr>
                         </m:ctrlPr>
@@ -21582,13 +24494,19 @@
                       </m:e>
                       <m:sup>
                         <m:r>
-                          <a:rPr lang="en-US" i="1">
+                          <a:rPr lang="en-US" b="0" i="1" smtClean="0">
                             <a:latin typeface="Cambria Math" panose="02040503050406030204" pitchFamily="18" charset="0"/>
                           </a:rPr>
                           <m:t>𝑇</m:t>
                         </m:r>
                       </m:sup>
                     </m:sSup>
+                    <m:r>
+                      <a:rPr lang="en-US" b="0" i="1" smtClean="0">
+                        <a:latin typeface="Cambria Math" panose="02040503050406030204" pitchFamily="18" charset="0"/>
+                      </a:rPr>
+                      <m:t>𝐴</m:t>
+                    </m:r>
                     <m:acc>
                       <m:accPr>
                         <m:chr m:val="⃗"/>
@@ -21645,17 +24563,23 @@
                       </a:rPr>
                       <m:t>←</m:t>
                     </m:r>
+                    <m:r>
+                      <a:rPr lang="en-US" b="0" i="1" smtClean="0">
+                        <a:latin typeface="Cambria Math" panose="02040503050406030204" pitchFamily="18" charset="0"/>
+                      </a:rPr>
+                      <m:t>𝐴</m:t>
+                    </m:r>
                     <m:sSup>
                       <m:sSupPr>
                         <m:ctrlPr>
-                          <a:rPr lang="en-US" i="1">
+                          <a:rPr lang="en-US" b="0" i="1" smtClean="0">
                             <a:latin typeface="Cambria Math" panose="02040503050406030204" pitchFamily="18" charset="0"/>
                           </a:rPr>
                         </m:ctrlPr>
                       </m:sSupPr>
                       <m:e>
                         <m:r>
-                          <a:rPr lang="en-US" i="1">
+                          <a:rPr lang="en-US" b="0" i="1" smtClean="0">
                             <a:latin typeface="Cambria Math" panose="02040503050406030204" pitchFamily="18" charset="0"/>
                           </a:rPr>
                           <m:t>𝐴</m:t>
@@ -21663,19 +24587,13 @@
                       </m:e>
                       <m:sup>
                         <m:r>
-                          <a:rPr lang="en-US" i="1">
+                          <a:rPr lang="en-US" b="0" i="1" smtClean="0">
                             <a:latin typeface="Cambria Math" panose="02040503050406030204" pitchFamily="18" charset="0"/>
                           </a:rPr>
                           <m:t>𝑇</m:t>
                         </m:r>
                       </m:sup>
                     </m:sSup>
-                    <m:r>
-                      <a:rPr lang="en-US" b="0" i="1" smtClean="0">
-                        <a:latin typeface="Cambria Math" panose="02040503050406030204" pitchFamily="18" charset="0"/>
-                      </a:rPr>
-                      <m:t>𝐴</m:t>
-                    </m:r>
                     <m:acc>
                       <m:accPr>
                         <m:chr m:val="⃗"/>
@@ -21716,7 +24634,7 @@
             </p:txBody>
           </p:sp>
         </mc:Choice>
-        <mc:Fallback xmlns="">
+        <mc:Fallback>
           <p:sp>
             <p:nvSpPr>
               <p:cNvPr id="3" name="Content Placeholder 2"/>
@@ -21750,8 +24668,8 @@
           </p:sp>
         </mc:Fallback>
       </mc:AlternateContent>
-      <mc:AlternateContent xmlns:mc="http://schemas.openxmlformats.org/markup-compatibility/2006" xmlns:a14="http://schemas.microsoft.com/office/drawing/2010/main">
-        <mc:Choice Requires="a14">
+      <mc:AlternateContent xmlns:mc="http://schemas.openxmlformats.org/markup-compatibility/2006">
+        <mc:Choice xmlns:a14="http://schemas.microsoft.com/office/drawing/2010/main" Requires="a14">
           <p:sp>
             <p:nvSpPr>
               <p:cNvPr id="9" name="Rectangle 8"/>
@@ -21760,7 +24678,7 @@
             </p:nvSpPr>
             <p:spPr>
               <a:xfrm>
-                <a:off x="3345350" y="3842076"/>
+                <a:off x="3388499" y="4931732"/>
                 <a:ext cx="2220993" cy="974562"/>
               </a:xfrm>
               <a:prstGeom prst="rect">
@@ -21791,7 +24709,201 @@
                         </m:accPr>
                         <m:e>
                           <m:r>
+                            <a:rPr lang="en-US" sz="2800" b="0" i="1" smtClean="0">
+                              <a:latin typeface="Cambria Math" panose="02040503050406030204" pitchFamily="18" charset="0"/>
+                            </a:rPr>
+                            <m:t>h</m:t>
+                          </m:r>
+                        </m:e>
+                      </m:acc>
+                      <m:r>
+                        <a:rPr lang="en-US" sz="2800" b="0" i="1" smtClean="0">
+                          <a:latin typeface="Cambria Math" panose="02040503050406030204" pitchFamily="18" charset="0"/>
+                        </a:rPr>
+                        <m:t>=</m:t>
+                      </m:r>
+                      <m:f>
+                        <m:fPr>
+                          <m:ctrlPr>
+                            <a:rPr lang="en-US" sz="2800" b="0" i="1" smtClean="0">
+                              <a:latin typeface="Cambria Math" panose="02040503050406030204" pitchFamily="18" charset="0"/>
+                            </a:rPr>
+                          </m:ctrlPr>
+                        </m:fPr>
+                        <m:num>
+                          <m:r>
+                            <a:rPr lang="en-US" sz="2800" b="0" i="1" smtClean="0">
+                              <a:latin typeface="Cambria Math" panose="02040503050406030204" pitchFamily="18" charset="0"/>
+                            </a:rPr>
+                            <m:t>1</m:t>
+                          </m:r>
+                        </m:num>
+                        <m:den>
+                          <m:sSub>
+                            <m:sSubPr>
+                              <m:ctrlPr>
+                                <a:rPr lang="en-US" sz="2800" b="0" i="1" smtClean="0">
+                                  <a:latin typeface="Cambria Math" panose="02040503050406030204" pitchFamily="18" charset="0"/>
+                                </a:rPr>
+                              </m:ctrlPr>
+                            </m:sSubPr>
+                            <m:e>
+                              <m:r>
+                                <a:rPr lang="en-US" sz="2800" b="0" i="1" smtClean="0">
+                                  <a:latin typeface="Cambria Math" panose="02040503050406030204" pitchFamily="18" charset="0"/>
+                                </a:rPr>
+                                <m:t>𝜆</m:t>
+                              </m:r>
+                            </m:e>
+                            <m:sub>
+                              <m:r>
+                                <a:rPr lang="en-US" sz="2800" b="0" i="1" smtClean="0">
+                                  <a:latin typeface="Cambria Math" panose="02040503050406030204" pitchFamily="18" charset="0"/>
+                                </a:rPr>
+                                <m:t>h</m:t>
+                              </m:r>
+                            </m:sub>
+                          </m:sSub>
+                        </m:den>
+                      </m:f>
+                      <m:r>
+                        <a:rPr lang="en-US" sz="2800" i="1">
+                          <a:latin typeface="Cambria Math" panose="02040503050406030204" pitchFamily="18" charset="0"/>
+                        </a:rPr>
+                        <m:t>𝐴</m:t>
+                      </m:r>
+                      <m:sSup>
+                        <m:sSupPr>
+                          <m:ctrlPr>
                             <a:rPr lang="en-US" sz="2800" i="1">
+                              <a:latin typeface="Cambria Math" panose="02040503050406030204" pitchFamily="18" charset="0"/>
+                            </a:rPr>
+                          </m:ctrlPr>
+                        </m:sSupPr>
+                        <m:e>
+                          <m:r>
+                            <a:rPr lang="en-US" sz="2800" i="1">
+                              <a:latin typeface="Cambria Math" panose="02040503050406030204" pitchFamily="18" charset="0"/>
+                            </a:rPr>
+                            <m:t>𝐴</m:t>
+                          </m:r>
+                        </m:e>
+                        <m:sup>
+                          <m:r>
+                            <a:rPr lang="en-US" sz="2800" i="1">
+                              <a:latin typeface="Cambria Math" panose="02040503050406030204" pitchFamily="18" charset="0"/>
+                            </a:rPr>
+                            <m:t>𝑇</m:t>
+                          </m:r>
+                        </m:sup>
+                      </m:sSup>
+                      <m:acc>
+                        <m:accPr>
+                          <m:chr m:val="⃗"/>
+                          <m:ctrlPr>
+                            <a:rPr lang="en-US" sz="2800" i="1">
+                              <a:latin typeface="Cambria Math" panose="02040503050406030204" pitchFamily="18" charset="0"/>
+                            </a:rPr>
+                          </m:ctrlPr>
+                        </m:accPr>
+                        <m:e>
+                          <m:r>
+                            <a:rPr lang="en-US" sz="2800" b="0" i="1" smtClean="0">
+                              <a:latin typeface="Cambria Math" panose="02040503050406030204" pitchFamily="18" charset="0"/>
+                            </a:rPr>
+                            <m:t>h</m:t>
+                          </m:r>
+                        </m:e>
+                      </m:acc>
+                    </m:oMath>
+                  </m:oMathPara>
+                </a14:m>
+                <a:endParaRPr lang="en-US" sz="2800" dirty="0"/>
+              </a:p>
+            </p:txBody>
+          </p:sp>
+        </mc:Choice>
+        <mc:Fallback>
+          <p:sp>
+            <p:nvSpPr>
+              <p:cNvPr id="9" name="Rectangle 8"/>
+              <p:cNvSpPr>
+                <a:spLocks noRot="1" noChangeAspect="1" noMove="1" noResize="1" noEditPoints="1" noAdjustHandles="1" noChangeArrowheads="1" noChangeShapeType="1" noTextEdit="1"/>
+              </p:cNvSpPr>
+              <p:nvPr/>
+            </p:nvSpPr>
+            <p:spPr>
+              <a:xfrm>
+                <a:off x="3388499" y="4931732"/>
+                <a:ext cx="2220993" cy="974562"/>
+              </a:xfrm>
+              <a:prstGeom prst="rect">
+                <a:avLst/>
+              </a:prstGeom>
+              <a:blipFill rotWithShape="0">
+                <a:blip r:embed="rId3"/>
+                <a:stretch>
+                  <a:fillRect/>
+                </a:stretch>
+              </a:blipFill>
+            </p:spPr>
+            <p:txBody>
+              <a:bodyPr/>
+              <a:lstStyle/>
+              <a:p>
+                <a:r>
+                  <a:rPr lang="en-US">
+                    <a:noFill/>
+                  </a:rPr>
+                  <a:t> </a:t>
+                </a:r>
+              </a:p>
+            </p:txBody>
+          </p:sp>
+        </mc:Fallback>
+      </mc:AlternateContent>
+      <mc:AlternateContent xmlns:mc="http://schemas.openxmlformats.org/markup-compatibility/2006">
+        <mc:Choice xmlns:a14="http://schemas.microsoft.com/office/drawing/2010/main" Requires="a14">
+          <p:sp>
+            <p:nvSpPr>
+              <p:cNvPr id="10" name="Rectangle 9"/>
+              <p:cNvSpPr/>
+              <p:nvPr/>
+            </p:nvSpPr>
+            <p:spPr>
+              <a:xfrm>
+                <a:off x="2935042" y="3957170"/>
+                <a:ext cx="2674450" cy="974562"/>
+              </a:xfrm>
+              <a:prstGeom prst="rect">
+                <a:avLst/>
+              </a:prstGeom>
+            </p:spPr>
+            <p:txBody>
+              <a:bodyPr wrap="none">
+                <a:spAutoFit/>
+              </a:bodyPr>
+              <a:lstStyle/>
+              <a:p>
+                <a:pPr lvl="1"/>
+                <a14:m>
+                  <m:oMathPara xmlns:m="http://schemas.openxmlformats.org/officeDocument/2006/math">
+                    <m:oMathParaPr>
+                      <m:jc m:val="centerGroup"/>
+                    </m:oMathParaPr>
+                    <m:oMath xmlns:m="http://schemas.openxmlformats.org/officeDocument/2006/math">
+                      <m:acc>
+                        <m:accPr>
+                          <m:chr m:val="⃗"/>
+                          <m:ctrlPr>
+                            <a:rPr lang="en-US" sz="2800" i="1" smtClean="0">
+                              <a:latin typeface="Cambria Math" panose="02040503050406030204" pitchFamily="18" charset="0"/>
+                            </a:rPr>
+                          </m:ctrlPr>
+                        </m:accPr>
+                        <m:e>
+                          <m:r>
+                            <a:rPr lang="en-US" sz="2800" b="0" i="1" smtClean="0">
                               <a:latin typeface="Cambria Math" panose="02040503050406030204" pitchFamily="18" charset="0"/>
                             </a:rPr>
                             <m:t>𝑎</m:t>
@@ -21848,200 +24960,6 @@
                           </m:sSub>
                         </m:den>
                       </m:f>
-                      <m:r>
-                        <a:rPr lang="en-US" sz="2800" i="1">
-                          <a:latin typeface="Cambria Math" panose="02040503050406030204" pitchFamily="18" charset="0"/>
-                        </a:rPr>
-                        <m:t>𝐴</m:t>
-                      </m:r>
-                      <m:sSup>
-                        <m:sSupPr>
-                          <m:ctrlPr>
-                            <a:rPr lang="en-US" sz="2800" i="1">
-                              <a:latin typeface="Cambria Math" panose="02040503050406030204" pitchFamily="18" charset="0"/>
-                            </a:rPr>
-                          </m:ctrlPr>
-                        </m:sSupPr>
-                        <m:e>
-                          <m:r>
-                            <a:rPr lang="en-US" sz="2800" i="1">
-                              <a:latin typeface="Cambria Math" panose="02040503050406030204" pitchFamily="18" charset="0"/>
-                            </a:rPr>
-                            <m:t>𝐴</m:t>
-                          </m:r>
-                        </m:e>
-                        <m:sup>
-                          <m:r>
-                            <a:rPr lang="en-US" sz="2800" i="1">
-                              <a:latin typeface="Cambria Math" panose="02040503050406030204" pitchFamily="18" charset="0"/>
-                            </a:rPr>
-                            <m:t>𝑇</m:t>
-                          </m:r>
-                        </m:sup>
-                      </m:sSup>
-                      <m:acc>
-                        <m:accPr>
-                          <m:chr m:val="⃗"/>
-                          <m:ctrlPr>
-                            <a:rPr lang="en-US" sz="2800" i="1">
-                              <a:latin typeface="Cambria Math" panose="02040503050406030204" pitchFamily="18" charset="0"/>
-                            </a:rPr>
-                          </m:ctrlPr>
-                        </m:accPr>
-                        <m:e>
-                          <m:r>
-                            <a:rPr lang="en-US" sz="2800" i="1">
-                              <a:latin typeface="Cambria Math" panose="02040503050406030204" pitchFamily="18" charset="0"/>
-                            </a:rPr>
-                            <m:t>𝑎</m:t>
-                          </m:r>
-                        </m:e>
-                      </m:acc>
-                    </m:oMath>
-                  </m:oMathPara>
-                </a14:m>
-                <a:endParaRPr lang="en-US" sz="2800" dirty="0"/>
-              </a:p>
-            </p:txBody>
-          </p:sp>
-        </mc:Choice>
-        <mc:Fallback xmlns="">
-          <p:sp>
-            <p:nvSpPr>
-              <p:cNvPr id="9" name="Rectangle 8"/>
-              <p:cNvSpPr>
-                <a:spLocks noRot="1" noChangeAspect="1" noMove="1" noResize="1" noEditPoints="1" noAdjustHandles="1" noChangeArrowheads="1" noChangeShapeType="1" noTextEdit="1"/>
-              </p:cNvSpPr>
-              <p:nvPr/>
-            </p:nvSpPr>
-            <p:spPr>
-              <a:xfrm>
-                <a:off x="3345350" y="3842076"/>
-                <a:ext cx="2220993" cy="974562"/>
-              </a:xfrm>
-              <a:prstGeom prst="rect">
-                <a:avLst/>
-              </a:prstGeom>
-              <a:blipFill rotWithShape="0">
-                <a:blip r:embed="rId3"/>
-                <a:stretch>
-                  <a:fillRect/>
-                </a:stretch>
-              </a:blipFill>
-            </p:spPr>
-            <p:txBody>
-              <a:bodyPr/>
-              <a:lstStyle/>
-              <a:p>
-                <a:r>
-                  <a:rPr lang="en-US">
-                    <a:noFill/>
-                  </a:rPr>
-                  <a:t> </a:t>
-                </a:r>
-              </a:p>
-            </p:txBody>
-          </p:sp>
-        </mc:Fallback>
-      </mc:AlternateContent>
-      <mc:AlternateContent xmlns:mc="http://schemas.openxmlformats.org/markup-compatibility/2006" xmlns:a14="http://schemas.microsoft.com/office/drawing/2010/main">
-        <mc:Choice Requires="a14">
-          <p:sp>
-            <p:nvSpPr>
-              <p:cNvPr id="10" name="Rectangle 9"/>
-              <p:cNvSpPr/>
-              <p:nvPr/>
-            </p:nvSpPr>
-            <p:spPr>
-              <a:xfrm>
-                <a:off x="2964350" y="4816638"/>
-                <a:ext cx="2674450" cy="974562"/>
-              </a:xfrm>
-              <a:prstGeom prst="rect">
-                <a:avLst/>
-              </a:prstGeom>
-            </p:spPr>
-            <p:txBody>
-              <a:bodyPr wrap="none">
-                <a:spAutoFit/>
-              </a:bodyPr>
-              <a:lstStyle/>
-              <a:p>
-                <a:pPr lvl="1"/>
-                <a14:m>
-                  <m:oMathPara xmlns:m="http://schemas.openxmlformats.org/officeDocument/2006/math">
-                    <m:oMathParaPr>
-                      <m:jc m:val="centerGroup"/>
-                    </m:oMathParaPr>
-                    <m:oMath xmlns:m="http://schemas.openxmlformats.org/officeDocument/2006/math">
-                      <m:acc>
-                        <m:accPr>
-                          <m:chr m:val="⃗"/>
-                          <m:ctrlPr>
-                            <a:rPr lang="en-US" sz="2800" i="1" smtClean="0">
-                              <a:latin typeface="Cambria Math" panose="02040503050406030204" pitchFamily="18" charset="0"/>
-                            </a:rPr>
-                          </m:ctrlPr>
-                        </m:accPr>
-                        <m:e>
-                          <m:r>
-                            <a:rPr lang="en-US" sz="2800" i="1">
-                              <a:latin typeface="Cambria Math" panose="02040503050406030204" pitchFamily="18" charset="0"/>
-                            </a:rPr>
-                            <m:t>h</m:t>
-                          </m:r>
-                        </m:e>
-                      </m:acc>
-                      <m:r>
-                        <a:rPr lang="en-US" sz="2800" b="0" i="1" smtClean="0">
-                          <a:latin typeface="Cambria Math" panose="02040503050406030204" pitchFamily="18" charset="0"/>
-                        </a:rPr>
-                        <m:t>=</m:t>
-                      </m:r>
-                      <m:f>
-                        <m:fPr>
-                          <m:ctrlPr>
-                            <a:rPr lang="en-US" sz="2800" b="0" i="1" smtClean="0">
-                              <a:latin typeface="Cambria Math" panose="02040503050406030204" pitchFamily="18" charset="0"/>
-                            </a:rPr>
-                          </m:ctrlPr>
-                        </m:fPr>
-                        <m:num>
-                          <m:r>
-                            <a:rPr lang="en-US" sz="2800" b="0" i="1" smtClean="0">
-                              <a:latin typeface="Cambria Math" panose="02040503050406030204" pitchFamily="18" charset="0"/>
-                            </a:rPr>
-                            <m:t>1</m:t>
-                          </m:r>
-                        </m:num>
-                        <m:den>
-                          <m:sSub>
-                            <m:sSubPr>
-                              <m:ctrlPr>
-                                <a:rPr lang="en-US" sz="2800" b="0" i="1" smtClean="0">
-                                  <a:latin typeface="Cambria Math" panose="02040503050406030204" pitchFamily="18" charset="0"/>
-                                </a:rPr>
-                              </m:ctrlPr>
-                            </m:sSubPr>
-                            <m:e>
-                              <m:r>
-                                <a:rPr lang="en-US" sz="2800" b="0" i="1" smtClean="0">
-                                  <a:latin typeface="Cambria Math" panose="02040503050406030204" pitchFamily="18" charset="0"/>
-                                </a:rPr>
-                                <m:t>𝜆</m:t>
-                              </m:r>
-                            </m:e>
-                            <m:sub>
-                              <m:r>
-                                <a:rPr lang="en-US" sz="2800" b="0" i="1" smtClean="0">
-                                  <a:latin typeface="Cambria Math" panose="02040503050406030204" pitchFamily="18" charset="0"/>
-                                </a:rPr>
-                                <m:t>h</m:t>
-                              </m:r>
-                            </m:sub>
-                          </m:sSub>
-                        </m:den>
-                      </m:f>
                       <m:sSup>
                         <m:sSupPr>
                           <m:ctrlPr>
@@ -22084,10 +25002,10 @@
                         </m:accPr>
                         <m:e>
                           <m:r>
-                            <a:rPr lang="en-US" sz="2800" i="1">
+                            <a:rPr lang="en-US" sz="2800" b="0" i="1" smtClean="0">
                               <a:latin typeface="Cambria Math" panose="02040503050406030204" pitchFamily="18" charset="0"/>
                             </a:rPr>
-                            <m:t>h</m:t>
+                            <m:t>𝑎</m:t>
                           </m:r>
                         </m:e>
                       </m:acc>
@@ -22099,7 +25017,7 @@
             </p:txBody>
           </p:sp>
         </mc:Choice>
-        <mc:Fallback xmlns="">
+        <mc:Fallback>
           <p:sp>
             <p:nvSpPr>
               <p:cNvPr id="10" name="Rectangle 9"/>
@@ -22110,7 +25028,7 @@
             </p:nvSpPr>
             <p:spPr>
               <a:xfrm>
-                <a:off x="2964350" y="4816638"/>
+                <a:off x="2935042" y="3957170"/>
                 <a:ext cx="2674450" cy="974562"/>
               </a:xfrm>
               <a:prstGeom prst="rect">
@@ -22231,7 +25149,7 @@
           <a:p>
             <a:fld id="{07EBFD83-9EC0-4EA4-B541-6D3CD8FCBB6C}" type="slidenum">
               <a:rPr lang="en-US" smtClean="0"/>
-              <a:t>34</a:t>
+              <a:t>36</a:t>
             </a:fld>
             <a:endParaRPr lang="en-US"/>
           </a:p>
@@ -22257,7 +25175,7 @@
 </p:sld>
 </file>
 
-<file path=ppt/slides/slide35.xml><?xml version="1.0" encoding="utf-8"?>
+<file path=ppt/slides/slide37.xml><?xml version="1.0" encoding="utf-8"?>
 <p:sld xmlns:a="http://schemas.openxmlformats.org/drawingml/2006/main" xmlns:r="http://schemas.openxmlformats.org/officeDocument/2006/relationships" xmlns:p="http://schemas.openxmlformats.org/presentationml/2006/main">
   <p:cSld>
     <p:spTree>
@@ -22424,7 +25342,7 @@
           <a:p>
             <a:fld id="{07EBFD83-9EC0-4EA4-B541-6D3CD8FCBB6C}" type="slidenum">
               <a:rPr lang="en-US" smtClean="0"/>
-              <a:t>35</a:t>
+              <a:t>37</a:t>
             </a:fld>
             <a:endParaRPr lang="en-US"/>
           </a:p>
@@ -22450,7 +25368,7 @@
 </p:sld>
 </file>
 
-<file path=ppt/slides/slide36.xml><?xml version="1.0" encoding="utf-8"?>
+<file path=ppt/slides/slide38.xml><?xml version="1.0" encoding="utf-8"?>
 <p:sld xmlns:a="http://schemas.openxmlformats.org/drawingml/2006/main" xmlns:r="http://schemas.openxmlformats.org/officeDocument/2006/relationships" xmlns:p="http://schemas.openxmlformats.org/presentationml/2006/main">
   <p:cSld>
     <p:spTree>
@@ -22604,7 +25522,7 @@
           <a:p>
             <a:fld id="{07EBFD83-9EC0-4EA4-B541-6D3CD8FCBB6C}" type="slidenum">
               <a:rPr lang="en-US" smtClean="0"/>
-              <a:t>36</a:t>
+              <a:t>38</a:t>
             </a:fld>
             <a:endParaRPr lang="en-US"/>
           </a:p>
@@ -22630,7 +25548,7 @@
 </p:sld>
 </file>
 
-<file path=ppt/slides/slide37.xml><?xml version="1.0" encoding="utf-8"?>
+<file path=ppt/slides/slide39.xml><?xml version="1.0" encoding="utf-8"?>
 <p:sld xmlns:a="http://schemas.openxmlformats.org/drawingml/2006/main" xmlns:r="http://schemas.openxmlformats.org/officeDocument/2006/relationships" xmlns:p="http://schemas.openxmlformats.org/presentationml/2006/main">
   <p:cSld>
     <p:spTree>
@@ -22893,7 +25811,7 @@
           <a:p>
             <a:fld id="{07EBFD83-9EC0-4EA4-B541-6D3CD8FCBB6C}" type="slidenum">
               <a:rPr lang="en-US" smtClean="0"/>
-              <a:t>37</a:t>
+              <a:t>39</a:t>
             </a:fld>
             <a:endParaRPr lang="en-US"/>
           </a:p>
@@ -23014,7 +25932,7 @@
 </p:sld>
 </file>
 
-<file path=ppt/slides/slide38.xml><?xml version="1.0" encoding="utf-8"?>
+<file path=ppt/slides/slide4.xml><?xml version="1.0" encoding="utf-8"?>
 <p:sld xmlns:a="http://schemas.openxmlformats.org/drawingml/2006/main" xmlns:r="http://schemas.openxmlformats.org/officeDocument/2006/relationships" xmlns:p="http://schemas.openxmlformats.org/presentationml/2006/main">
   <p:cSld>
     <p:spTree>
@@ -23048,6 +25966,467 @@
           <a:p>
             <a:r>
               <a:rPr lang="en-US" dirty="0" smtClean="0"/>
+              <a:t>Structured </a:t>
+            </a:r>
+            <a:r>
+              <a:rPr lang="en-US" dirty="0" err="1" smtClean="0"/>
+              <a:t>v.s</a:t>
+            </a:r>
+            <a:r>
+              <a:rPr lang="en-US" dirty="0" smtClean="0"/>
+              <a:t>. unstructured data</a:t>
+            </a:r>
+            <a:endParaRPr lang="en-US" dirty="0"/>
+          </a:p>
+        </p:txBody>
+      </p:sp>
+      <p:sp>
+        <p:nvSpPr>
+          <p:cNvPr id="3" name="Content Placeholder 2"/>
+          <p:cNvSpPr>
+            <a:spLocks noGrp="1"/>
+          </p:cNvSpPr>
+          <p:nvPr>
+            <p:ph idx="1"/>
+          </p:nvPr>
+        </p:nvSpPr>
+        <p:spPr/>
+        <p:txBody>
+          <a:bodyPr/>
+          <a:lstStyle/>
+          <a:p>
+            <a:r>
+              <a:rPr lang="en-US" dirty="0" smtClean="0"/>
+              <a:t>Our claim before</a:t>
+            </a:r>
+          </a:p>
+          <a:p>
+            <a:pPr lvl="1"/>
+            <a:r>
+              <a:rPr lang="en-US" dirty="0" smtClean="0"/>
+              <a:t>IR </a:t>
+            </a:r>
+            <a:r>
+              <a:rPr lang="en-US" dirty="0" err="1" smtClean="0"/>
+              <a:t>v.s</a:t>
+            </a:r>
+            <a:r>
+              <a:rPr lang="en-US" dirty="0" smtClean="0"/>
+              <a:t>. DB = unstructured data </a:t>
+            </a:r>
+            <a:r>
+              <a:rPr lang="en-US" dirty="0" err="1" smtClean="0"/>
+              <a:t>v.s</a:t>
+            </a:r>
+            <a:r>
+              <a:rPr lang="en-US" dirty="0" smtClean="0"/>
+              <a:t>. structured data</a:t>
+            </a:r>
+          </a:p>
+          <a:p>
+            <a:r>
+              <a:rPr lang="en-US" dirty="0" smtClean="0"/>
+              <a:t>As a result, we have assumed</a:t>
+            </a:r>
+          </a:p>
+          <a:p>
+            <a:pPr lvl="1"/>
+            <a:r>
+              <a:rPr lang="en-US" dirty="0" smtClean="0"/>
+              <a:t>Document = a sequence of words</a:t>
+            </a:r>
+          </a:p>
+          <a:p>
+            <a:pPr lvl="1"/>
+            <a:r>
+              <a:rPr lang="en-US" dirty="0" smtClean="0"/>
+              <a:t>Query = a short document</a:t>
+            </a:r>
+          </a:p>
+          <a:p>
+            <a:pPr lvl="1"/>
+            <a:r>
+              <a:rPr lang="en-US" dirty="0" smtClean="0"/>
+              <a:t>Corpus = a set of documents</a:t>
+            </a:r>
+            <a:endParaRPr lang="en-US" dirty="0"/>
+          </a:p>
+        </p:txBody>
+      </p:sp>
+      <p:sp>
+        <p:nvSpPr>
+          <p:cNvPr id="4" name="TextBox 3"/>
+          <p:cNvSpPr txBox="1"/>
+          <p:nvPr/>
+        </p:nvSpPr>
+        <p:spPr>
+          <a:xfrm>
+            <a:off x="1676400" y="5542681"/>
+            <a:ext cx="5486400" cy="461665"/>
+          </a:xfrm>
+          <a:prstGeom prst="rect">
+            <a:avLst/>
+          </a:prstGeom>
+          <a:noFill/>
+        </p:spPr>
+        <p:txBody>
+          <a:bodyPr wrap="square" rtlCol="0">
+            <a:spAutoFit/>
+          </a:bodyPr>
+          <a:lstStyle/>
+          <a:p>
+            <a:r>
+              <a:rPr lang="en-US" sz="2400" i="1" dirty="0" smtClean="0">
+                <a:solidFill>
+                  <a:srgbClr val="FF0000"/>
+                </a:solidFill>
+              </a:rPr>
+              <a:t>However, this assumption is not accurate…</a:t>
+            </a:r>
+            <a:endParaRPr lang="en-US" sz="2400" i="1" dirty="0">
+              <a:solidFill>
+                <a:srgbClr val="FF0000"/>
+              </a:solidFill>
+            </a:endParaRPr>
+          </a:p>
+        </p:txBody>
+      </p:sp>
+      <p:sp>
+        <p:nvSpPr>
+          <p:cNvPr id="5" name="Date Placeholder 4"/>
+          <p:cNvSpPr>
+            <a:spLocks noGrp="1"/>
+          </p:cNvSpPr>
+          <p:nvPr>
+            <p:ph type="dt" sz="half" idx="10"/>
+          </p:nvPr>
+        </p:nvSpPr>
+        <p:spPr/>
+        <p:txBody>
+          <a:bodyPr/>
+          <a:lstStyle/>
+          <a:p>
+            <a:r>
+              <a:rPr lang="en-US" smtClean="0"/>
+              <a:t>CS@UVa</a:t>
+            </a:r>
+            <a:endParaRPr lang="en-US"/>
+          </a:p>
+        </p:txBody>
+      </p:sp>
+      <p:sp>
+        <p:nvSpPr>
+          <p:cNvPr id="6" name="Footer Placeholder 5"/>
+          <p:cNvSpPr>
+            <a:spLocks noGrp="1"/>
+          </p:cNvSpPr>
+          <p:nvPr>
+            <p:ph type="ftr" sz="quarter" idx="11"/>
+          </p:nvPr>
+        </p:nvSpPr>
+        <p:spPr/>
+        <p:txBody>
+          <a:bodyPr/>
+          <a:lstStyle/>
+          <a:p>
+            <a:r>
+              <a:rPr lang="en-US" smtClean="0"/>
+              <a:t>CS 4501: Information Retrieval</a:t>
+            </a:r>
+            <a:endParaRPr lang="en-US"/>
+          </a:p>
+        </p:txBody>
+      </p:sp>
+      <p:sp>
+        <p:nvSpPr>
+          <p:cNvPr id="7" name="Slide Number Placeholder 6"/>
+          <p:cNvSpPr>
+            <a:spLocks noGrp="1"/>
+          </p:cNvSpPr>
+          <p:nvPr>
+            <p:ph type="sldNum" sz="quarter" idx="12"/>
+          </p:nvPr>
+        </p:nvSpPr>
+        <p:spPr/>
+        <p:txBody>
+          <a:bodyPr/>
+          <a:lstStyle/>
+          <a:p>
+            <a:fld id="{07EBFD83-9EC0-4EA4-B541-6D3CD8FCBB6C}" type="slidenum">
+              <a:rPr lang="en-US" smtClean="0"/>
+              <a:t>4</a:t>
+            </a:fld>
+            <a:endParaRPr lang="en-US"/>
+          </a:p>
+        </p:txBody>
+      </p:sp>
+    </p:spTree>
+    <p:extLst>
+      <p:ext uri="{BB962C8B-B14F-4D97-AF65-F5344CB8AC3E}">
+        <p14:creationId xmlns:p14="http://schemas.microsoft.com/office/powerpoint/2010/main" val="2551428266"/>
+      </p:ext>
+    </p:extLst>
+  </p:cSld>
+  <p:clrMapOvr>
+    <a:masterClrMapping/>
+  </p:clrMapOvr>
+  <p:timing>
+    <p:tnLst>
+      <p:par>
+        <p:cTn id="1" dur="indefinite" restart="never" nodeType="tmRoot">
+          <p:childTnLst>
+            <p:seq concurrent="1" nextAc="seek">
+              <p:cTn id="2" dur="indefinite" nodeType="mainSeq">
+                <p:childTnLst>
+                  <p:par>
+                    <p:cTn id="3" fill="hold">
+                      <p:stCondLst>
+                        <p:cond delay="indefinite"/>
+                      </p:stCondLst>
+                      <p:childTnLst>
+                        <p:par>
+                          <p:cTn id="4" fill="hold">
+                            <p:stCondLst>
+                              <p:cond delay="0"/>
+                            </p:stCondLst>
+                            <p:childTnLst>
+                              <p:par>
+                                <p:cTn id="5" presetID="1" presetClass="entr" presetSubtype="0" fill="hold" nodeType="clickEffect">
+                                  <p:stCondLst>
+                                    <p:cond delay="0"/>
+                                  </p:stCondLst>
+                                  <p:childTnLst>
+                                    <p:set>
+                                      <p:cBhvr>
+                                        <p:cTn id="6" dur="1" fill="hold">
+                                          <p:stCondLst>
+                                            <p:cond delay="0"/>
+                                          </p:stCondLst>
+                                        </p:cTn>
+                                        <p:tgtEl>
+                                          <p:spTgt spid="3">
+                                            <p:txEl>
+                                              <p:pRg st="2" end="2"/>
+                                            </p:txEl>
+                                          </p:spTgt>
+                                        </p:tgtEl>
+                                        <p:attrNameLst>
+                                          <p:attrName>style.visibility</p:attrName>
+                                        </p:attrNameLst>
+                                      </p:cBhvr>
+                                      <p:to>
+                                        <p:strVal val="visible"/>
+                                      </p:to>
+                                    </p:set>
+                                  </p:childTnLst>
+                                </p:cTn>
+                              </p:par>
+                              <p:par>
+                                <p:cTn id="7" presetID="1" presetClass="entr" presetSubtype="0" fill="hold" nodeType="withEffect">
+                                  <p:stCondLst>
+                                    <p:cond delay="0"/>
+                                  </p:stCondLst>
+                                  <p:childTnLst>
+                                    <p:set>
+                                      <p:cBhvr>
+                                        <p:cTn id="8" dur="1" fill="hold">
+                                          <p:stCondLst>
+                                            <p:cond delay="0"/>
+                                          </p:stCondLst>
+                                        </p:cTn>
+                                        <p:tgtEl>
+                                          <p:spTgt spid="3">
+                                            <p:txEl>
+                                              <p:pRg st="3" end="3"/>
+                                            </p:txEl>
+                                          </p:spTgt>
+                                        </p:tgtEl>
+                                        <p:attrNameLst>
+                                          <p:attrName>style.visibility</p:attrName>
+                                        </p:attrNameLst>
+                                      </p:cBhvr>
+                                      <p:to>
+                                        <p:strVal val="visible"/>
+                                      </p:to>
+                                    </p:set>
+                                  </p:childTnLst>
+                                </p:cTn>
+                              </p:par>
+                              <p:par>
+                                <p:cTn id="9" presetID="1" presetClass="entr" presetSubtype="0" fill="hold" nodeType="withEffect">
+                                  <p:stCondLst>
+                                    <p:cond delay="0"/>
+                                  </p:stCondLst>
+                                  <p:childTnLst>
+                                    <p:set>
+                                      <p:cBhvr>
+                                        <p:cTn id="10" dur="1" fill="hold">
+                                          <p:stCondLst>
+                                            <p:cond delay="0"/>
+                                          </p:stCondLst>
+                                        </p:cTn>
+                                        <p:tgtEl>
+                                          <p:spTgt spid="3">
+                                            <p:txEl>
+                                              <p:pRg st="4" end="4"/>
+                                            </p:txEl>
+                                          </p:spTgt>
+                                        </p:tgtEl>
+                                        <p:attrNameLst>
+                                          <p:attrName>style.visibility</p:attrName>
+                                        </p:attrNameLst>
+                                      </p:cBhvr>
+                                      <p:to>
+                                        <p:strVal val="visible"/>
+                                      </p:to>
+                                    </p:set>
+                                  </p:childTnLst>
+                                </p:cTn>
+                              </p:par>
+                              <p:par>
+                                <p:cTn id="11" presetID="1" presetClass="entr" presetSubtype="0" fill="hold" nodeType="withEffect">
+                                  <p:stCondLst>
+                                    <p:cond delay="0"/>
+                                  </p:stCondLst>
+                                  <p:childTnLst>
+                                    <p:set>
+                                      <p:cBhvr>
+                                        <p:cTn id="12" dur="1" fill="hold">
+                                          <p:stCondLst>
+                                            <p:cond delay="0"/>
+                                          </p:stCondLst>
+                                        </p:cTn>
+                                        <p:tgtEl>
+                                          <p:spTgt spid="3">
+                                            <p:txEl>
+                                              <p:pRg st="5" end="5"/>
+                                            </p:txEl>
+                                          </p:spTgt>
+                                        </p:tgtEl>
+                                        <p:attrNameLst>
+                                          <p:attrName>style.visibility</p:attrName>
+                                        </p:attrNameLst>
+                                      </p:cBhvr>
+                                      <p:to>
+                                        <p:strVal val="visible"/>
+                                      </p:to>
+                                    </p:set>
+                                  </p:childTnLst>
+                                </p:cTn>
+                              </p:par>
+                            </p:childTnLst>
+                          </p:cTn>
+                        </p:par>
+                      </p:childTnLst>
+                    </p:cTn>
+                  </p:par>
+                  <p:par>
+                    <p:cTn id="13" fill="hold">
+                      <p:stCondLst>
+                        <p:cond delay="indefinite"/>
+                      </p:stCondLst>
+                      <p:childTnLst>
+                        <p:par>
+                          <p:cTn id="14" fill="hold">
+                            <p:stCondLst>
+                              <p:cond delay="0"/>
+                            </p:stCondLst>
+                            <p:childTnLst>
+                              <p:par>
+                                <p:cTn id="15" presetID="1" presetClass="entr" presetSubtype="0" fill="hold" grpId="0" nodeType="clickEffect">
+                                  <p:stCondLst>
+                                    <p:cond delay="0"/>
+                                  </p:stCondLst>
+                                  <p:childTnLst>
+                                    <p:set>
+                                      <p:cBhvr>
+                                        <p:cTn id="16" dur="1" fill="hold">
+                                          <p:stCondLst>
+                                            <p:cond delay="0"/>
+                                          </p:stCondLst>
+                                        </p:cTn>
+                                        <p:tgtEl>
+                                          <p:spTgt spid="4"/>
+                                        </p:tgtEl>
+                                        <p:attrNameLst>
+                                          <p:attrName>style.visibility</p:attrName>
+                                        </p:attrNameLst>
+                                      </p:cBhvr>
+                                      <p:to>
+                                        <p:strVal val="visible"/>
+                                      </p:to>
+                                    </p:set>
+                                  </p:childTnLst>
+                                </p:cTn>
+                              </p:par>
+                            </p:childTnLst>
+                          </p:cTn>
+                        </p:par>
+                      </p:childTnLst>
+                    </p:cTn>
+                  </p:par>
+                </p:childTnLst>
+              </p:cTn>
+              <p:prevCondLst>
+                <p:cond evt="onPrev" delay="0">
+                  <p:tgtEl>
+                    <p:sldTgt/>
+                  </p:tgtEl>
+                </p:cond>
+              </p:prevCondLst>
+              <p:nextCondLst>
+                <p:cond evt="onNext" delay="0">
+                  <p:tgtEl>
+                    <p:sldTgt/>
+                  </p:tgtEl>
+                </p:cond>
+              </p:nextCondLst>
+            </p:seq>
+          </p:childTnLst>
+        </p:cTn>
+      </p:par>
+    </p:tnLst>
+    <p:bldLst>
+      <p:bldP spid="4" grpId="0"/>
+    </p:bldLst>
+  </p:timing>
+</p:sld>
+</file>
+
+<file path=ppt/slides/slide40.xml><?xml version="1.0" encoding="utf-8"?>
+<p:sld xmlns:a="http://schemas.openxmlformats.org/drawingml/2006/main" xmlns:r="http://schemas.openxmlformats.org/officeDocument/2006/relationships" xmlns:p="http://schemas.openxmlformats.org/presentationml/2006/main">
+  <p:cSld>
+    <p:spTree>
+      <p:nvGrpSpPr>
+        <p:cNvPr id="1" name=""/>
+        <p:cNvGrpSpPr/>
+        <p:nvPr/>
+      </p:nvGrpSpPr>
+      <p:grpSpPr>
+        <a:xfrm>
+          <a:off x="0" y="0"/>
+          <a:ext cx="0" cy="0"/>
+          <a:chOff x="0" y="0"/>
+          <a:chExt cx="0" cy="0"/>
+        </a:xfrm>
+      </p:grpSpPr>
+      <p:sp>
+        <p:nvSpPr>
+          <p:cNvPr id="2" name="Title 1"/>
+          <p:cNvSpPr>
+            <a:spLocks noGrp="1"/>
+          </p:cNvSpPr>
+          <p:nvPr>
+            <p:ph type="title"/>
+          </p:nvPr>
+        </p:nvSpPr>
+        <p:spPr/>
+        <p:txBody>
+          <a:bodyPr/>
+          <a:lstStyle/>
+          <a:p>
+            <a:r>
+              <a:rPr lang="en-US" dirty="0" smtClean="0"/>
               <a:t>References</a:t>
             </a:r>
             <a:endParaRPr lang="en-US" dirty="0"/>
@@ -23281,7 +26660,7 @@
           <a:p>
             <a:fld id="{07EBFD83-9EC0-4EA4-B541-6D3CD8FCBB6C}" type="slidenum">
               <a:rPr lang="en-US" smtClean="0"/>
-              <a:t>38</a:t>
+              <a:t>40</a:t>
             </a:fld>
             <a:endParaRPr lang="en-US"/>
           </a:p>
@@ -23307,7 +26686,1014 @@
 </p:sld>
 </file>
 
-<file path=ppt/slides/slide4.xml><?xml version="1.0" encoding="utf-8"?>
+<file path=ppt/slides/slide5.xml><?xml version="1.0" encoding="utf-8"?>
+<p:sld xmlns:a="http://schemas.openxmlformats.org/drawingml/2006/main" xmlns:r="http://schemas.openxmlformats.org/officeDocument/2006/relationships" xmlns:p="http://schemas.openxmlformats.org/presentationml/2006/main">
+  <p:cSld>
+    <p:spTree>
+      <p:nvGrpSpPr>
+        <p:cNvPr id="1" name=""/>
+        <p:cNvGrpSpPr/>
+        <p:nvPr/>
+      </p:nvGrpSpPr>
+      <p:grpSpPr>
+        <a:xfrm>
+          <a:off x="0" y="0"/>
+          <a:ext cx="0" cy="0"/>
+          <a:chOff x="0" y="0"/>
+          <a:chExt cx="0" cy="0"/>
+        </a:xfrm>
+      </p:grpSpPr>
+      <p:sp>
+        <p:nvSpPr>
+          <p:cNvPr id="2" name="Title 1"/>
+          <p:cNvSpPr>
+            <a:spLocks noGrp="1"/>
+          </p:cNvSpPr>
+          <p:nvPr>
+            <p:ph type="title"/>
+          </p:nvPr>
+        </p:nvSpPr>
+        <p:spPr/>
+        <p:txBody>
+          <a:bodyPr/>
+          <a:lstStyle/>
+          <a:p>
+            <a:r>
+              <a:rPr lang="en-US" dirty="0" smtClean="0"/>
+              <a:t>A typical web document has</a:t>
+            </a:r>
+            <a:endParaRPr lang="en-US" dirty="0"/>
+          </a:p>
+        </p:txBody>
+      </p:sp>
+      <p:pic>
+        <p:nvPicPr>
+          <p:cNvPr id="1026" name="Picture 2"/>
+          <p:cNvPicPr>
+            <a:picLocks noChangeAspect="1" noChangeArrowheads="1"/>
+          </p:cNvPicPr>
+          <p:nvPr/>
+        </p:nvPicPr>
+        <p:blipFill>
+          <a:blip r:embed="rId2">
+            <a:extLst>
+              <a:ext uri="{28A0092B-C50C-407E-A947-70E740481C1C}">
+                <a14:useLocalDpi xmlns:a14="http://schemas.microsoft.com/office/drawing/2010/main" val="0"/>
+              </a:ext>
+            </a:extLst>
+          </a:blip>
+          <a:srcRect/>
+          <a:stretch>
+            <a:fillRect/>
+          </a:stretch>
+        </p:blipFill>
+        <p:spPr bwMode="auto">
+          <a:xfrm>
+            <a:off x="1417320" y="1786128"/>
+            <a:ext cx="6261554" cy="4191000"/>
+          </a:xfrm>
+          <a:prstGeom prst="rect">
+            <a:avLst/>
+          </a:prstGeom>
+          <a:noFill/>
+          <a:ln>
+            <a:noFill/>
+          </a:ln>
+          <a:extLst>
+            <a:ext uri="{909E8E84-426E-40DD-AFC4-6F175D3DCCD1}">
+              <a14:hiddenFill xmlns:a14="http://schemas.microsoft.com/office/drawing/2010/main">
+                <a:solidFill>
+                  <a:schemeClr val="accent1"/>
+                </a:solidFill>
+              </a14:hiddenFill>
+            </a:ext>
+            <a:ext uri="{91240B29-F687-4F45-9708-019B960494DF}">
+              <a14:hiddenLine xmlns:a14="http://schemas.microsoft.com/office/drawing/2010/main" w="9525">
+                <a:solidFill>
+                  <a:schemeClr val="tx1"/>
+                </a:solidFill>
+                <a:miter lim="800000"/>
+                <a:headEnd/>
+                <a:tailEnd/>
+              </a14:hiddenLine>
+            </a:ext>
+          </a:extLst>
+        </p:spPr>
+      </p:pic>
+      <p:grpSp>
+        <p:nvGrpSpPr>
+          <p:cNvPr id="10" name="Group 9"/>
+          <p:cNvGrpSpPr/>
+          <p:nvPr/>
+        </p:nvGrpSpPr>
+        <p:grpSpPr>
+          <a:xfrm>
+            <a:off x="2667000" y="1324463"/>
+            <a:ext cx="4114800" cy="961537"/>
+            <a:chOff x="2667000" y="1324463"/>
+            <a:chExt cx="4114800" cy="961537"/>
+          </a:xfrm>
+        </p:grpSpPr>
+        <p:sp>
+          <p:nvSpPr>
+            <p:cNvPr id="4" name="Rectangle 3"/>
+            <p:cNvSpPr/>
+            <p:nvPr/>
+          </p:nvSpPr>
+          <p:spPr>
+            <a:xfrm>
+              <a:off x="2667000" y="1786128"/>
+              <a:ext cx="4114800" cy="499872"/>
+            </a:xfrm>
+            <a:prstGeom prst="rect">
+              <a:avLst/>
+            </a:prstGeom>
+            <a:noFill/>
+            <a:ln>
+              <a:solidFill>
+                <a:srgbClr val="FF0000"/>
+              </a:solidFill>
+            </a:ln>
+          </p:spPr>
+          <p:style>
+            <a:lnRef idx="2">
+              <a:schemeClr val="accent1">
+                <a:shade val="50000"/>
+              </a:schemeClr>
+            </a:lnRef>
+            <a:fillRef idx="1">
+              <a:schemeClr val="accent1"/>
+            </a:fillRef>
+            <a:effectRef idx="0">
+              <a:schemeClr val="accent1"/>
+            </a:effectRef>
+            <a:fontRef idx="minor">
+              <a:schemeClr val="lt1"/>
+            </a:fontRef>
+          </p:style>
+          <p:txBody>
+            <a:bodyPr rtlCol="0" anchor="ctr"/>
+            <a:lstStyle/>
+            <a:p>
+              <a:pPr algn="ctr"/>
+              <a:endParaRPr lang="en-US"/>
+            </a:p>
+          </p:txBody>
+        </p:sp>
+        <p:sp>
+          <p:nvSpPr>
+            <p:cNvPr id="5" name="TextBox 4"/>
+            <p:cNvSpPr txBox="1"/>
+            <p:nvPr/>
+          </p:nvSpPr>
+          <p:spPr>
+            <a:xfrm>
+              <a:off x="3703320" y="1324463"/>
+              <a:ext cx="2209800" cy="461665"/>
+            </a:xfrm>
+            <a:prstGeom prst="rect">
+              <a:avLst/>
+            </a:prstGeom>
+            <a:noFill/>
+          </p:spPr>
+          <p:txBody>
+            <a:bodyPr wrap="square" rtlCol="0">
+              <a:spAutoFit/>
+            </a:bodyPr>
+            <a:lstStyle/>
+            <a:p>
+              <a:pPr algn="ctr"/>
+              <a:r>
+                <a:rPr lang="en-US" sz="2400" b="1" dirty="0" smtClean="0">
+                  <a:solidFill>
+                    <a:srgbClr val="FF0000"/>
+                  </a:solidFill>
+                </a:rPr>
+                <a:t>Title</a:t>
+              </a:r>
+              <a:endParaRPr lang="en-US" sz="2400" b="1" dirty="0">
+                <a:solidFill>
+                  <a:srgbClr val="FF0000"/>
+                </a:solidFill>
+              </a:endParaRPr>
+            </a:p>
+          </p:txBody>
+        </p:sp>
+      </p:grpSp>
+      <p:cxnSp>
+        <p:nvCxnSpPr>
+          <p:cNvPr id="9" name="Straight Connector 8"/>
+          <p:cNvCxnSpPr/>
+          <p:nvPr/>
+        </p:nvCxnSpPr>
+        <p:spPr>
+          <a:xfrm>
+            <a:off x="4800600" y="4343400"/>
+            <a:ext cx="685800" cy="0"/>
+          </a:xfrm>
+          <a:prstGeom prst="line">
+            <a:avLst/>
+          </a:prstGeom>
+          <a:ln w="19050"/>
+        </p:spPr>
+        <p:style>
+          <a:lnRef idx="1">
+            <a:schemeClr val="accent1"/>
+          </a:lnRef>
+          <a:fillRef idx="0">
+            <a:schemeClr val="accent1"/>
+          </a:fillRef>
+          <a:effectRef idx="0">
+            <a:schemeClr val="accent1"/>
+          </a:effectRef>
+          <a:fontRef idx="minor">
+            <a:schemeClr val="tx1"/>
+          </a:fontRef>
+        </p:style>
+      </p:cxnSp>
+      <p:cxnSp>
+        <p:nvCxnSpPr>
+          <p:cNvPr id="11" name="Straight Connector 10"/>
+          <p:cNvCxnSpPr/>
+          <p:nvPr/>
+        </p:nvCxnSpPr>
+        <p:spPr>
+          <a:xfrm>
+            <a:off x="2743200" y="5715000"/>
+            <a:ext cx="914400" cy="0"/>
+          </a:xfrm>
+          <a:prstGeom prst="line">
+            <a:avLst/>
+          </a:prstGeom>
+          <a:ln w="19050"/>
+        </p:spPr>
+        <p:style>
+          <a:lnRef idx="1">
+            <a:schemeClr val="accent1"/>
+          </a:lnRef>
+          <a:fillRef idx="0">
+            <a:schemeClr val="accent1"/>
+          </a:fillRef>
+          <a:effectRef idx="0">
+            <a:schemeClr val="accent1"/>
+          </a:effectRef>
+          <a:fontRef idx="minor">
+            <a:schemeClr val="tx1"/>
+          </a:fontRef>
+        </p:style>
+      </p:cxnSp>
+      <p:cxnSp>
+        <p:nvCxnSpPr>
+          <p:cNvPr id="13" name="Straight Connector 12"/>
+          <p:cNvCxnSpPr/>
+          <p:nvPr/>
+        </p:nvCxnSpPr>
+        <p:spPr>
+          <a:xfrm>
+            <a:off x="4724400" y="5562600"/>
+            <a:ext cx="1066800" cy="0"/>
+          </a:xfrm>
+          <a:prstGeom prst="line">
+            <a:avLst/>
+          </a:prstGeom>
+          <a:ln w="19050"/>
+        </p:spPr>
+        <p:style>
+          <a:lnRef idx="1">
+            <a:schemeClr val="accent1"/>
+          </a:lnRef>
+          <a:fillRef idx="0">
+            <a:schemeClr val="accent1"/>
+          </a:fillRef>
+          <a:effectRef idx="0">
+            <a:schemeClr val="accent1"/>
+          </a:effectRef>
+          <a:fontRef idx="minor">
+            <a:schemeClr val="tx1"/>
+          </a:fontRef>
+        </p:style>
+      </p:cxnSp>
+      <p:cxnSp>
+        <p:nvCxnSpPr>
+          <p:cNvPr id="15" name="Straight Connector 14"/>
+          <p:cNvCxnSpPr/>
+          <p:nvPr/>
+        </p:nvCxnSpPr>
+        <p:spPr>
+          <a:xfrm>
+            <a:off x="5029200" y="5867400"/>
+            <a:ext cx="762000" cy="0"/>
+          </a:xfrm>
+          <a:prstGeom prst="line">
+            <a:avLst/>
+          </a:prstGeom>
+          <a:ln w="19050"/>
+        </p:spPr>
+        <p:style>
+          <a:lnRef idx="1">
+            <a:schemeClr val="accent1"/>
+          </a:lnRef>
+          <a:fillRef idx="0">
+            <a:schemeClr val="accent1"/>
+          </a:fillRef>
+          <a:effectRef idx="0">
+            <a:schemeClr val="accent1"/>
+          </a:effectRef>
+          <a:fontRef idx="minor">
+            <a:schemeClr val="tx1"/>
+          </a:fontRef>
+        </p:style>
+      </p:cxnSp>
+      <p:cxnSp>
+        <p:nvCxnSpPr>
+          <p:cNvPr id="17" name="Straight Connector 16"/>
+          <p:cNvCxnSpPr/>
+          <p:nvPr/>
+        </p:nvCxnSpPr>
+        <p:spPr>
+          <a:xfrm>
+            <a:off x="2727960" y="5977128"/>
+            <a:ext cx="1463040" cy="0"/>
+          </a:xfrm>
+          <a:prstGeom prst="line">
+            <a:avLst/>
+          </a:prstGeom>
+          <a:ln w="19050"/>
+        </p:spPr>
+        <p:style>
+          <a:lnRef idx="1">
+            <a:schemeClr val="accent1"/>
+          </a:lnRef>
+          <a:fillRef idx="0">
+            <a:schemeClr val="accent1"/>
+          </a:fillRef>
+          <a:effectRef idx="0">
+            <a:schemeClr val="accent1"/>
+          </a:effectRef>
+          <a:fontRef idx="minor">
+            <a:schemeClr val="tx1"/>
+          </a:fontRef>
+        </p:style>
+      </p:cxnSp>
+      <p:grpSp>
+        <p:nvGrpSpPr>
+          <p:cNvPr id="16" name="Group 15"/>
+          <p:cNvGrpSpPr/>
+          <p:nvPr/>
+        </p:nvGrpSpPr>
+        <p:grpSpPr>
+          <a:xfrm>
+            <a:off x="2667000" y="4114800"/>
+            <a:ext cx="3324806" cy="2383536"/>
+            <a:chOff x="2667000" y="4114800"/>
+            <a:chExt cx="3324806" cy="2383536"/>
+          </a:xfrm>
+        </p:grpSpPr>
+        <p:sp>
+          <p:nvSpPr>
+            <p:cNvPr id="7" name="Rectangle 6"/>
+            <p:cNvSpPr/>
+            <p:nvPr/>
+          </p:nvSpPr>
+          <p:spPr>
+            <a:xfrm>
+              <a:off x="2667000" y="4114800"/>
+              <a:ext cx="3324806" cy="1905000"/>
+            </a:xfrm>
+            <a:prstGeom prst="rect">
+              <a:avLst/>
+            </a:prstGeom>
+            <a:noFill/>
+            <a:ln>
+              <a:solidFill>
+                <a:srgbClr val="FF0000"/>
+              </a:solidFill>
+            </a:ln>
+          </p:spPr>
+          <p:style>
+            <a:lnRef idx="2">
+              <a:schemeClr val="accent1">
+                <a:shade val="50000"/>
+              </a:schemeClr>
+            </a:lnRef>
+            <a:fillRef idx="1">
+              <a:schemeClr val="accent1"/>
+            </a:fillRef>
+            <a:effectRef idx="0">
+              <a:schemeClr val="accent1"/>
+            </a:effectRef>
+            <a:fontRef idx="minor">
+              <a:schemeClr val="lt1"/>
+            </a:fontRef>
+          </p:style>
+          <p:txBody>
+            <a:bodyPr rtlCol="0" anchor="ctr"/>
+            <a:lstStyle/>
+            <a:p>
+              <a:pPr algn="ctr"/>
+              <a:endParaRPr lang="en-US"/>
+            </a:p>
+          </p:txBody>
+        </p:sp>
+        <p:sp>
+          <p:nvSpPr>
+            <p:cNvPr id="21" name="TextBox 20"/>
+            <p:cNvSpPr txBox="1"/>
+            <p:nvPr/>
+          </p:nvSpPr>
+          <p:spPr>
+            <a:xfrm>
+              <a:off x="3276600" y="6036671"/>
+              <a:ext cx="2209800" cy="461665"/>
+            </a:xfrm>
+            <a:prstGeom prst="rect">
+              <a:avLst/>
+            </a:prstGeom>
+            <a:noFill/>
+          </p:spPr>
+          <p:txBody>
+            <a:bodyPr wrap="square" rtlCol="0">
+              <a:spAutoFit/>
+            </a:bodyPr>
+            <a:lstStyle/>
+            <a:p>
+              <a:pPr algn="ctr"/>
+              <a:r>
+                <a:rPr lang="en-US" sz="2400" b="1" dirty="0" smtClean="0">
+                  <a:solidFill>
+                    <a:srgbClr val="FF0000"/>
+                  </a:solidFill>
+                </a:rPr>
+                <a:t>Body</a:t>
+              </a:r>
+              <a:endParaRPr lang="en-US" sz="2400" b="1" dirty="0">
+                <a:solidFill>
+                  <a:srgbClr val="FF0000"/>
+                </a:solidFill>
+              </a:endParaRPr>
+            </a:p>
+          </p:txBody>
+        </p:sp>
+      </p:grpSp>
+      <p:grpSp>
+        <p:nvGrpSpPr>
+          <p:cNvPr id="14" name="Group 13"/>
+          <p:cNvGrpSpPr/>
+          <p:nvPr/>
+        </p:nvGrpSpPr>
+        <p:grpSpPr>
+          <a:xfrm>
+            <a:off x="838200" y="2514600"/>
+            <a:ext cx="2209800" cy="3983736"/>
+            <a:chOff x="838200" y="2514600"/>
+            <a:chExt cx="2209800" cy="3983736"/>
+          </a:xfrm>
+        </p:grpSpPr>
+        <p:sp>
+          <p:nvSpPr>
+            <p:cNvPr id="20" name="Rectangle 19"/>
+            <p:cNvSpPr/>
+            <p:nvPr/>
+          </p:nvSpPr>
+          <p:spPr>
+            <a:xfrm>
+              <a:off x="1433122" y="2514600"/>
+              <a:ext cx="1157678" cy="3462528"/>
+            </a:xfrm>
+            <a:prstGeom prst="rect">
+              <a:avLst/>
+            </a:prstGeom>
+            <a:noFill/>
+            <a:ln>
+              <a:solidFill>
+                <a:srgbClr val="0070C0"/>
+              </a:solidFill>
+            </a:ln>
+          </p:spPr>
+          <p:style>
+            <a:lnRef idx="2">
+              <a:schemeClr val="accent1">
+                <a:shade val="50000"/>
+              </a:schemeClr>
+            </a:lnRef>
+            <a:fillRef idx="1">
+              <a:schemeClr val="accent1"/>
+            </a:fillRef>
+            <a:effectRef idx="0">
+              <a:schemeClr val="accent1"/>
+            </a:effectRef>
+            <a:fontRef idx="minor">
+              <a:schemeClr val="lt1"/>
+            </a:fontRef>
+          </p:style>
+          <p:txBody>
+            <a:bodyPr rtlCol="0" anchor="ctr"/>
+            <a:lstStyle/>
+            <a:p>
+              <a:pPr algn="ctr"/>
+              <a:endParaRPr lang="en-US"/>
+            </a:p>
+          </p:txBody>
+        </p:sp>
+        <p:sp>
+          <p:nvSpPr>
+            <p:cNvPr id="22" name="TextBox 21"/>
+            <p:cNvSpPr txBox="1"/>
+            <p:nvPr/>
+          </p:nvSpPr>
+          <p:spPr>
+            <a:xfrm>
+              <a:off x="838200" y="6036671"/>
+              <a:ext cx="2209800" cy="461665"/>
+            </a:xfrm>
+            <a:prstGeom prst="rect">
+              <a:avLst/>
+            </a:prstGeom>
+            <a:noFill/>
+          </p:spPr>
+          <p:txBody>
+            <a:bodyPr wrap="square" rtlCol="0">
+              <a:spAutoFit/>
+            </a:bodyPr>
+            <a:lstStyle/>
+            <a:p>
+              <a:pPr algn="ctr"/>
+              <a:r>
+                <a:rPr lang="en-US" sz="2400" b="1" dirty="0" smtClean="0">
+                  <a:solidFill>
+                    <a:srgbClr val="0070C0"/>
+                  </a:solidFill>
+                </a:rPr>
+                <a:t>Anchor</a:t>
+              </a:r>
+              <a:endParaRPr lang="en-US" sz="2400" b="1" dirty="0">
+                <a:solidFill>
+                  <a:srgbClr val="0070C0"/>
+                </a:solidFill>
+              </a:endParaRPr>
+            </a:p>
+          </p:txBody>
+        </p:sp>
+      </p:grpSp>
+      <p:sp>
+        <p:nvSpPr>
+          <p:cNvPr id="23" name="Rectangle 22"/>
+          <p:cNvSpPr/>
+          <p:nvPr/>
+        </p:nvSpPr>
+        <p:spPr>
+          <a:xfrm>
+            <a:off x="6113326" y="2819400"/>
+            <a:ext cx="1582874" cy="3157728"/>
+          </a:xfrm>
+          <a:prstGeom prst="rect">
+            <a:avLst/>
+          </a:prstGeom>
+          <a:noFill/>
+          <a:ln>
+            <a:solidFill>
+              <a:srgbClr val="0070C0"/>
+            </a:solidFill>
+          </a:ln>
+        </p:spPr>
+        <p:style>
+          <a:lnRef idx="2">
+            <a:schemeClr val="accent1">
+              <a:shade val="50000"/>
+            </a:schemeClr>
+          </a:lnRef>
+          <a:fillRef idx="1">
+            <a:schemeClr val="accent1"/>
+          </a:fillRef>
+          <a:effectRef idx="0">
+            <a:schemeClr val="accent1"/>
+          </a:effectRef>
+          <a:fontRef idx="minor">
+            <a:schemeClr val="lt1"/>
+          </a:fontRef>
+        </p:style>
+        <p:txBody>
+          <a:bodyPr rtlCol="0" anchor="ctr"/>
+          <a:lstStyle/>
+          <a:p>
+            <a:pPr algn="ctr"/>
+            <a:endParaRPr lang="en-US"/>
+          </a:p>
+        </p:txBody>
+      </p:sp>
+      <p:sp>
+        <p:nvSpPr>
+          <p:cNvPr id="3" name="Date Placeholder 2"/>
+          <p:cNvSpPr>
+            <a:spLocks noGrp="1"/>
+          </p:cNvSpPr>
+          <p:nvPr>
+            <p:ph type="dt" sz="half" idx="10"/>
+          </p:nvPr>
+        </p:nvSpPr>
+        <p:spPr/>
+        <p:txBody>
+          <a:bodyPr/>
+          <a:lstStyle/>
+          <a:p>
+            <a:r>
+              <a:rPr lang="en-US" smtClean="0"/>
+              <a:t>CS@UVa</a:t>
+            </a:r>
+            <a:endParaRPr lang="en-US"/>
+          </a:p>
+        </p:txBody>
+      </p:sp>
+      <p:sp>
+        <p:nvSpPr>
+          <p:cNvPr id="6" name="Footer Placeholder 5"/>
+          <p:cNvSpPr>
+            <a:spLocks noGrp="1"/>
+          </p:cNvSpPr>
+          <p:nvPr>
+            <p:ph type="ftr" sz="quarter" idx="11"/>
+          </p:nvPr>
+        </p:nvSpPr>
+        <p:spPr/>
+        <p:txBody>
+          <a:bodyPr/>
+          <a:lstStyle/>
+          <a:p>
+            <a:r>
+              <a:rPr lang="en-US" smtClean="0"/>
+              <a:t>CS 4501: Information Retrieval</a:t>
+            </a:r>
+            <a:endParaRPr lang="en-US"/>
+          </a:p>
+        </p:txBody>
+      </p:sp>
+      <p:sp>
+        <p:nvSpPr>
+          <p:cNvPr id="8" name="Slide Number Placeholder 7"/>
+          <p:cNvSpPr>
+            <a:spLocks noGrp="1"/>
+          </p:cNvSpPr>
+          <p:nvPr>
+            <p:ph type="sldNum" sz="quarter" idx="12"/>
+          </p:nvPr>
+        </p:nvSpPr>
+        <p:spPr/>
+        <p:txBody>
+          <a:bodyPr/>
+          <a:lstStyle/>
+          <a:p>
+            <a:fld id="{07EBFD83-9EC0-4EA4-B541-6D3CD8FCBB6C}" type="slidenum">
+              <a:rPr lang="en-US" smtClean="0"/>
+              <a:t>5</a:t>
+            </a:fld>
+            <a:endParaRPr lang="en-US"/>
+          </a:p>
+        </p:txBody>
+      </p:sp>
+    </p:spTree>
+    <p:extLst>
+      <p:ext uri="{BB962C8B-B14F-4D97-AF65-F5344CB8AC3E}">
+        <p14:creationId xmlns:p14="http://schemas.microsoft.com/office/powerpoint/2010/main" val="3380064814"/>
+      </p:ext>
+    </p:extLst>
+  </p:cSld>
+  <p:clrMapOvr>
+    <a:masterClrMapping/>
+  </p:clrMapOvr>
+  <p:timing>
+    <p:tnLst>
+      <p:par>
+        <p:cTn id="1" dur="indefinite" restart="never" nodeType="tmRoot">
+          <p:childTnLst>
+            <p:seq concurrent="1" nextAc="seek">
+              <p:cTn id="2" dur="indefinite" nodeType="mainSeq">
+                <p:childTnLst>
+                  <p:par>
+                    <p:cTn id="3" fill="hold">
+                      <p:stCondLst>
+                        <p:cond delay="indefinite"/>
+                      </p:stCondLst>
+                      <p:childTnLst>
+                        <p:par>
+                          <p:cTn id="4" fill="hold">
+                            <p:stCondLst>
+                              <p:cond delay="0"/>
+                            </p:stCondLst>
+                            <p:childTnLst>
+                              <p:par>
+                                <p:cTn id="5" presetID="1" presetClass="entr" presetSubtype="0" fill="hold" nodeType="clickEffect">
+                                  <p:stCondLst>
+                                    <p:cond delay="0"/>
+                                  </p:stCondLst>
+                                  <p:childTnLst>
+                                    <p:set>
+                                      <p:cBhvr>
+                                        <p:cTn id="6" dur="1" fill="hold">
+                                          <p:stCondLst>
+                                            <p:cond delay="0"/>
+                                          </p:stCondLst>
+                                        </p:cTn>
+                                        <p:tgtEl>
+                                          <p:spTgt spid="10"/>
+                                        </p:tgtEl>
+                                        <p:attrNameLst>
+                                          <p:attrName>style.visibility</p:attrName>
+                                        </p:attrNameLst>
+                                      </p:cBhvr>
+                                      <p:to>
+                                        <p:strVal val="visible"/>
+                                      </p:to>
+                                    </p:set>
+                                  </p:childTnLst>
+                                </p:cTn>
+                              </p:par>
+                            </p:childTnLst>
+                          </p:cTn>
+                        </p:par>
+                      </p:childTnLst>
+                    </p:cTn>
+                  </p:par>
+                  <p:par>
+                    <p:cTn id="7" fill="hold">
+                      <p:stCondLst>
+                        <p:cond delay="indefinite"/>
+                      </p:stCondLst>
+                      <p:childTnLst>
+                        <p:par>
+                          <p:cTn id="8" fill="hold">
+                            <p:stCondLst>
+                              <p:cond delay="0"/>
+                            </p:stCondLst>
+                            <p:childTnLst>
+                              <p:par>
+                                <p:cTn id="9" presetID="1" presetClass="entr" presetSubtype="0" fill="hold" nodeType="clickEffect">
+                                  <p:stCondLst>
+                                    <p:cond delay="0"/>
+                                  </p:stCondLst>
+                                  <p:childTnLst>
+                                    <p:set>
+                                      <p:cBhvr>
+                                        <p:cTn id="10" dur="1" fill="hold">
+                                          <p:stCondLst>
+                                            <p:cond delay="0"/>
+                                          </p:stCondLst>
+                                        </p:cTn>
+                                        <p:tgtEl>
+                                          <p:spTgt spid="16"/>
+                                        </p:tgtEl>
+                                        <p:attrNameLst>
+                                          <p:attrName>style.visibility</p:attrName>
+                                        </p:attrNameLst>
+                                      </p:cBhvr>
+                                      <p:to>
+                                        <p:strVal val="visible"/>
+                                      </p:to>
+                                    </p:set>
+                                  </p:childTnLst>
+                                </p:cTn>
+                              </p:par>
+                            </p:childTnLst>
+                          </p:cTn>
+                        </p:par>
+                      </p:childTnLst>
+                    </p:cTn>
+                  </p:par>
+                  <p:par>
+                    <p:cTn id="11" fill="hold">
+                      <p:stCondLst>
+                        <p:cond delay="indefinite"/>
+                      </p:stCondLst>
+                      <p:childTnLst>
+                        <p:par>
+                          <p:cTn id="12" fill="hold">
+                            <p:stCondLst>
+                              <p:cond delay="0"/>
+                            </p:stCondLst>
+                            <p:childTnLst>
+                              <p:par>
+                                <p:cTn id="13" presetID="1" presetClass="entr" presetSubtype="0" fill="hold" nodeType="clickEffect">
+                                  <p:stCondLst>
+                                    <p:cond delay="0"/>
+                                  </p:stCondLst>
+                                  <p:childTnLst>
+                                    <p:set>
+                                      <p:cBhvr>
+                                        <p:cTn id="14" dur="1" fill="hold">
+                                          <p:stCondLst>
+                                            <p:cond delay="0"/>
+                                          </p:stCondLst>
+                                        </p:cTn>
+                                        <p:tgtEl>
+                                          <p:spTgt spid="14"/>
+                                        </p:tgtEl>
+                                        <p:attrNameLst>
+                                          <p:attrName>style.visibility</p:attrName>
+                                        </p:attrNameLst>
+                                      </p:cBhvr>
+                                      <p:to>
+                                        <p:strVal val="visible"/>
+                                      </p:to>
+                                    </p:set>
+                                  </p:childTnLst>
+                                </p:cTn>
+                              </p:par>
+                              <p:par>
+                                <p:cTn id="15" presetID="1" presetClass="entr" presetSubtype="0" fill="hold" nodeType="withEffect">
+                                  <p:stCondLst>
+                                    <p:cond delay="0"/>
+                                  </p:stCondLst>
+                                  <p:childTnLst>
+                                    <p:set>
+                                      <p:cBhvr>
+                                        <p:cTn id="16" dur="1" fill="hold">
+                                          <p:stCondLst>
+                                            <p:cond delay="0"/>
+                                          </p:stCondLst>
+                                        </p:cTn>
+                                        <p:tgtEl>
+                                          <p:spTgt spid="9"/>
+                                        </p:tgtEl>
+                                        <p:attrNameLst>
+                                          <p:attrName>style.visibility</p:attrName>
+                                        </p:attrNameLst>
+                                      </p:cBhvr>
+                                      <p:to>
+                                        <p:strVal val="visible"/>
+                                      </p:to>
+                                    </p:set>
+                                  </p:childTnLst>
+                                </p:cTn>
+                              </p:par>
+                              <p:par>
+                                <p:cTn id="17" presetID="1" presetClass="entr" presetSubtype="0" fill="hold" nodeType="withEffect">
+                                  <p:stCondLst>
+                                    <p:cond delay="0"/>
+                                  </p:stCondLst>
+                                  <p:childTnLst>
+                                    <p:set>
+                                      <p:cBhvr>
+                                        <p:cTn id="18" dur="1" fill="hold">
+                                          <p:stCondLst>
+                                            <p:cond delay="0"/>
+                                          </p:stCondLst>
+                                        </p:cTn>
+                                        <p:tgtEl>
+                                          <p:spTgt spid="11"/>
+                                        </p:tgtEl>
+                                        <p:attrNameLst>
+                                          <p:attrName>style.visibility</p:attrName>
+                                        </p:attrNameLst>
+                                      </p:cBhvr>
+                                      <p:to>
+                                        <p:strVal val="visible"/>
+                                      </p:to>
+                                    </p:set>
+                                  </p:childTnLst>
+                                </p:cTn>
+                              </p:par>
+                              <p:par>
+                                <p:cTn id="19" presetID="1" presetClass="entr" presetSubtype="0" fill="hold" nodeType="withEffect">
+                                  <p:stCondLst>
+                                    <p:cond delay="0"/>
+                                  </p:stCondLst>
+                                  <p:childTnLst>
+                                    <p:set>
+                                      <p:cBhvr>
+                                        <p:cTn id="20" dur="1" fill="hold">
+                                          <p:stCondLst>
+                                            <p:cond delay="0"/>
+                                          </p:stCondLst>
+                                        </p:cTn>
+                                        <p:tgtEl>
+                                          <p:spTgt spid="17"/>
+                                        </p:tgtEl>
+                                        <p:attrNameLst>
+                                          <p:attrName>style.visibility</p:attrName>
+                                        </p:attrNameLst>
+                                      </p:cBhvr>
+                                      <p:to>
+                                        <p:strVal val="visible"/>
+                                      </p:to>
+                                    </p:set>
+                                  </p:childTnLst>
+                                </p:cTn>
+                              </p:par>
+                              <p:par>
+                                <p:cTn id="21" presetID="1" presetClass="entr" presetSubtype="0" fill="hold" nodeType="withEffect">
+                                  <p:stCondLst>
+                                    <p:cond delay="0"/>
+                                  </p:stCondLst>
+                                  <p:childTnLst>
+                                    <p:set>
+                                      <p:cBhvr>
+                                        <p:cTn id="22" dur="1" fill="hold">
+                                          <p:stCondLst>
+                                            <p:cond delay="0"/>
+                                          </p:stCondLst>
+                                        </p:cTn>
+                                        <p:tgtEl>
+                                          <p:spTgt spid="15"/>
+                                        </p:tgtEl>
+                                        <p:attrNameLst>
+                                          <p:attrName>style.visibility</p:attrName>
+                                        </p:attrNameLst>
+                                      </p:cBhvr>
+                                      <p:to>
+                                        <p:strVal val="visible"/>
+                                      </p:to>
+                                    </p:set>
+                                  </p:childTnLst>
+                                </p:cTn>
+                              </p:par>
+                              <p:par>
+                                <p:cTn id="23" presetID="1" presetClass="entr" presetSubtype="0" fill="hold" nodeType="withEffect">
+                                  <p:stCondLst>
+                                    <p:cond delay="0"/>
+                                  </p:stCondLst>
+                                  <p:childTnLst>
+                                    <p:set>
+                                      <p:cBhvr>
+                                        <p:cTn id="24" dur="1" fill="hold">
+                                          <p:stCondLst>
+                                            <p:cond delay="0"/>
+                                          </p:stCondLst>
+                                        </p:cTn>
+                                        <p:tgtEl>
+                                          <p:spTgt spid="13"/>
+                                        </p:tgtEl>
+                                        <p:attrNameLst>
+                                          <p:attrName>style.visibility</p:attrName>
+                                        </p:attrNameLst>
+                                      </p:cBhvr>
+                                      <p:to>
+                                        <p:strVal val="visible"/>
+                                      </p:to>
+                                    </p:set>
+                                  </p:childTnLst>
+                                </p:cTn>
+                              </p:par>
+                              <p:par>
+                                <p:cTn id="25" presetID="1" presetClass="entr" presetSubtype="0" fill="hold" grpId="0" nodeType="withEffect">
+                                  <p:stCondLst>
+                                    <p:cond delay="0"/>
+                                  </p:stCondLst>
+                                  <p:childTnLst>
+                                    <p:set>
+                                      <p:cBhvr>
+                                        <p:cTn id="26" dur="1" fill="hold">
+                                          <p:stCondLst>
+                                            <p:cond delay="0"/>
+                                          </p:stCondLst>
+                                        </p:cTn>
+                                        <p:tgtEl>
+                                          <p:spTgt spid="23"/>
+                                        </p:tgtEl>
+                                        <p:attrNameLst>
+                                          <p:attrName>style.visibility</p:attrName>
+                                        </p:attrNameLst>
+                                      </p:cBhvr>
+                                      <p:to>
+                                        <p:strVal val="visible"/>
+                                      </p:to>
+                                    </p:set>
+                                  </p:childTnLst>
+                                </p:cTn>
+                              </p:par>
+                            </p:childTnLst>
+                          </p:cTn>
+                        </p:par>
+                      </p:childTnLst>
+                    </p:cTn>
+                  </p:par>
+                </p:childTnLst>
+              </p:cTn>
+              <p:prevCondLst>
+                <p:cond evt="onPrev" delay="0">
+                  <p:tgtEl>
+                    <p:sldTgt/>
+                  </p:tgtEl>
+                </p:cond>
+              </p:prevCondLst>
+              <p:nextCondLst>
+                <p:cond evt="onNext" delay="0">
+                  <p:tgtEl>
+                    <p:sldTgt/>
+                  </p:tgtEl>
+                </p:cond>
+              </p:nextCondLst>
+            </p:seq>
+          </p:childTnLst>
+        </p:cTn>
+      </p:par>
+    </p:tnLst>
+    <p:bldLst>
+      <p:bldP spid="23" grpId="0" animBg="1"/>
+    </p:bldLst>
+  </p:timing>
+</p:sld>
+</file>
+
+<file path=ppt/slides/slide6.xml><?xml version="1.0" encoding="utf-8"?>
 <p:sld xmlns:a="http://schemas.openxmlformats.org/drawingml/2006/main" xmlns:r="http://schemas.openxmlformats.org/officeDocument/2006/relationships" xmlns:p="http://schemas.openxmlformats.org/presentationml/2006/main">
   <p:cSld>
     <p:spTree>
@@ -23466,7 +27852,7 @@
           <a:p>
             <a:fld id="{07EBFD83-9EC0-4EA4-B541-6D3CD8FCBB6C}" type="slidenum">
               <a:rPr lang="en-US" smtClean="0"/>
-              <a:t>4</a:t>
+              <a:t>6</a:t>
             </a:fld>
             <a:endParaRPr lang="en-US"/>
           </a:p>
@@ -23492,7 +27878,7 @@
 </p:sld>
 </file>
 
-<file path=ppt/slides/slide5.xml><?xml version="1.0" encoding="utf-8"?>
+<file path=ppt/slides/slide7.xml><?xml version="1.0" encoding="utf-8"?>
 <p:sld xmlns:a="http://schemas.openxmlformats.org/drawingml/2006/main" xmlns:r="http://schemas.openxmlformats.org/officeDocument/2006/relationships" xmlns:p="http://schemas.openxmlformats.org/presentationml/2006/main">
   <p:cSld>
     <p:spTree>
@@ -24345,7 +28731,7 @@
           <a:p>
             <a:fld id="{07EBFD83-9EC0-4EA4-B541-6D3CD8FCBB6C}" type="slidenum">
               <a:rPr lang="en-US" smtClean="0"/>
-              <a:t>5</a:t>
+              <a:t>7</a:t>
             </a:fld>
             <a:endParaRPr lang="en-US"/>
           </a:p>
@@ -24622,7 +29008,7 @@
 </p:sld>
 </file>
 
-<file path=ppt/slides/slide6.xml><?xml version="1.0" encoding="utf-8"?>
+<file path=ppt/slides/slide8.xml><?xml version="1.0" encoding="utf-8"?>
 <p:sld xmlns:a="http://schemas.openxmlformats.org/drawingml/2006/main" xmlns:r="http://schemas.openxmlformats.org/officeDocument/2006/relationships" xmlns:p="http://schemas.openxmlformats.org/presentationml/2006/main">
   <p:cSld>
     <p:spTree>
@@ -24675,7 +29061,7 @@
         <p:spPr bwMode="auto">
           <a:xfrm>
             <a:off x="3505200" y="1828800"/>
-            <a:ext cx="5181600" cy="1311275"/>
+            <a:ext cx="5181600" cy="1015663"/>
           </a:xfrm>
           <a:prstGeom prst="rect">
             <a:avLst/>
@@ -24724,14 +29110,6 @@
             <a:endParaRPr lang="en-US" altLang="en-US" sz="2000" dirty="0">
               <a:latin typeface="Arial" charset="0"/>
             </a:endParaRPr>
-          </a:p>
-          <a:p>
-            <a:r>
-              <a:rPr lang="en-US" altLang="en-US" sz="2000" dirty="0">
-                <a:latin typeface="Arial" charset="0"/>
-              </a:rPr>
-              <a:t>Think about query-likelihood model…</a:t>
-            </a:r>
           </a:p>
         </p:txBody>
       </p:sp>
@@ -24757,7 +29135,7 @@
           <a:graphicData uri="http://schemas.openxmlformats.org/presentationml/2006/ole">
             <mc:AlternateContent xmlns:mc="http://schemas.openxmlformats.org/markup-compatibility/2006">
               <mc:Choice xmlns:v="urn:schemas-microsoft-com:vml" Requires="v">
-                <p:oleObj spid="_x0000_s2072" name="Equation" r:id="rId3" imgW="2705040" imgH="901440" progId="Equation.DSMT4">
+                <p:oleObj spid="_x0000_s2076" name="Equation" r:id="rId3" imgW="2705040" imgH="901440" progId="Equation.DSMT4">
                   <p:embed/>
                 </p:oleObj>
               </mc:Choice>
@@ -25668,9 +30046,111 @@
           <a:p>
             <a:fld id="{07EBFD83-9EC0-4EA4-B541-6D3CD8FCBB6C}" type="slidenum">
               <a:rPr lang="en-US" smtClean="0"/>
-              <a:t>6</a:t>
+              <a:t>8</a:t>
             </a:fld>
             <a:endParaRPr lang="en-US"/>
+          </a:p>
+        </p:txBody>
+      </p:sp>
+      <p:sp>
+        <p:nvSpPr>
+          <p:cNvPr id="10" name="Rectangle 9"/>
+          <p:cNvSpPr/>
+          <p:nvPr/>
+        </p:nvSpPr>
+        <p:spPr>
+          <a:xfrm>
+            <a:off x="3505200" y="2877653"/>
+            <a:ext cx="3993401" cy="369332"/>
+          </a:xfrm>
+          <a:prstGeom prst="rect">
+            <a:avLst/>
+          </a:prstGeom>
+        </p:spPr>
+        <p:txBody>
+          <a:bodyPr wrap="none">
+            <a:spAutoFit/>
+          </a:bodyPr>
+          <a:lstStyle/>
+          <a:p>
+            <a:r>
+              <a:rPr lang="en-US" altLang="en-US" dirty="0">
+                <a:latin typeface="Arial" charset="0"/>
+              </a:rPr>
+              <a:t>Think about query-likelihood model…</a:t>
+            </a:r>
+          </a:p>
+        </p:txBody>
+      </p:sp>
+      <p:sp>
+        <p:nvSpPr>
+          <p:cNvPr id="24" name="Rectangle 23"/>
+          <p:cNvSpPr/>
+          <p:nvPr/>
+        </p:nvSpPr>
+        <p:spPr>
+          <a:xfrm>
+            <a:off x="3505200" y="2501039"/>
+            <a:ext cx="2569934" cy="369332"/>
+          </a:xfrm>
+          <a:prstGeom prst="rect">
+            <a:avLst/>
+          </a:prstGeom>
+        </p:spPr>
+        <p:txBody>
+          <a:bodyPr wrap="none">
+            <a:spAutoFit/>
+          </a:bodyPr>
+          <a:lstStyle/>
+          <a:p>
+            <a:r>
+              <a:rPr lang="en-US" altLang="en-US" dirty="0" smtClean="0">
+                <a:latin typeface="Arial" charset="0"/>
+              </a:rPr>
+              <a:t>In vector space model?</a:t>
+            </a:r>
+            <a:endParaRPr lang="en-US" altLang="en-US" dirty="0">
+              <a:latin typeface="Arial" charset="0"/>
+            </a:endParaRPr>
+          </a:p>
+        </p:txBody>
+      </p:sp>
+      <p:sp>
+        <p:nvSpPr>
+          <p:cNvPr id="25" name="Rectangle 24"/>
+          <p:cNvSpPr/>
+          <p:nvPr/>
+        </p:nvSpPr>
+        <p:spPr>
+          <a:xfrm>
+            <a:off x="6052704" y="2501039"/>
+            <a:ext cx="1497205" cy="369332"/>
+          </a:xfrm>
+          <a:prstGeom prst="rect">
+            <a:avLst/>
+          </a:prstGeom>
+        </p:spPr>
+        <p:txBody>
+          <a:bodyPr wrap="none">
+            <a:spAutoFit/>
+          </a:bodyPr>
+          <a:lstStyle/>
+          <a:p>
+            <a:r>
+              <a:rPr lang="en-US" altLang="en-US" dirty="0" smtClean="0">
+                <a:solidFill>
+                  <a:srgbClr val="FF0000"/>
+                </a:solidFill>
+                <a:latin typeface="Arial" charset="0"/>
+              </a:rPr>
+              <a:t>Weighted TF</a:t>
+            </a:r>
+            <a:endParaRPr lang="en-US" altLang="en-US" dirty="0">
+              <a:solidFill>
+                <a:srgbClr val="FF0000"/>
+              </a:solidFill>
+              <a:latin typeface="Arial" charset="0"/>
+            </a:endParaRPr>
           </a:p>
         </p:txBody>
       </p:sp>
@@ -25705,7 +30185,7 @@
                             </p:stCondLst>
                             <p:childTnLst>
                               <p:par>
-                                <p:cTn id="5" presetID="10" presetClass="entr" presetSubtype="0" fill="hold" nodeType="clickEffect">
+                                <p:cTn id="5" presetID="1" presetClass="entr" presetSubtype="0" fill="hold" grpId="0" nodeType="clickEffect">
                                   <p:stCondLst>
                                     <p:cond delay="0"/>
                                   </p:stCondLst>
@@ -25718,7 +30198,7 @@
                                           </p:stCondLst>
                                         </p:cTn>
                                         <p:tgtEl>
-                                          <p:spTgt spid="8"/>
+                                          <p:spTgt spid="24"/>
                                         </p:tgtEl>
                                         <p:attrNameLst>
                                           <p:attrName>style.visibility</p:attrName>
@@ -25728,28 +30208,29 @@
                                         <p:strVal val="visible"/>
                                       </p:to>
                                     </p:set>
-                                    <p:animEffect transition="in" filter="fade">
-                                      <p:cBhvr>
-                                        <p:cTn id="7" dur="500"/>
-                                        <p:tgtEl>
-                                          <p:spTgt spid="8"/>
-                                        </p:tgtEl>
-                                      </p:cBhvr>
-                                    </p:animEffect>
                                   </p:childTnLst>
                                 </p:cTn>
                               </p:par>
                             </p:childTnLst>
                           </p:cTn>
                         </p:par>
+                      </p:childTnLst>
+                    </p:cTn>
+                  </p:par>
+                  <p:par>
+                    <p:cTn id="7" fill="hold">
+                      <p:stCondLst>
+                        <p:cond delay="indefinite"/>
+                      </p:stCondLst>
+                      <p:childTnLst>
                         <p:par>
                           <p:cTn id="8" fill="hold">
                             <p:stCondLst>
-                              <p:cond delay="500"/>
+                              <p:cond delay="0"/>
                             </p:stCondLst>
                             <p:childTnLst>
                               <p:par>
-                                <p:cTn id="9" presetID="1" presetClass="entr" presetSubtype="0" fill="hold" grpId="0" nodeType="afterEffect">
+                                <p:cTn id="9" presetID="1" presetClass="entr" presetSubtype="0" fill="hold" grpId="0" nodeType="clickEffect">
                                   <p:stCondLst>
                                     <p:cond delay="0"/>
                                   </p:stCondLst>
@@ -25762,7 +30243,7 @@
                                           </p:stCondLst>
                                         </p:cTn>
                                         <p:tgtEl>
-                                          <p:spTgt spid="473120"/>
+                                          <p:spTgt spid="25"/>
                                         </p:tgtEl>
                                         <p:attrNameLst>
                                           <p:attrName>style.visibility</p:attrName>
@@ -25794,7 +30275,7 @@
                             </p:stCondLst>
                             <p:childTnLst>
                               <p:par>
-                                <p:cTn id="13" presetID="1" presetClass="entr" presetSubtype="0" fill="hold" nodeType="clickEffect">
+                                <p:cTn id="13" presetID="1" presetClass="entr" presetSubtype="0" fill="hold" grpId="0" nodeType="clickEffect">
                                   <p:stCondLst>
                                     <p:cond delay="0"/>
                                   </p:stCondLst>
@@ -25807,7 +30288,7 @@
                                           </p:stCondLst>
                                         </p:cTn>
                                         <p:tgtEl>
-                                          <p:spTgt spid="473095"/>
+                                          <p:spTgt spid="10"/>
                                         </p:tgtEl>
                                         <p:attrNameLst>
                                           <p:attrName>style.visibility</p:attrName>
@@ -25839,7 +30320,7 @@
                             </p:stCondLst>
                             <p:childTnLst>
                               <p:par>
-                                <p:cTn id="17" presetID="1" presetClass="entr" presetSubtype="0" fill="hold" nodeType="clickEffect">
+                                <p:cTn id="17" presetID="10" presetClass="entr" presetSubtype="0" fill="hold" nodeType="clickEffect">
                                   <p:stCondLst>
                                     <p:cond delay="0"/>
                                   </p:stCondLst>
@@ -25847,6 +30328,140 @@
                                     <p:set>
                                       <p:cBhvr>
                                         <p:cTn id="18" dur="1" fill="hold">
+                                          <p:stCondLst>
+                                            <p:cond delay="0"/>
+                                          </p:stCondLst>
+                                        </p:cTn>
+                                        <p:tgtEl>
+                                          <p:spTgt spid="8"/>
+                                        </p:tgtEl>
+                                        <p:attrNameLst>
+                                          <p:attrName>style.visibility</p:attrName>
+                                        </p:attrNameLst>
+                                      </p:cBhvr>
+                                      <p:to>
+                                        <p:strVal val="visible"/>
+                                      </p:to>
+                                    </p:set>
+                                    <p:animEffect transition="in" filter="fade">
+                                      <p:cBhvr>
+                                        <p:cTn id="19" dur="500"/>
+                                        <p:tgtEl>
+                                          <p:spTgt spid="8"/>
+                                        </p:tgtEl>
+                                      </p:cBhvr>
+                                    </p:animEffect>
+                                  </p:childTnLst>
+                                </p:cTn>
+                              </p:par>
+                            </p:childTnLst>
+                          </p:cTn>
+                        </p:par>
+                        <p:par>
+                          <p:cTn id="20" fill="hold">
+                            <p:stCondLst>
+                              <p:cond delay="500"/>
+                            </p:stCondLst>
+                            <p:childTnLst>
+                              <p:par>
+                                <p:cTn id="21" presetID="1" presetClass="entr" presetSubtype="0" fill="hold" grpId="0" nodeType="afterEffect">
+                                  <p:stCondLst>
+                                    <p:cond delay="0"/>
+                                  </p:stCondLst>
+                                  <p:childTnLst>
+                                    <p:set>
+                                      <p:cBhvr>
+                                        <p:cTn id="22" dur="1" fill="hold">
+                                          <p:stCondLst>
+                                            <p:cond delay="0"/>
+                                          </p:stCondLst>
+                                        </p:cTn>
+                                        <p:tgtEl>
+                                          <p:spTgt spid="473120"/>
+                                        </p:tgtEl>
+                                        <p:attrNameLst>
+                                          <p:attrName>style.visibility</p:attrName>
+                                        </p:attrNameLst>
+                                      </p:cBhvr>
+                                      <p:to>
+                                        <p:strVal val="visible"/>
+                                      </p:to>
+                                    </p:set>
+                                  </p:childTnLst>
+                                </p:cTn>
+                              </p:par>
+                            </p:childTnLst>
+                          </p:cTn>
+                        </p:par>
+                      </p:childTnLst>
+                    </p:cTn>
+                  </p:par>
+                  <p:par>
+                    <p:cTn id="23" fill="hold">
+                      <p:stCondLst>
+                        <p:cond delay="indefinite"/>
+                      </p:stCondLst>
+                      <p:childTnLst>
+                        <p:par>
+                          <p:cTn id="24" fill="hold">
+                            <p:stCondLst>
+                              <p:cond delay="0"/>
+                            </p:stCondLst>
+                            <p:childTnLst>
+                              <p:par>
+                                <p:cTn id="25" presetID="1" presetClass="entr" presetSubtype="0" fill="hold" nodeType="clickEffect">
+                                  <p:stCondLst>
+                                    <p:cond delay="0"/>
+                                  </p:stCondLst>
+                                  <p:childTnLst>
+                                    <p:set>
+                                      <p:cBhvr>
+                                        <p:cTn id="26" dur="1" fill="hold">
+                                          <p:stCondLst>
+                                            <p:cond delay="0"/>
+                                          </p:stCondLst>
+                                        </p:cTn>
+                                        <p:tgtEl>
+                                          <p:spTgt spid="473095"/>
+                                        </p:tgtEl>
+                                        <p:attrNameLst>
+                                          <p:attrName>style.visibility</p:attrName>
+                                        </p:attrNameLst>
+                                      </p:cBhvr>
+                                      <p:to>
+                                        <p:strVal val="visible"/>
+                                      </p:to>
+                                    </p:set>
+                                  </p:childTnLst>
+                                </p:cTn>
+                              </p:par>
+                            </p:childTnLst>
+                          </p:cTn>
+                        </p:par>
+                      </p:childTnLst>
+                    </p:cTn>
+                  </p:par>
+                  <p:par>
+                    <p:cTn id="27" fill="hold">
+                      <p:stCondLst>
+                        <p:cond delay="indefinite"/>
+                      </p:stCondLst>
+                      <p:childTnLst>
+                        <p:par>
+                          <p:cTn id="28" fill="hold">
+                            <p:stCondLst>
+                              <p:cond delay="0"/>
+                            </p:stCondLst>
+                            <p:childTnLst>
+                              <p:par>
+                                <p:cTn id="29" presetID="1" presetClass="entr" presetSubtype="0" fill="hold" nodeType="clickEffect">
+                                  <p:stCondLst>
+                                    <p:cond delay="0"/>
+                                  </p:stCondLst>
+                                  <p:childTnLst>
+                                    <p:set>
+                                      <p:cBhvr>
+                                        <p:cTn id="30" dur="1" fill="hold">
                                           <p:stCondLst>
                                             <p:cond delay="0"/>
                                           </p:stCondLst>
@@ -25894,12 +30509,15 @@
     </p:tnLst>
     <p:bldLst>
       <p:bldP spid="473120" grpId="0"/>
+      <p:bldP spid="10" grpId="0"/>
+      <p:bldP spid="24" grpId="0"/>
+      <p:bldP spid="25" grpId="0"/>
     </p:bldLst>
   </p:timing>
 </p:sld>
 </file>
 
-<file path=ppt/slides/slide7.xml><?xml version="1.0" encoding="utf-8"?>
+<file path=ppt/slides/slide9.xml><?xml version="1.0" encoding="utf-8"?>
 <p:sld xmlns:a="http://schemas.openxmlformats.org/drawingml/2006/main" xmlns:r="http://schemas.openxmlformats.org/officeDocument/2006/relationships" xmlns:p="http://schemas.openxmlformats.org/presentationml/2006/main">
   <p:cSld>
     <p:spTree>
@@ -26110,7 +30728,7 @@
           <a:p>
             <a:fld id="{07EBFD83-9EC0-4EA4-B541-6D3CD8FCBB6C}" type="slidenum">
               <a:rPr lang="en-US" smtClean="0"/>
-              <a:t>7</a:t>
+              <a:t>9</a:t>
             </a:fld>
             <a:endParaRPr lang="en-US"/>
           </a:p>
@@ -26120,476 +30738,6 @@
     <p:extLst>
       <p:ext uri="{BB962C8B-B14F-4D97-AF65-F5344CB8AC3E}">
         <p14:creationId xmlns:p14="http://schemas.microsoft.com/office/powerpoint/2010/main" val="1026362433"/>
-      </p:ext>
-    </p:extLst>
-  </p:cSld>
-  <p:clrMapOvr>
-    <a:masterClrMapping/>
-  </p:clrMapOvr>
-  <p:timing>
-    <p:tnLst>
-      <p:par>
-        <p:cTn id="1" dur="indefinite" restart="never" nodeType="tmRoot"/>
-      </p:par>
-    </p:tnLst>
-  </p:timing>
-</p:sld>
-</file>
-
-<file path=ppt/slides/slide8.xml><?xml version="1.0" encoding="utf-8"?>
-<p:sld xmlns:a="http://schemas.openxmlformats.org/drawingml/2006/main" xmlns:r="http://schemas.openxmlformats.org/officeDocument/2006/relationships" xmlns:p="http://schemas.openxmlformats.org/presentationml/2006/main">
-  <p:cSld>
-    <p:spTree>
-      <p:nvGrpSpPr>
-        <p:cNvPr id="1" name=""/>
-        <p:cNvGrpSpPr/>
-        <p:nvPr/>
-      </p:nvGrpSpPr>
-      <p:grpSpPr>
-        <a:xfrm>
-          <a:off x="0" y="0"/>
-          <a:ext cx="0" cy="0"/>
-          <a:chOff x="0" y="0"/>
-          <a:chExt cx="0" cy="0"/>
-        </a:xfrm>
-      </p:grpSpPr>
-      <p:sp>
-        <p:nvSpPr>
-          <p:cNvPr id="2" name="Title 1"/>
-          <p:cNvSpPr>
-            <a:spLocks noGrp="1"/>
-          </p:cNvSpPr>
-          <p:nvPr>
-            <p:ph type="title"/>
-          </p:nvPr>
-        </p:nvSpPr>
-        <p:spPr/>
-        <p:txBody>
-          <a:bodyPr/>
-          <a:lstStyle/>
-          <a:p>
-            <a:r>
-              <a:rPr lang="en-US" dirty="0" smtClean="0"/>
-              <a:t>What do the links tell us?</a:t>
-            </a:r>
-            <a:endParaRPr lang="en-US" dirty="0"/>
-          </a:p>
-        </p:txBody>
-      </p:sp>
-      <p:sp>
-        <p:nvSpPr>
-          <p:cNvPr id="3" name="Content Placeholder 2"/>
-          <p:cNvSpPr>
-            <a:spLocks noGrp="1"/>
-          </p:cNvSpPr>
-          <p:nvPr>
-            <p:ph idx="1"/>
-          </p:nvPr>
-        </p:nvSpPr>
-        <p:spPr/>
-        <p:txBody>
-          <a:bodyPr/>
-          <a:lstStyle/>
-          <a:p>
-            <a:r>
-              <a:rPr lang="en-US" dirty="0" smtClean="0"/>
-              <a:t>Anchor</a:t>
-            </a:r>
-          </a:p>
-          <a:p>
-            <a:pPr lvl="1"/>
-            <a:r>
-              <a:rPr lang="en-US" dirty="0" smtClean="0"/>
-              <a:t>Rendered form</a:t>
-            </a:r>
-          </a:p>
-          <a:p>
-            <a:endParaRPr lang="en-US" sz="2400" dirty="0"/>
-          </a:p>
-          <a:p>
-            <a:endParaRPr lang="en-US" dirty="0" smtClean="0"/>
-          </a:p>
-          <a:p>
-            <a:endParaRPr lang="en-US" dirty="0"/>
-          </a:p>
-          <a:p>
-            <a:pPr lvl="1"/>
-            <a:r>
-              <a:rPr lang="en-US" dirty="0" smtClean="0"/>
-              <a:t>Original form</a:t>
-            </a:r>
-          </a:p>
-          <a:p>
-            <a:pPr lvl="1"/>
-            <a:endParaRPr lang="en-US" dirty="0" smtClean="0"/>
-          </a:p>
-          <a:p>
-            <a:pPr lvl="1"/>
-            <a:endParaRPr lang="en-US" dirty="0"/>
-          </a:p>
-        </p:txBody>
-      </p:sp>
-      <p:pic>
-        <p:nvPicPr>
-          <p:cNvPr id="3074" name="Picture 2"/>
-          <p:cNvPicPr>
-            <a:picLocks noChangeAspect="1" noChangeArrowheads="1"/>
-          </p:cNvPicPr>
-          <p:nvPr/>
-        </p:nvPicPr>
-        <p:blipFill>
-          <a:blip r:embed="rId2">
-            <a:extLst>
-              <a:ext uri="{28A0092B-C50C-407E-A947-70E740481C1C}">
-                <a14:useLocalDpi xmlns:a14="http://schemas.microsoft.com/office/drawing/2010/main" val="0"/>
-              </a:ext>
-            </a:extLst>
-          </a:blip>
-          <a:srcRect/>
-          <a:stretch>
-            <a:fillRect/>
-          </a:stretch>
-        </p:blipFill>
-        <p:spPr bwMode="auto">
-          <a:xfrm>
-            <a:off x="1229677" y="2694432"/>
-            <a:ext cx="6715125" cy="1638300"/>
-          </a:xfrm>
-          <a:prstGeom prst="rect">
-            <a:avLst/>
-          </a:prstGeom>
-          <a:noFill/>
-          <a:ln>
-            <a:noFill/>
-          </a:ln>
-          <a:extLst>
-            <a:ext uri="{909E8E84-426E-40DD-AFC4-6F175D3DCCD1}">
-              <a14:hiddenFill xmlns:a14="http://schemas.microsoft.com/office/drawing/2010/main">
-                <a:solidFill>
-                  <a:schemeClr val="accent1"/>
-                </a:solidFill>
-              </a14:hiddenFill>
-            </a:ext>
-            <a:ext uri="{91240B29-F687-4F45-9708-019B960494DF}">
-              <a14:hiddenLine xmlns:a14="http://schemas.microsoft.com/office/drawing/2010/main" w="9525">
-                <a:solidFill>
-                  <a:schemeClr val="tx1"/>
-                </a:solidFill>
-                <a:miter lim="800000"/>
-                <a:headEnd/>
-                <a:tailEnd/>
-              </a14:hiddenLine>
-            </a:ext>
-          </a:extLst>
-        </p:spPr>
-      </p:pic>
-      <p:pic>
-        <p:nvPicPr>
-          <p:cNvPr id="3076" name="Picture 4"/>
-          <p:cNvPicPr>
-            <a:picLocks noChangeAspect="1" noChangeArrowheads="1"/>
-          </p:cNvPicPr>
-          <p:nvPr/>
-        </p:nvPicPr>
-        <p:blipFill>
-          <a:blip r:embed="rId3">
-            <a:extLst>
-              <a:ext uri="{28A0092B-C50C-407E-A947-70E740481C1C}">
-                <a14:useLocalDpi xmlns:a14="http://schemas.microsoft.com/office/drawing/2010/main" val="0"/>
-              </a:ext>
-            </a:extLst>
-          </a:blip>
-          <a:srcRect/>
-          <a:stretch>
-            <a:fillRect/>
-          </a:stretch>
-        </p:blipFill>
-        <p:spPr bwMode="auto">
-          <a:xfrm>
-            <a:off x="1229677" y="4800600"/>
-            <a:ext cx="6528050" cy="594360"/>
-          </a:xfrm>
-          <a:prstGeom prst="rect">
-            <a:avLst/>
-          </a:prstGeom>
-          <a:noFill/>
-          <a:ln>
-            <a:noFill/>
-          </a:ln>
-          <a:extLst>
-            <a:ext uri="{909E8E84-426E-40DD-AFC4-6F175D3DCCD1}">
-              <a14:hiddenFill xmlns:a14="http://schemas.microsoft.com/office/drawing/2010/main">
-                <a:solidFill>
-                  <a:schemeClr val="accent1"/>
-                </a:solidFill>
-              </a14:hiddenFill>
-            </a:ext>
-            <a:ext uri="{91240B29-F687-4F45-9708-019B960494DF}">
-              <a14:hiddenLine xmlns:a14="http://schemas.microsoft.com/office/drawing/2010/main" w="9525">
-                <a:solidFill>
-                  <a:schemeClr val="tx1"/>
-                </a:solidFill>
-                <a:miter lim="800000"/>
-                <a:headEnd/>
-                <a:tailEnd/>
-              </a14:hiddenLine>
-            </a:ext>
-          </a:extLst>
-        </p:spPr>
-      </p:pic>
-      <p:sp>
-        <p:nvSpPr>
-          <p:cNvPr id="4" name="Date Placeholder 3"/>
-          <p:cNvSpPr>
-            <a:spLocks noGrp="1"/>
-          </p:cNvSpPr>
-          <p:nvPr>
-            <p:ph type="dt" sz="half" idx="10"/>
-          </p:nvPr>
-        </p:nvSpPr>
-        <p:spPr/>
-        <p:txBody>
-          <a:bodyPr/>
-          <a:lstStyle/>
-          <a:p>
-            <a:r>
-              <a:rPr lang="en-US" smtClean="0"/>
-              <a:t>CS@UVa</a:t>
-            </a:r>
-            <a:endParaRPr lang="en-US"/>
-          </a:p>
-        </p:txBody>
-      </p:sp>
-      <p:sp>
-        <p:nvSpPr>
-          <p:cNvPr id="5" name="Footer Placeholder 4"/>
-          <p:cNvSpPr>
-            <a:spLocks noGrp="1"/>
-          </p:cNvSpPr>
-          <p:nvPr>
-            <p:ph type="ftr" sz="quarter" idx="11"/>
-          </p:nvPr>
-        </p:nvSpPr>
-        <p:spPr/>
-        <p:txBody>
-          <a:bodyPr/>
-          <a:lstStyle/>
-          <a:p>
-            <a:r>
-              <a:rPr lang="en-US" smtClean="0"/>
-              <a:t>CS 4501: Information Retrieval</a:t>
-            </a:r>
-            <a:endParaRPr lang="en-US"/>
-          </a:p>
-        </p:txBody>
-      </p:sp>
-      <p:sp>
-        <p:nvSpPr>
-          <p:cNvPr id="6" name="Slide Number Placeholder 5"/>
-          <p:cNvSpPr>
-            <a:spLocks noGrp="1"/>
-          </p:cNvSpPr>
-          <p:nvPr>
-            <p:ph type="sldNum" sz="quarter" idx="12"/>
-          </p:nvPr>
-        </p:nvSpPr>
-        <p:spPr/>
-        <p:txBody>
-          <a:bodyPr/>
-          <a:lstStyle/>
-          <a:p>
-            <a:fld id="{07EBFD83-9EC0-4EA4-B541-6D3CD8FCBB6C}" type="slidenum">
-              <a:rPr lang="en-US" smtClean="0"/>
-              <a:t>8</a:t>
-            </a:fld>
-            <a:endParaRPr lang="en-US"/>
-          </a:p>
-        </p:txBody>
-      </p:sp>
-    </p:spTree>
-    <p:extLst>
-      <p:ext uri="{BB962C8B-B14F-4D97-AF65-F5344CB8AC3E}">
-        <p14:creationId xmlns:p14="http://schemas.microsoft.com/office/powerpoint/2010/main" val="203450677"/>
-      </p:ext>
-    </p:extLst>
-  </p:cSld>
-  <p:clrMapOvr>
-    <a:masterClrMapping/>
-  </p:clrMapOvr>
-  <p:timing>
-    <p:tnLst>
-      <p:par>
-        <p:cTn id="1" dur="indefinite" restart="never" nodeType="tmRoot"/>
-      </p:par>
-    </p:tnLst>
-  </p:timing>
-</p:sld>
-</file>
-
-<file path=ppt/slides/slide9.xml><?xml version="1.0" encoding="utf-8"?>
-<p:sld xmlns:a="http://schemas.openxmlformats.org/drawingml/2006/main" xmlns:r="http://schemas.openxmlformats.org/officeDocument/2006/relationships" xmlns:p="http://schemas.openxmlformats.org/presentationml/2006/main">
-  <p:cSld>
-    <p:spTree>
-      <p:nvGrpSpPr>
-        <p:cNvPr id="1" name=""/>
-        <p:cNvGrpSpPr/>
-        <p:nvPr/>
-      </p:nvGrpSpPr>
-      <p:grpSpPr>
-        <a:xfrm>
-          <a:off x="0" y="0"/>
-          <a:ext cx="0" cy="0"/>
-          <a:chOff x="0" y="0"/>
-          <a:chExt cx="0" cy="0"/>
-        </a:xfrm>
-      </p:grpSpPr>
-      <p:sp>
-        <p:nvSpPr>
-          <p:cNvPr id="2" name="Title 1"/>
-          <p:cNvSpPr>
-            <a:spLocks noGrp="1"/>
-          </p:cNvSpPr>
-          <p:nvPr>
-            <p:ph type="title"/>
-          </p:nvPr>
-        </p:nvSpPr>
-        <p:spPr/>
-        <p:txBody>
-          <a:bodyPr/>
-          <a:lstStyle/>
-          <a:p>
-            <a:r>
-              <a:rPr lang="en-US" dirty="0" smtClean="0"/>
-              <a:t>What do the links tell us?</a:t>
-            </a:r>
-            <a:endParaRPr lang="en-US" dirty="0"/>
-          </a:p>
-        </p:txBody>
-      </p:sp>
-      <p:sp>
-        <p:nvSpPr>
-          <p:cNvPr id="3" name="Content Placeholder 2"/>
-          <p:cNvSpPr>
-            <a:spLocks noGrp="1"/>
-          </p:cNvSpPr>
-          <p:nvPr>
-            <p:ph idx="1"/>
-          </p:nvPr>
-        </p:nvSpPr>
-        <p:spPr/>
-        <p:txBody>
-          <a:bodyPr/>
-          <a:lstStyle/>
-          <a:p>
-            <a:r>
-              <a:rPr lang="en-US" dirty="0" smtClean="0"/>
-              <a:t>Anchor text</a:t>
-            </a:r>
-          </a:p>
-          <a:p>
-            <a:pPr lvl="1"/>
-            <a:r>
-              <a:rPr lang="en-US" dirty="0" smtClean="0"/>
-              <a:t>How others describe the page</a:t>
-            </a:r>
-          </a:p>
-          <a:p>
-            <a:pPr lvl="2"/>
-            <a:r>
-              <a:rPr lang="en-US" dirty="0" smtClean="0"/>
-              <a:t>E.g., “big blue” is a nick name of IBM, but never found on IBM’s official web site</a:t>
-            </a:r>
-          </a:p>
-          <a:p>
-            <a:pPr lvl="1"/>
-            <a:r>
-              <a:rPr lang="en-US" dirty="0" smtClean="0"/>
-              <a:t> A good source for query expansion, or directly put into index</a:t>
-            </a:r>
-          </a:p>
-          <a:p>
-            <a:pPr lvl="2"/>
-            <a:endParaRPr lang="en-US" dirty="0" smtClean="0"/>
-          </a:p>
-          <a:p>
-            <a:pPr lvl="1"/>
-            <a:endParaRPr lang="en-US" dirty="0"/>
-          </a:p>
-        </p:txBody>
-      </p:sp>
-      <p:sp>
-        <p:nvSpPr>
-          <p:cNvPr id="4" name="Date Placeholder 3"/>
-          <p:cNvSpPr>
-            <a:spLocks noGrp="1"/>
-          </p:cNvSpPr>
-          <p:nvPr>
-            <p:ph type="dt" sz="half" idx="10"/>
-          </p:nvPr>
-        </p:nvSpPr>
-        <p:spPr/>
-        <p:txBody>
-          <a:bodyPr/>
-          <a:lstStyle/>
-          <a:p>
-            <a:r>
-              <a:rPr lang="en-US" smtClean="0"/>
-              <a:t>CS@UVa</a:t>
-            </a:r>
-            <a:endParaRPr lang="en-US"/>
-          </a:p>
-        </p:txBody>
-      </p:sp>
-      <p:sp>
-        <p:nvSpPr>
-          <p:cNvPr id="5" name="Footer Placeholder 4"/>
-          <p:cNvSpPr>
-            <a:spLocks noGrp="1"/>
-          </p:cNvSpPr>
-          <p:nvPr>
-            <p:ph type="ftr" sz="quarter" idx="11"/>
-          </p:nvPr>
-        </p:nvSpPr>
-        <p:spPr/>
-        <p:txBody>
-          <a:bodyPr/>
-          <a:lstStyle/>
-          <a:p>
-            <a:r>
-              <a:rPr lang="en-US" smtClean="0"/>
-              <a:t>CS 4501: Information Retrieval</a:t>
-            </a:r>
-            <a:endParaRPr lang="en-US"/>
-          </a:p>
-        </p:txBody>
-      </p:sp>
-      <p:sp>
-        <p:nvSpPr>
-          <p:cNvPr id="6" name="Slide Number Placeholder 5"/>
-          <p:cNvSpPr>
-            <a:spLocks noGrp="1"/>
-          </p:cNvSpPr>
-          <p:nvPr>
-            <p:ph type="sldNum" sz="quarter" idx="12"/>
-          </p:nvPr>
-        </p:nvSpPr>
-        <p:spPr/>
-        <p:txBody>
-          <a:bodyPr/>
-          <a:lstStyle/>
-          <a:p>
-            <a:fld id="{07EBFD83-9EC0-4EA4-B541-6D3CD8FCBB6C}" type="slidenum">
-              <a:rPr lang="en-US" smtClean="0"/>
-              <a:t>9</a:t>
-            </a:fld>
-            <a:endParaRPr lang="en-US"/>
-          </a:p>
-        </p:txBody>
-      </p:sp>
-    </p:spTree>
-    <p:extLst>
-      <p:ext uri="{BB962C8B-B14F-4D97-AF65-F5344CB8AC3E}">
-        <p14:creationId xmlns:p14="http://schemas.microsoft.com/office/powerpoint/2010/main" val="3647973384"/>
       </p:ext>
     </p:extLst>
   </p:cSld>
